--- a/aulas/gsi526/Aula 2 - Requisitos de SW - old.pptx
+++ b/aulas/gsi526/Aula 2 - Requisitos de SW - old.pptx
@@ -1,56 +1,438 @@
 
 <file path=ppt/presentation.xml><?xml version="1.0" encoding="utf-8"?>
-<p:presentation xmlns:a="http://schemas.openxmlformats.org/drawingml/2006/main" xmlns:p="http://schemas.openxmlformats.org/presentationml/2006/main" xmlns:r="http://schemas.openxmlformats.org/officeDocument/2006/relationships">
+<p:presentation xmlns:a="http://schemas.openxmlformats.org/drawingml/2006/main" xmlns:r="http://schemas.openxmlformats.org/officeDocument/2006/relationships" xmlns:p="http://schemas.openxmlformats.org/presentationml/2006/main">
   <p:sldMasterIdLst>
-    <p:sldMasterId id="2147483648" r:id="rId2"/>
-    <p:sldMasterId id="2147483661" r:id="rId3"/>
+    <p:sldMasterId id="2147483648" r:id="rId1"/>
+    <p:sldMasterId id="2147483661" r:id="rId2"/>
   </p:sldMasterIdLst>
   <p:notesMasterIdLst>
-    <p:notesMasterId r:id="rId4"/>
+    <p:notesMasterId r:id="rId37"/>
   </p:notesMasterIdLst>
   <p:sldIdLst>
-    <p:sldId id="256" r:id="rId5"/>
-    <p:sldId id="257" r:id="rId6"/>
-    <p:sldId id="258" r:id="rId7"/>
-    <p:sldId id="259" r:id="rId8"/>
-    <p:sldId id="260" r:id="rId9"/>
-    <p:sldId id="261" r:id="rId10"/>
-    <p:sldId id="262" r:id="rId11"/>
-    <p:sldId id="263" r:id="rId12"/>
-    <p:sldId id="264" r:id="rId13"/>
-    <p:sldId id="265" r:id="rId14"/>
-    <p:sldId id="266" r:id="rId15"/>
-    <p:sldId id="267" r:id="rId16"/>
-    <p:sldId id="268" r:id="rId17"/>
-    <p:sldId id="269" r:id="rId18"/>
-    <p:sldId id="270" r:id="rId19"/>
-    <p:sldId id="271" r:id="rId20"/>
-    <p:sldId id="272" r:id="rId21"/>
-    <p:sldId id="273" r:id="rId22"/>
-    <p:sldId id="274" r:id="rId23"/>
-    <p:sldId id="275" r:id="rId24"/>
-    <p:sldId id="276" r:id="rId25"/>
-    <p:sldId id="277" r:id="rId26"/>
-    <p:sldId id="278" r:id="rId27"/>
-    <p:sldId id="279" r:id="rId28"/>
-    <p:sldId id="280" r:id="rId29"/>
-    <p:sldId id="281" r:id="rId30"/>
-    <p:sldId id="282" r:id="rId31"/>
-    <p:sldId id="283" r:id="rId32"/>
-    <p:sldId id="284" r:id="rId33"/>
-    <p:sldId id="285" r:id="rId34"/>
-    <p:sldId id="286" r:id="rId35"/>
-    <p:sldId id="287" r:id="rId36"/>
-    <p:sldId id="288" r:id="rId37"/>
-    <p:sldId id="289" r:id="rId38"/>
+    <p:sldId id="256" r:id="rId3"/>
+    <p:sldId id="257" r:id="rId4"/>
+    <p:sldId id="258" r:id="rId5"/>
+    <p:sldId id="259" r:id="rId6"/>
+    <p:sldId id="260" r:id="rId7"/>
+    <p:sldId id="261" r:id="rId8"/>
+    <p:sldId id="262" r:id="rId9"/>
+    <p:sldId id="263" r:id="rId10"/>
+    <p:sldId id="264" r:id="rId11"/>
+    <p:sldId id="265" r:id="rId12"/>
+    <p:sldId id="266" r:id="rId13"/>
+    <p:sldId id="267" r:id="rId14"/>
+    <p:sldId id="268" r:id="rId15"/>
+    <p:sldId id="269" r:id="rId16"/>
+    <p:sldId id="270" r:id="rId17"/>
+    <p:sldId id="271" r:id="rId18"/>
+    <p:sldId id="272" r:id="rId19"/>
+    <p:sldId id="273" r:id="rId20"/>
+    <p:sldId id="274" r:id="rId21"/>
+    <p:sldId id="275" r:id="rId22"/>
+    <p:sldId id="276" r:id="rId23"/>
+    <p:sldId id="277" r:id="rId24"/>
+    <p:sldId id="278" r:id="rId25"/>
+    <p:sldId id="279" r:id="rId26"/>
+    <p:sldId id="280" r:id="rId27"/>
+    <p:sldId id="281" r:id="rId28"/>
+    <p:sldId id="282" r:id="rId29"/>
+    <p:sldId id="283" r:id="rId30"/>
+    <p:sldId id="284" r:id="rId31"/>
+    <p:sldId id="285" r:id="rId32"/>
+    <p:sldId id="286" r:id="rId33"/>
+    <p:sldId id="287" r:id="rId34"/>
+    <p:sldId id="288" r:id="rId35"/>
+    <p:sldId id="289" r:id="rId36"/>
   </p:sldIdLst>
-  <p:sldSz cx="9144000" cy="6858000"/>
+  <p:sldSz cx="9144000" cy="6858000" type="screen4x3"/>
   <p:notesSz cx="6858000" cy="9144000"/>
+  <p:defaultTextStyle>
+    <a:defPPr>
+      <a:defRPr lang="pt-BR"/>
+    </a:defPPr>
+    <a:lvl1pPr marL="0" algn="l" defTabSz="914400" rtl="0" eaLnBrk="1" latinLnBrk="0" hangingPunct="1">
+      <a:defRPr sz="1800" kern="1200">
+        <a:solidFill>
+          <a:schemeClr val="tx1"/>
+        </a:solidFill>
+        <a:latin typeface="+mn-lt"/>
+        <a:ea typeface="+mn-ea"/>
+        <a:cs typeface="+mn-cs"/>
+      </a:defRPr>
+    </a:lvl1pPr>
+    <a:lvl2pPr marL="457200" algn="l" defTabSz="914400" rtl="0" eaLnBrk="1" latinLnBrk="0" hangingPunct="1">
+      <a:defRPr sz="1800" kern="1200">
+        <a:solidFill>
+          <a:schemeClr val="tx1"/>
+        </a:solidFill>
+        <a:latin typeface="+mn-lt"/>
+        <a:ea typeface="+mn-ea"/>
+        <a:cs typeface="+mn-cs"/>
+      </a:defRPr>
+    </a:lvl2pPr>
+    <a:lvl3pPr marL="914400" algn="l" defTabSz="914400" rtl="0" eaLnBrk="1" latinLnBrk="0" hangingPunct="1">
+      <a:defRPr sz="1800" kern="1200">
+        <a:solidFill>
+          <a:schemeClr val="tx1"/>
+        </a:solidFill>
+        <a:latin typeface="+mn-lt"/>
+        <a:ea typeface="+mn-ea"/>
+        <a:cs typeface="+mn-cs"/>
+      </a:defRPr>
+    </a:lvl3pPr>
+    <a:lvl4pPr marL="1371600" algn="l" defTabSz="914400" rtl="0" eaLnBrk="1" latinLnBrk="0" hangingPunct="1">
+      <a:defRPr sz="1800" kern="1200">
+        <a:solidFill>
+          <a:schemeClr val="tx1"/>
+        </a:solidFill>
+        <a:latin typeface="+mn-lt"/>
+        <a:ea typeface="+mn-ea"/>
+        <a:cs typeface="+mn-cs"/>
+      </a:defRPr>
+    </a:lvl4pPr>
+    <a:lvl5pPr marL="1828800" algn="l" defTabSz="914400" rtl="0" eaLnBrk="1" latinLnBrk="0" hangingPunct="1">
+      <a:defRPr sz="1800" kern="1200">
+        <a:solidFill>
+          <a:schemeClr val="tx1"/>
+        </a:solidFill>
+        <a:latin typeface="+mn-lt"/>
+        <a:ea typeface="+mn-ea"/>
+        <a:cs typeface="+mn-cs"/>
+      </a:defRPr>
+    </a:lvl5pPr>
+    <a:lvl6pPr marL="2286000" algn="l" defTabSz="914400" rtl="0" eaLnBrk="1" latinLnBrk="0" hangingPunct="1">
+      <a:defRPr sz="1800" kern="1200">
+        <a:solidFill>
+          <a:schemeClr val="tx1"/>
+        </a:solidFill>
+        <a:latin typeface="+mn-lt"/>
+        <a:ea typeface="+mn-ea"/>
+        <a:cs typeface="+mn-cs"/>
+      </a:defRPr>
+    </a:lvl6pPr>
+    <a:lvl7pPr marL="2743200" algn="l" defTabSz="914400" rtl="0" eaLnBrk="1" latinLnBrk="0" hangingPunct="1">
+      <a:defRPr sz="1800" kern="1200">
+        <a:solidFill>
+          <a:schemeClr val="tx1"/>
+        </a:solidFill>
+        <a:latin typeface="+mn-lt"/>
+        <a:ea typeface="+mn-ea"/>
+        <a:cs typeface="+mn-cs"/>
+      </a:defRPr>
+    </a:lvl7pPr>
+    <a:lvl8pPr marL="3200400" algn="l" defTabSz="914400" rtl="0" eaLnBrk="1" latinLnBrk="0" hangingPunct="1">
+      <a:defRPr sz="1800" kern="1200">
+        <a:solidFill>
+          <a:schemeClr val="tx1"/>
+        </a:solidFill>
+        <a:latin typeface="+mn-lt"/>
+        <a:ea typeface="+mn-ea"/>
+        <a:cs typeface="+mn-cs"/>
+      </a:defRPr>
+    </a:lvl8pPr>
+    <a:lvl9pPr marL="3657600" algn="l" defTabSz="914400" rtl="0" eaLnBrk="1" latinLnBrk="0" hangingPunct="1">
+      <a:defRPr sz="1800" kern="1200">
+        <a:solidFill>
+          <a:schemeClr val="tx1"/>
+        </a:solidFill>
+        <a:latin typeface="+mn-lt"/>
+        <a:ea typeface="+mn-ea"/>
+        <a:cs typeface="+mn-cs"/>
+      </a:defRPr>
+    </a:lvl9pPr>
+  </p:defaultTextStyle>
 </p:presentation>
 </file>
 
 <file path=ppt/notesMasters/notesMaster1.xml><?xml version="1.0" encoding="utf-8"?>
-<p:notesMaster xmlns:a="http://schemas.openxmlformats.org/drawingml/2006/main" xmlns:p="http://schemas.openxmlformats.org/presentationml/2006/main" xmlns:r="http://schemas.openxmlformats.org/officeDocument/2006/relationships">
+<p:notesMaster xmlns:a="http://schemas.openxmlformats.org/drawingml/2006/main" xmlns:r="http://schemas.openxmlformats.org/officeDocument/2006/relationships" xmlns:p="http://schemas.openxmlformats.org/presentationml/2006/main">
+  <p:cSld>
+    <p:bg>
+      <p:bgRef idx="1001">
+        <a:schemeClr val="bg1"/>
+      </p:bgRef>
+    </p:bg>
+    <p:spTree>
+      <p:nvGrpSpPr>
+        <p:cNvPr id="1" name=""/>
+        <p:cNvGrpSpPr/>
+        <p:nvPr/>
+      </p:nvGrpSpPr>
+      <p:grpSpPr>
+        <a:xfrm>
+          <a:off x="0" y="0"/>
+          <a:ext cx="0" cy="0"/>
+          <a:chOff x="0" y="0"/>
+          <a:chExt cx="0" cy="0"/>
+        </a:xfrm>
+      </p:grpSpPr>
+      <p:sp>
+        <p:nvSpPr>
+          <p:cNvPr id="72" name="PlaceHolder 1"/>
+          <p:cNvSpPr>
+            <a:spLocks noGrp="1"/>
+          </p:cNvSpPr>
+          <p:nvPr>
+            <p:ph type="body"/>
+          </p:nvPr>
+        </p:nvSpPr>
+        <p:spPr>
+          <a:xfrm>
+            <a:off x="777240" y="4777560"/>
+            <a:ext cx="6217560" cy="4525920"/>
+          </a:xfrm>
+          <a:prstGeom prst="rect">
+            <a:avLst/>
+          </a:prstGeom>
+        </p:spPr>
+        <p:txBody>
+          <a:bodyPr lIns="0" tIns="0" rIns="0" bIns="0"/>
+          <a:lstStyle/>
+          <a:p>
+            <a:r>
+              <a:rPr lang="en-US" sz="2000">
+                <a:latin typeface="Arial"/>
+              </a:rPr>
+              <a:t>Click to edit the notes format</a:t>
+            </a:r>
+            <a:endParaRPr/>
+          </a:p>
+        </p:txBody>
+      </p:sp>
+      <p:sp>
+        <p:nvSpPr>
+          <p:cNvPr id="73" name="PlaceHolder 2"/>
+          <p:cNvSpPr>
+            <a:spLocks noGrp="1"/>
+          </p:cNvSpPr>
+          <p:nvPr>
+            <p:ph type="hdr"/>
+          </p:nvPr>
+        </p:nvSpPr>
+        <p:spPr>
+          <a:xfrm>
+            <a:off x="0" y="0"/>
+            <a:ext cx="3372840" cy="502560"/>
+          </a:xfrm>
+          <a:prstGeom prst="rect">
+            <a:avLst/>
+          </a:prstGeom>
+        </p:spPr>
+        <p:txBody>
+          <a:bodyPr lIns="0" tIns="0" rIns="0" bIns="0"/>
+          <a:lstStyle/>
+          <a:p>
+            <a:r>
+              <a:rPr lang="en-US" sz="1400">
+                <a:latin typeface="Times New Roman"/>
+              </a:rPr>
+              <a:t>&lt;header&gt;</a:t>
+            </a:r>
+            <a:endParaRPr/>
+          </a:p>
+        </p:txBody>
+      </p:sp>
+      <p:sp>
+        <p:nvSpPr>
+          <p:cNvPr id="74" name="PlaceHolder 3"/>
+          <p:cNvSpPr>
+            <a:spLocks noGrp="1"/>
+          </p:cNvSpPr>
+          <p:nvPr>
+            <p:ph type="dt"/>
+          </p:nvPr>
+        </p:nvSpPr>
+        <p:spPr>
+          <a:xfrm>
+            <a:off x="4399200" y="0"/>
+            <a:ext cx="3372840" cy="502560"/>
+          </a:xfrm>
+          <a:prstGeom prst="rect">
+            <a:avLst/>
+          </a:prstGeom>
+        </p:spPr>
+        <p:txBody>
+          <a:bodyPr lIns="0" tIns="0" rIns="0" bIns="0"/>
+          <a:lstStyle/>
+          <a:p>
+            <a:pPr algn="r"/>
+            <a:r>
+              <a:rPr lang="en-US" sz="1400">
+                <a:latin typeface="Times New Roman"/>
+              </a:rPr>
+              <a:t>&lt;date/time&gt;</a:t>
+            </a:r>
+            <a:endParaRPr/>
+          </a:p>
+        </p:txBody>
+      </p:sp>
+      <p:sp>
+        <p:nvSpPr>
+          <p:cNvPr id="75" name="PlaceHolder 4"/>
+          <p:cNvSpPr>
+            <a:spLocks noGrp="1"/>
+          </p:cNvSpPr>
+          <p:nvPr>
+            <p:ph type="ftr"/>
+          </p:nvPr>
+        </p:nvSpPr>
+        <p:spPr>
+          <a:xfrm>
+            <a:off x="0" y="9555480"/>
+            <a:ext cx="3372840" cy="502560"/>
+          </a:xfrm>
+          <a:prstGeom prst="rect">
+            <a:avLst/>
+          </a:prstGeom>
+        </p:spPr>
+        <p:txBody>
+          <a:bodyPr lIns="0" tIns="0" rIns="0" bIns="0" anchor="b"/>
+          <a:lstStyle/>
+          <a:p>
+            <a:r>
+              <a:rPr lang="en-US" sz="1400">
+                <a:latin typeface="Times New Roman"/>
+              </a:rPr>
+              <a:t>&lt;footer&gt;</a:t>
+            </a:r>
+            <a:endParaRPr/>
+          </a:p>
+        </p:txBody>
+      </p:sp>
+      <p:sp>
+        <p:nvSpPr>
+          <p:cNvPr id="76" name="PlaceHolder 5"/>
+          <p:cNvSpPr>
+            <a:spLocks noGrp="1"/>
+          </p:cNvSpPr>
+          <p:nvPr>
+            <p:ph type="sldNum"/>
+          </p:nvPr>
+        </p:nvSpPr>
+        <p:spPr>
+          <a:xfrm>
+            <a:off x="4399200" y="9555480"/>
+            <a:ext cx="3372840" cy="502560"/>
+          </a:xfrm>
+          <a:prstGeom prst="rect">
+            <a:avLst/>
+          </a:prstGeom>
+        </p:spPr>
+        <p:txBody>
+          <a:bodyPr lIns="0" tIns="0" rIns="0" bIns="0" anchor="b"/>
+          <a:lstStyle/>
+          <a:p>
+            <a:pPr algn="r"/>
+            <a:fld id="{8A6A658F-D645-4FA2-B2B9-C24F32DCED74}" type="slidenum">
+              <a:rPr lang="en-US" sz="1400">
+                <a:latin typeface="Times New Roman"/>
+              </a:rPr>
+              <a:t>‹#›</a:t>
+            </a:fld>
+            <a:endParaRPr/>
+          </a:p>
+        </p:txBody>
+      </p:sp>
+    </p:spTree>
+  </p:cSld>
+  <p:clrMap bg1="lt1" tx1="dk1" bg2="lt2" tx2="dk2" accent1="accent1" accent2="accent2" accent3="accent3" accent4="accent4" accent5="accent5" accent6="accent6" hlink="hlink" folHlink="folHlink"/>
+  <p:notesStyle>
+    <a:lvl1pPr marL="0" algn="l" defTabSz="914400" rtl="0" eaLnBrk="1" latinLnBrk="0" hangingPunct="1">
+      <a:defRPr sz="1200" kern="1200">
+        <a:solidFill>
+          <a:schemeClr val="tx1"/>
+        </a:solidFill>
+        <a:latin typeface="+mn-lt"/>
+        <a:ea typeface="+mn-ea"/>
+        <a:cs typeface="+mn-cs"/>
+      </a:defRPr>
+    </a:lvl1pPr>
+    <a:lvl2pPr marL="457200" algn="l" defTabSz="914400" rtl="0" eaLnBrk="1" latinLnBrk="0" hangingPunct="1">
+      <a:defRPr sz="1200" kern="1200">
+        <a:solidFill>
+          <a:schemeClr val="tx1"/>
+        </a:solidFill>
+        <a:latin typeface="+mn-lt"/>
+        <a:ea typeface="+mn-ea"/>
+        <a:cs typeface="+mn-cs"/>
+      </a:defRPr>
+    </a:lvl2pPr>
+    <a:lvl3pPr marL="914400" algn="l" defTabSz="914400" rtl="0" eaLnBrk="1" latinLnBrk="0" hangingPunct="1">
+      <a:defRPr sz="1200" kern="1200">
+        <a:solidFill>
+          <a:schemeClr val="tx1"/>
+        </a:solidFill>
+        <a:latin typeface="+mn-lt"/>
+        <a:ea typeface="+mn-ea"/>
+        <a:cs typeface="+mn-cs"/>
+      </a:defRPr>
+    </a:lvl3pPr>
+    <a:lvl4pPr marL="1371600" algn="l" defTabSz="914400" rtl="0" eaLnBrk="1" latinLnBrk="0" hangingPunct="1">
+      <a:defRPr sz="1200" kern="1200">
+        <a:solidFill>
+          <a:schemeClr val="tx1"/>
+        </a:solidFill>
+        <a:latin typeface="+mn-lt"/>
+        <a:ea typeface="+mn-ea"/>
+        <a:cs typeface="+mn-cs"/>
+      </a:defRPr>
+    </a:lvl4pPr>
+    <a:lvl5pPr marL="1828800" algn="l" defTabSz="914400" rtl="0" eaLnBrk="1" latinLnBrk="0" hangingPunct="1">
+      <a:defRPr sz="1200" kern="1200">
+        <a:solidFill>
+          <a:schemeClr val="tx1"/>
+        </a:solidFill>
+        <a:latin typeface="+mn-lt"/>
+        <a:ea typeface="+mn-ea"/>
+        <a:cs typeface="+mn-cs"/>
+      </a:defRPr>
+    </a:lvl5pPr>
+    <a:lvl6pPr marL="2286000" algn="l" defTabSz="914400" rtl="0" eaLnBrk="1" latinLnBrk="0" hangingPunct="1">
+      <a:defRPr sz="1200" kern="1200">
+        <a:solidFill>
+          <a:schemeClr val="tx1"/>
+        </a:solidFill>
+        <a:latin typeface="+mn-lt"/>
+        <a:ea typeface="+mn-ea"/>
+        <a:cs typeface="+mn-cs"/>
+      </a:defRPr>
+    </a:lvl6pPr>
+    <a:lvl7pPr marL="2743200" algn="l" defTabSz="914400" rtl="0" eaLnBrk="1" latinLnBrk="0" hangingPunct="1">
+      <a:defRPr sz="1200" kern="1200">
+        <a:solidFill>
+          <a:schemeClr val="tx1"/>
+        </a:solidFill>
+        <a:latin typeface="+mn-lt"/>
+        <a:ea typeface="+mn-ea"/>
+        <a:cs typeface="+mn-cs"/>
+      </a:defRPr>
+    </a:lvl7pPr>
+    <a:lvl8pPr marL="3200400" algn="l" defTabSz="914400" rtl="0" eaLnBrk="1" latinLnBrk="0" hangingPunct="1">
+      <a:defRPr sz="1200" kern="1200">
+        <a:solidFill>
+          <a:schemeClr val="tx1"/>
+        </a:solidFill>
+        <a:latin typeface="+mn-lt"/>
+        <a:ea typeface="+mn-ea"/>
+        <a:cs typeface="+mn-cs"/>
+      </a:defRPr>
+    </a:lvl8pPr>
+    <a:lvl9pPr marL="3657600" algn="l" defTabSz="914400" rtl="0" eaLnBrk="1" latinLnBrk="0" hangingPunct="1">
+      <a:defRPr sz="1200" kern="1200">
+        <a:solidFill>
+          <a:schemeClr val="tx1"/>
+        </a:solidFill>
+        <a:latin typeface="+mn-lt"/>
+        <a:ea typeface="+mn-ea"/>
+        <a:cs typeface="+mn-cs"/>
+      </a:defRPr>
+    </a:lvl9pPr>
+  </p:notesStyle>
+</p:notesMaster>
+</file>
+
+<file path=ppt/notesSlides/notesSlide1.xml><?xml version="1.0" encoding="utf-8"?>
+<p:notes xmlns:a="http://schemas.openxmlformats.org/drawingml/2006/main" xmlns:r="http://schemas.openxmlformats.org/officeDocument/2006/relationships" xmlns:p="http://schemas.openxmlformats.org/presentationml/2006/main">
   <p:cSld>
     <p:spTree>
       <p:nvGrpSpPr>
@@ -68,191 +450,6 @@
       </p:grpSpPr>
       <p:sp>
         <p:nvSpPr>
-          <p:cNvPr id="72" name="PlaceHolder 1"/>
-          <p:cNvSpPr>
-            <a:spLocks noGrp="1"/>
-          </p:cNvSpPr>
-          <p:nvPr>
-            <p:ph type="body"/>
-          </p:nvPr>
-        </p:nvSpPr>
-        <p:spPr>
-          <a:xfrm>
-            <a:off x="777240" y="4777560"/>
-            <a:ext cx="6217560" cy="4525920"/>
-          </a:xfrm>
-          <a:prstGeom prst="rect">
-            <a:avLst/>
-          </a:prstGeom>
-        </p:spPr>
-        <p:txBody>
-          <a:bodyPr lIns="0" rIns="0" tIns="0" bIns="0"/>
-          <a:p>
-            <a:r>
-              <a:rPr lang="en-US" sz="2000">
-                <a:latin typeface="Arial"/>
-              </a:rPr>
-              <a:t>Click to edit the notes format</a:t>
-            </a:r>
-            <a:endParaRPr/>
-          </a:p>
-        </p:txBody>
-      </p:sp>
-      <p:sp>
-        <p:nvSpPr>
-          <p:cNvPr id="73" name="PlaceHolder 2"/>
-          <p:cNvSpPr>
-            <a:spLocks noGrp="1"/>
-          </p:cNvSpPr>
-          <p:nvPr>
-            <p:ph type="hdr"/>
-          </p:nvPr>
-        </p:nvSpPr>
-        <p:spPr>
-          <a:xfrm>
-            <a:off x="0" y="0"/>
-            <a:ext cx="3372840" cy="502560"/>
-          </a:xfrm>
-          <a:prstGeom prst="rect">
-            <a:avLst/>
-          </a:prstGeom>
-        </p:spPr>
-        <p:txBody>
-          <a:bodyPr lIns="0" rIns="0" tIns="0" bIns="0"/>
-          <a:p>
-            <a:r>
-              <a:rPr lang="en-US" sz="1400">
-                <a:latin typeface="Times New Roman"/>
-              </a:rPr>
-              <a:t>&lt;header&gt;</a:t>
-            </a:r>
-            <a:endParaRPr/>
-          </a:p>
-        </p:txBody>
-      </p:sp>
-      <p:sp>
-        <p:nvSpPr>
-          <p:cNvPr id="74" name="PlaceHolder 3"/>
-          <p:cNvSpPr>
-            <a:spLocks noGrp="1"/>
-          </p:cNvSpPr>
-          <p:nvPr>
-            <p:ph type="dt"/>
-          </p:nvPr>
-        </p:nvSpPr>
-        <p:spPr>
-          <a:xfrm>
-            <a:off x="4399200" y="0"/>
-            <a:ext cx="3372840" cy="502560"/>
-          </a:xfrm>
-          <a:prstGeom prst="rect">
-            <a:avLst/>
-          </a:prstGeom>
-        </p:spPr>
-        <p:txBody>
-          <a:bodyPr lIns="0" rIns="0" tIns="0" bIns="0"/>
-          <a:p>
-            <a:pPr algn="r"/>
-            <a:r>
-              <a:rPr lang="en-US" sz="1400">
-                <a:latin typeface="Times New Roman"/>
-              </a:rPr>
-              <a:t>&lt;date/time&gt;</a:t>
-            </a:r>
-            <a:endParaRPr/>
-          </a:p>
-        </p:txBody>
-      </p:sp>
-      <p:sp>
-        <p:nvSpPr>
-          <p:cNvPr id="75" name="PlaceHolder 4"/>
-          <p:cNvSpPr>
-            <a:spLocks noGrp="1"/>
-          </p:cNvSpPr>
-          <p:nvPr>
-            <p:ph type="ftr"/>
-          </p:nvPr>
-        </p:nvSpPr>
-        <p:spPr>
-          <a:xfrm>
-            <a:off x="0" y="9555480"/>
-            <a:ext cx="3372840" cy="502560"/>
-          </a:xfrm>
-          <a:prstGeom prst="rect">
-            <a:avLst/>
-          </a:prstGeom>
-        </p:spPr>
-        <p:txBody>
-          <a:bodyPr lIns="0" rIns="0" tIns="0" bIns="0" anchor="b"/>
-          <a:p>
-            <a:r>
-              <a:rPr lang="en-US" sz="1400">
-                <a:latin typeface="Times New Roman"/>
-              </a:rPr>
-              <a:t>&lt;footer&gt;</a:t>
-            </a:r>
-            <a:endParaRPr/>
-          </a:p>
-        </p:txBody>
-      </p:sp>
-      <p:sp>
-        <p:nvSpPr>
-          <p:cNvPr id="76" name="PlaceHolder 5"/>
-          <p:cNvSpPr>
-            <a:spLocks noGrp="1"/>
-          </p:cNvSpPr>
-          <p:nvPr>
-            <p:ph type="sldNum"/>
-          </p:nvPr>
-        </p:nvSpPr>
-        <p:spPr>
-          <a:xfrm>
-            <a:off x="4399200" y="9555480"/>
-            <a:ext cx="3372840" cy="502560"/>
-          </a:xfrm>
-          <a:prstGeom prst="rect">
-            <a:avLst/>
-          </a:prstGeom>
-        </p:spPr>
-        <p:txBody>
-          <a:bodyPr lIns="0" rIns="0" tIns="0" bIns="0" anchor="b"/>
-          <a:p>
-            <a:pPr algn="r"/>
-            <a:fld id="{8A6A658F-D645-4FA2-B2B9-C24F32DCED74}" type="slidenum">
-              <a:rPr lang="en-US" sz="1400">
-                <a:latin typeface="Times New Roman"/>
-              </a:rPr>
-              <a:t>&lt;number&gt;</a:t>
-            </a:fld>
-            <a:endParaRPr/>
-          </a:p>
-        </p:txBody>
-      </p:sp>
-    </p:spTree>
-  </p:cSld>
-  <p:clrMap bg1="lt1" bg2="lt2" tx1="dk1" tx2="dk2" accent1="accent1" accent2="accent2" accent3="accent3" accent4="accent4" accent5="accent5" accent6="accent6" hlink="hlink" folHlink="folHlink"/>
-</p:notesMaster>
-</file>
-
-<file path=ppt/notesSlides/notesSlide2.xml><?xml version="1.0" encoding="utf-8"?>
-<p:notes xmlns:a="http://schemas.openxmlformats.org/drawingml/2006/main" xmlns:p="http://schemas.openxmlformats.org/presentationml/2006/main" xmlns:r="http://schemas.openxmlformats.org/officeDocument/2006/relationships">
-  <p:cSld>
-    <p:spTree>
-      <p:nvGrpSpPr>
-        <p:cNvPr id="1" name=""/>
-        <p:cNvGrpSpPr/>
-        <p:nvPr/>
-      </p:nvGrpSpPr>
-      <p:grpSpPr>
-        <a:xfrm>
-          <a:off x="0" y="0"/>
-          <a:ext cx="0" cy="0"/>
-          <a:chOff x="0" y="0"/>
-          <a:chExt cx="0" cy="0"/>
-        </a:xfrm>
-      </p:grpSpPr>
-      <p:sp>
-        <p:nvSpPr>
           <p:cNvPr id="146" name="PlaceHolder 1"/>
           <p:cNvSpPr>
             <a:spLocks noGrp="1"/>
@@ -271,7 +468,8 @@
           </a:prstGeom>
         </p:spPr>
         <p:txBody>
-          <a:bodyPr lIns="0" rIns="0" tIns="0" bIns="0"/>
+          <a:bodyPr lIns="0" tIns="0" rIns="0" bIns="0"/>
+          <a:lstStyle/>
           <a:p>
             <a:r>
               <a:rPr lang="en-US" sz="2000" strike="noStrike">
@@ -376,13 +574,20 @@
           </a:ln>
         </p:spPr>
         <p:style>
-          <a:lnRef idx="0"/>
-          <a:fillRef idx="0"/>
-          <a:effectRef idx="0"/>
+          <a:lnRef idx="0">
+            <a:scrgbClr r="0" g="0" b="0"/>
+          </a:lnRef>
+          <a:fillRef idx="0">
+            <a:scrgbClr r="0" g="0" b="0"/>
+          </a:fillRef>
+          <a:effectRef idx="0">
+            <a:scrgbClr r="0" g="0" b="0"/>
+          </a:effectRef>
           <a:fontRef idx="minor"/>
         </p:style>
         <p:txBody>
-          <a:bodyPr lIns="90000" rIns="90000" tIns="45000" bIns="45000" anchor="b"/>
+          <a:bodyPr lIns="90000" tIns="45000" rIns="90000" bIns="45000" anchor="b"/>
+          <a:lstStyle/>
           <a:p>
             <a:pPr algn="r">
               <a:lnSpc>
@@ -397,7 +602,7 @@
                 <a:latin typeface="+mn-lt"/>
                 <a:ea typeface="+mn-ea"/>
               </a:rPr>
-              <a:t>&lt;number&gt;</a:t>
+              <a:t>2</a:t>
             </a:fld>
             <a:endParaRPr/>
           </a:p>
@@ -405,11 +610,14 @@
       </p:sp>
     </p:spTree>
   </p:cSld>
+  <p:clrMapOvr>
+    <a:masterClrMapping/>
+  </p:clrMapOvr>
 </p:notes>
 </file>
 
 <file path=ppt/slideLayouts/slideLayout1.xml><?xml version="1.0" encoding="utf-8"?>
-<p:sldLayout xmlns:a="http://schemas.openxmlformats.org/drawingml/2006/main" xmlns:p="http://schemas.openxmlformats.org/presentationml/2006/main" xmlns:r="http://schemas.openxmlformats.org/officeDocument/2006/relationships" type="blank" preserve="1">
+<p:sldLayout xmlns:a="http://schemas.openxmlformats.org/drawingml/2006/main" xmlns:r="http://schemas.openxmlformats.org/officeDocument/2006/relationships" xmlns:p="http://schemas.openxmlformats.org/presentationml/2006/main" type="blank" preserve="1">
   <p:cSld name="Blank Slide">
     <p:spTree>
       <p:nvGrpSpPr>
@@ -427,11 +635,14 @@
       </p:grpSpPr>
     </p:spTree>
   </p:cSld>
+  <p:clrMapOvr>
+    <a:masterClrMapping/>
+  </p:clrMapOvr>
 </p:sldLayout>
 </file>
 
 <file path=ppt/slideLayouts/slideLayout10.xml><?xml version="1.0" encoding="utf-8"?>
-<p:sldLayout xmlns:a="http://schemas.openxmlformats.org/drawingml/2006/main" xmlns:p="http://schemas.openxmlformats.org/presentationml/2006/main" xmlns:r="http://schemas.openxmlformats.org/officeDocument/2006/relationships" type="objOverTx" preserve="1">
+<p:sldLayout xmlns:a="http://schemas.openxmlformats.org/drawingml/2006/main" xmlns:r="http://schemas.openxmlformats.org/officeDocument/2006/relationships" xmlns:p="http://schemas.openxmlformats.org/presentationml/2006/main" type="objOverTx" preserve="1">
   <p:cSld name="Title, Content over Content">
     <p:spTree>
       <p:nvGrpSpPr>
@@ -467,7 +678,8 @@
           </a:prstGeom>
         </p:spPr>
         <p:txBody>
-          <a:bodyPr lIns="0" rIns="0" tIns="0" bIns="0" anchor="ctr"/>
+          <a:bodyPr lIns="0" tIns="0" rIns="0" bIns="0" anchor="ctr"/>
+          <a:lstStyle/>
           <a:p>
             <a:pPr algn="ctr"/>
             <a:endParaRPr/>
@@ -494,7 +706,8 @@
           </a:prstGeom>
         </p:spPr>
         <p:txBody>
-          <a:bodyPr lIns="0" rIns="0" tIns="0" bIns="0"/>
+          <a:bodyPr lIns="0" tIns="0" rIns="0" bIns="0"/>
+          <a:lstStyle/>
           <a:p>
             <a:endParaRPr/>
           </a:p>
@@ -520,7 +733,8 @@
           </a:prstGeom>
         </p:spPr>
         <p:txBody>
-          <a:bodyPr lIns="0" rIns="0" tIns="0" bIns="0"/>
+          <a:bodyPr lIns="0" tIns="0" rIns="0" bIns="0"/>
+          <a:lstStyle/>
           <a:p>
             <a:endParaRPr/>
           </a:p>
@@ -528,11 +742,14 @@
       </p:sp>
     </p:spTree>
   </p:cSld>
+  <p:clrMapOvr>
+    <a:masterClrMapping/>
+  </p:clrMapOvr>
 </p:sldLayout>
 </file>
 
 <file path=ppt/slideLayouts/slideLayout11.xml><?xml version="1.0" encoding="utf-8"?>
-<p:sldLayout xmlns:a="http://schemas.openxmlformats.org/drawingml/2006/main" xmlns:p="http://schemas.openxmlformats.org/presentationml/2006/main" xmlns:r="http://schemas.openxmlformats.org/officeDocument/2006/relationships" type="fourObj" preserve="1">
+<p:sldLayout xmlns:a="http://schemas.openxmlformats.org/drawingml/2006/main" xmlns:r="http://schemas.openxmlformats.org/officeDocument/2006/relationships" xmlns:p="http://schemas.openxmlformats.org/presentationml/2006/main" type="fourObj" preserve="1">
   <p:cSld name="Title, 4 Content">
     <p:spTree>
       <p:nvGrpSpPr>
@@ -568,7 +785,8 @@
           </a:prstGeom>
         </p:spPr>
         <p:txBody>
-          <a:bodyPr lIns="0" rIns="0" tIns="0" bIns="0" anchor="ctr"/>
+          <a:bodyPr lIns="0" tIns="0" rIns="0" bIns="0" anchor="ctr"/>
+          <a:lstStyle/>
           <a:p>
             <a:pPr algn="ctr"/>
             <a:endParaRPr/>
@@ -595,7 +813,8 @@
           </a:prstGeom>
         </p:spPr>
         <p:txBody>
-          <a:bodyPr lIns="0" rIns="0" tIns="0" bIns="0"/>
+          <a:bodyPr lIns="0" tIns="0" rIns="0" bIns="0"/>
+          <a:lstStyle/>
           <a:p>
             <a:endParaRPr/>
           </a:p>
@@ -621,7 +840,8 @@
           </a:prstGeom>
         </p:spPr>
         <p:txBody>
-          <a:bodyPr lIns="0" rIns="0" tIns="0" bIns="0"/>
+          <a:bodyPr lIns="0" tIns="0" rIns="0" bIns="0"/>
+          <a:lstStyle/>
           <a:p>
             <a:endParaRPr/>
           </a:p>
@@ -647,7 +867,8 @@
           </a:prstGeom>
         </p:spPr>
         <p:txBody>
-          <a:bodyPr lIns="0" rIns="0" tIns="0" bIns="0"/>
+          <a:bodyPr lIns="0" tIns="0" rIns="0" bIns="0"/>
+          <a:lstStyle/>
           <a:p>
             <a:endParaRPr/>
           </a:p>
@@ -673,7 +894,8 @@
           </a:prstGeom>
         </p:spPr>
         <p:txBody>
-          <a:bodyPr lIns="0" rIns="0" tIns="0" bIns="0"/>
+          <a:bodyPr lIns="0" tIns="0" rIns="0" bIns="0"/>
+          <a:lstStyle/>
           <a:p>
             <a:endParaRPr/>
           </a:p>
@@ -681,11 +903,14 @@
       </p:sp>
     </p:spTree>
   </p:cSld>
+  <p:clrMapOvr>
+    <a:masterClrMapping/>
+  </p:clrMapOvr>
 </p:sldLayout>
 </file>
 
 <file path=ppt/slideLayouts/slideLayout12.xml><?xml version="1.0" encoding="utf-8"?>
-<p:sldLayout xmlns:a="http://schemas.openxmlformats.org/drawingml/2006/main" xmlns:p="http://schemas.openxmlformats.org/presentationml/2006/main" xmlns:r="http://schemas.openxmlformats.org/officeDocument/2006/relationships" type="blank" preserve="1">
+<p:sldLayout xmlns:a="http://schemas.openxmlformats.org/drawingml/2006/main" xmlns:r="http://schemas.openxmlformats.org/officeDocument/2006/relationships" xmlns:p="http://schemas.openxmlformats.org/presentationml/2006/main" type="blank" preserve="1">
   <p:cSld name="Title, 6 Content">
     <p:spTree>
       <p:nvGrpSpPr>
@@ -721,7 +946,8 @@
           </a:prstGeom>
         </p:spPr>
         <p:txBody>
-          <a:bodyPr lIns="0" rIns="0" tIns="0" bIns="0" anchor="ctr"/>
+          <a:bodyPr lIns="0" tIns="0" rIns="0" bIns="0" anchor="ctr"/>
+          <a:lstStyle/>
           <a:p>
             <a:pPr algn="ctr"/>
             <a:endParaRPr/>
@@ -748,7 +974,8 @@
           </a:prstGeom>
         </p:spPr>
         <p:txBody>
-          <a:bodyPr lIns="0" rIns="0" tIns="0" bIns="0"/>
+          <a:bodyPr lIns="0" tIns="0" rIns="0" bIns="0"/>
+          <a:lstStyle/>
           <a:p>
             <a:endParaRPr/>
           </a:p>
@@ -774,7 +1001,8 @@
           </a:prstGeom>
         </p:spPr>
         <p:txBody>
-          <a:bodyPr lIns="0" rIns="0" tIns="0" bIns="0"/>
+          <a:bodyPr lIns="0" tIns="0" rIns="0" bIns="0"/>
+          <a:lstStyle/>
           <a:p>
             <a:endParaRPr/>
           </a:p>
@@ -782,7 +1010,7 @@
       </p:sp>
       <p:pic>
         <p:nvPicPr>
-          <p:cNvPr id="34" name="" descr=""/>
+          <p:cNvPr id="34" name="Picture 33"/>
           <p:cNvPicPr/>
           <p:nvPr/>
         </p:nvPicPr>
@@ -805,12 +1033,12 @@
       </p:pic>
       <p:pic>
         <p:nvPicPr>
-          <p:cNvPr id="35" name="" descr=""/>
+          <p:cNvPr id="35" name="Picture 34"/>
           <p:cNvPicPr/>
           <p:nvPr/>
         </p:nvPicPr>
         <p:blipFill>
-          <a:blip r:embed="rId3"/>
+          <a:blip r:embed="rId2"/>
           <a:stretch/>
         </p:blipFill>
         <p:spPr>
@@ -828,11 +1056,14 @@
       </p:pic>
     </p:spTree>
   </p:cSld>
+  <p:clrMapOvr>
+    <a:masterClrMapping/>
+  </p:clrMapOvr>
 </p:sldLayout>
 </file>
 
 <file path=ppt/slideLayouts/slideLayout13.xml><?xml version="1.0" encoding="utf-8"?>
-<p:sldLayout xmlns:a="http://schemas.openxmlformats.org/drawingml/2006/main" xmlns:p="http://schemas.openxmlformats.org/presentationml/2006/main" xmlns:r="http://schemas.openxmlformats.org/officeDocument/2006/relationships" type="blank" preserve="1">
+<p:sldLayout xmlns:a="http://schemas.openxmlformats.org/drawingml/2006/main" xmlns:r="http://schemas.openxmlformats.org/officeDocument/2006/relationships" xmlns:p="http://schemas.openxmlformats.org/presentationml/2006/main" type="blank" preserve="1">
   <p:cSld name="Blank Slide">
     <p:spTree>
       <p:nvGrpSpPr>
@@ -850,11 +1081,14 @@
       </p:grpSpPr>
     </p:spTree>
   </p:cSld>
+  <p:clrMapOvr>
+    <a:masterClrMapping/>
+  </p:clrMapOvr>
 </p:sldLayout>
 </file>
 
 <file path=ppt/slideLayouts/slideLayout14.xml><?xml version="1.0" encoding="utf-8"?>
-<p:sldLayout xmlns:a="http://schemas.openxmlformats.org/drawingml/2006/main" xmlns:p="http://schemas.openxmlformats.org/presentationml/2006/main" xmlns:r="http://schemas.openxmlformats.org/officeDocument/2006/relationships" type="tx" preserve="1">
+<p:sldLayout xmlns:a="http://schemas.openxmlformats.org/drawingml/2006/main" xmlns:r="http://schemas.openxmlformats.org/officeDocument/2006/relationships" xmlns:p="http://schemas.openxmlformats.org/presentationml/2006/main" type="tx" preserve="1">
   <p:cSld name="Title Slide">
     <p:spTree>
       <p:nvGrpSpPr>
@@ -890,7 +1124,8 @@
           </a:prstGeom>
         </p:spPr>
         <p:txBody>
-          <a:bodyPr lIns="0" rIns="0" tIns="0" bIns="0" anchor="ctr"/>
+          <a:bodyPr lIns="0" tIns="0" rIns="0" bIns="0" anchor="ctr"/>
+          <a:lstStyle/>
           <a:p>
             <a:pPr algn="ctr"/>
             <a:endParaRPr/>
@@ -917,7 +1152,8 @@
           </a:prstGeom>
         </p:spPr>
         <p:txBody>
-          <a:bodyPr lIns="0" rIns="0" tIns="0" bIns="0" anchor="ctr"/>
+          <a:bodyPr lIns="0" tIns="0" rIns="0" bIns="0" anchor="ctr"/>
+          <a:lstStyle/>
           <a:p>
             <a:pPr algn="ctr"/>
             <a:endParaRPr/>
@@ -926,11 +1162,14 @@
       </p:sp>
     </p:spTree>
   </p:cSld>
+  <p:clrMapOvr>
+    <a:masterClrMapping/>
+  </p:clrMapOvr>
 </p:sldLayout>
 </file>
 
 <file path=ppt/slideLayouts/slideLayout15.xml><?xml version="1.0" encoding="utf-8"?>
-<p:sldLayout xmlns:a="http://schemas.openxmlformats.org/drawingml/2006/main" xmlns:p="http://schemas.openxmlformats.org/presentationml/2006/main" xmlns:r="http://schemas.openxmlformats.org/officeDocument/2006/relationships" type="obj" preserve="1">
+<p:sldLayout xmlns:a="http://schemas.openxmlformats.org/drawingml/2006/main" xmlns:r="http://schemas.openxmlformats.org/officeDocument/2006/relationships" xmlns:p="http://schemas.openxmlformats.org/presentationml/2006/main" type="obj" preserve="1">
   <p:cSld name="Title, Content">
     <p:spTree>
       <p:nvGrpSpPr>
@@ -966,7 +1205,8 @@
           </a:prstGeom>
         </p:spPr>
         <p:txBody>
-          <a:bodyPr lIns="0" rIns="0" tIns="0" bIns="0" anchor="ctr"/>
+          <a:bodyPr lIns="0" tIns="0" rIns="0" bIns="0" anchor="ctr"/>
+          <a:lstStyle/>
           <a:p>
             <a:pPr algn="ctr"/>
             <a:endParaRPr/>
@@ -993,7 +1233,8 @@
           </a:prstGeom>
         </p:spPr>
         <p:txBody>
-          <a:bodyPr lIns="0" rIns="0" tIns="0" bIns="0"/>
+          <a:bodyPr lIns="0" tIns="0" rIns="0" bIns="0"/>
+          <a:lstStyle/>
           <a:p>
             <a:endParaRPr/>
           </a:p>
@@ -1001,11 +1242,14 @@
       </p:sp>
     </p:spTree>
   </p:cSld>
+  <p:clrMapOvr>
+    <a:masterClrMapping/>
+  </p:clrMapOvr>
 </p:sldLayout>
 </file>
 
 <file path=ppt/slideLayouts/slideLayout16.xml><?xml version="1.0" encoding="utf-8"?>
-<p:sldLayout xmlns:a="http://schemas.openxmlformats.org/drawingml/2006/main" xmlns:p="http://schemas.openxmlformats.org/presentationml/2006/main" xmlns:r="http://schemas.openxmlformats.org/officeDocument/2006/relationships" type="twoObj" preserve="1">
+<p:sldLayout xmlns:a="http://schemas.openxmlformats.org/drawingml/2006/main" xmlns:r="http://schemas.openxmlformats.org/officeDocument/2006/relationships" xmlns:p="http://schemas.openxmlformats.org/presentationml/2006/main" type="twoObj" preserve="1">
   <p:cSld name="Title, 2 Content">
     <p:spTree>
       <p:nvGrpSpPr>
@@ -1041,7 +1285,8 @@
           </a:prstGeom>
         </p:spPr>
         <p:txBody>
-          <a:bodyPr lIns="0" rIns="0" tIns="0" bIns="0" anchor="ctr"/>
+          <a:bodyPr lIns="0" tIns="0" rIns="0" bIns="0" anchor="ctr"/>
+          <a:lstStyle/>
           <a:p>
             <a:pPr algn="ctr"/>
             <a:endParaRPr/>
@@ -1068,7 +1313,8 @@
           </a:prstGeom>
         </p:spPr>
         <p:txBody>
-          <a:bodyPr lIns="0" rIns="0" tIns="0" bIns="0"/>
+          <a:bodyPr lIns="0" tIns="0" rIns="0" bIns="0"/>
+          <a:lstStyle/>
           <a:p>
             <a:endParaRPr/>
           </a:p>
@@ -1094,7 +1340,8 @@
           </a:prstGeom>
         </p:spPr>
         <p:txBody>
-          <a:bodyPr lIns="0" rIns="0" tIns="0" bIns="0"/>
+          <a:bodyPr lIns="0" tIns="0" rIns="0" bIns="0"/>
+          <a:lstStyle/>
           <a:p>
             <a:endParaRPr/>
           </a:p>
@@ -1102,11 +1349,14 @@
       </p:sp>
     </p:spTree>
   </p:cSld>
+  <p:clrMapOvr>
+    <a:masterClrMapping/>
+  </p:clrMapOvr>
 </p:sldLayout>
 </file>
 
 <file path=ppt/slideLayouts/slideLayout17.xml><?xml version="1.0" encoding="utf-8"?>
-<p:sldLayout xmlns:a="http://schemas.openxmlformats.org/drawingml/2006/main" xmlns:p="http://schemas.openxmlformats.org/presentationml/2006/main" xmlns:r="http://schemas.openxmlformats.org/officeDocument/2006/relationships" type="titleOnly" preserve="1">
+<p:sldLayout xmlns:a="http://schemas.openxmlformats.org/drawingml/2006/main" xmlns:r="http://schemas.openxmlformats.org/officeDocument/2006/relationships" xmlns:p="http://schemas.openxmlformats.org/presentationml/2006/main" type="titleOnly" preserve="1">
   <p:cSld name="Title Only">
     <p:spTree>
       <p:nvGrpSpPr>
@@ -1142,7 +1392,8 @@
           </a:prstGeom>
         </p:spPr>
         <p:txBody>
-          <a:bodyPr lIns="0" rIns="0" tIns="0" bIns="0" anchor="ctr"/>
+          <a:bodyPr lIns="0" tIns="0" rIns="0" bIns="0" anchor="ctr"/>
+          <a:lstStyle/>
           <a:p>
             <a:pPr algn="ctr"/>
             <a:endParaRPr/>
@@ -1151,11 +1402,14 @@
       </p:sp>
     </p:spTree>
   </p:cSld>
+  <p:clrMapOvr>
+    <a:masterClrMapping/>
+  </p:clrMapOvr>
 </p:sldLayout>
 </file>
 
 <file path=ppt/slideLayouts/slideLayout18.xml><?xml version="1.0" encoding="utf-8"?>
-<p:sldLayout xmlns:a="http://schemas.openxmlformats.org/drawingml/2006/main" xmlns:p="http://schemas.openxmlformats.org/presentationml/2006/main" xmlns:r="http://schemas.openxmlformats.org/officeDocument/2006/relationships" type="objOnly" preserve="1">
+<p:sldLayout xmlns:a="http://schemas.openxmlformats.org/drawingml/2006/main" xmlns:r="http://schemas.openxmlformats.org/officeDocument/2006/relationships" xmlns:p="http://schemas.openxmlformats.org/presentationml/2006/main" type="objOnly" preserve="1">
   <p:cSld name="Centered Text">
     <p:spTree>
       <p:nvGrpSpPr>
@@ -1191,7 +1445,8 @@
           </a:prstGeom>
         </p:spPr>
         <p:txBody>
-          <a:bodyPr lIns="0" rIns="0" tIns="0" bIns="0" anchor="ctr"/>
+          <a:bodyPr lIns="0" tIns="0" rIns="0" bIns="0" anchor="ctr"/>
+          <a:lstStyle/>
           <a:p>
             <a:pPr algn="ctr"/>
             <a:endParaRPr/>
@@ -1200,11 +1455,14 @@
       </p:sp>
     </p:spTree>
   </p:cSld>
+  <p:clrMapOvr>
+    <a:masterClrMapping/>
+  </p:clrMapOvr>
 </p:sldLayout>
 </file>
 
 <file path=ppt/slideLayouts/slideLayout19.xml><?xml version="1.0" encoding="utf-8"?>
-<p:sldLayout xmlns:a="http://schemas.openxmlformats.org/drawingml/2006/main" xmlns:p="http://schemas.openxmlformats.org/presentationml/2006/main" xmlns:r="http://schemas.openxmlformats.org/officeDocument/2006/relationships" type="twoObjAndObj" preserve="1">
+<p:sldLayout xmlns:a="http://schemas.openxmlformats.org/drawingml/2006/main" xmlns:r="http://schemas.openxmlformats.org/officeDocument/2006/relationships" xmlns:p="http://schemas.openxmlformats.org/presentationml/2006/main" type="twoObjAndObj" preserve="1">
   <p:cSld name="Title, 2 Content and Content">
     <p:spTree>
       <p:nvGrpSpPr>
@@ -1240,7 +1498,8 @@
           </a:prstGeom>
         </p:spPr>
         <p:txBody>
-          <a:bodyPr lIns="0" rIns="0" tIns="0" bIns="0" anchor="ctr"/>
+          <a:bodyPr lIns="0" tIns="0" rIns="0" bIns="0" anchor="ctr"/>
+          <a:lstStyle/>
           <a:p>
             <a:pPr algn="ctr"/>
             <a:endParaRPr/>
@@ -1267,7 +1526,8 @@
           </a:prstGeom>
         </p:spPr>
         <p:txBody>
-          <a:bodyPr lIns="0" rIns="0" tIns="0" bIns="0"/>
+          <a:bodyPr lIns="0" tIns="0" rIns="0" bIns="0"/>
+          <a:lstStyle/>
           <a:p>
             <a:endParaRPr/>
           </a:p>
@@ -1293,7 +1553,8 @@
           </a:prstGeom>
         </p:spPr>
         <p:txBody>
-          <a:bodyPr lIns="0" rIns="0" tIns="0" bIns="0"/>
+          <a:bodyPr lIns="0" tIns="0" rIns="0" bIns="0"/>
+          <a:lstStyle/>
           <a:p>
             <a:endParaRPr/>
           </a:p>
@@ -1319,7 +1580,8 @@
           </a:prstGeom>
         </p:spPr>
         <p:txBody>
-          <a:bodyPr lIns="0" rIns="0" tIns="0" bIns="0"/>
+          <a:bodyPr lIns="0" tIns="0" rIns="0" bIns="0"/>
+          <a:lstStyle/>
           <a:p>
             <a:endParaRPr/>
           </a:p>
@@ -1327,11 +1589,14 @@
       </p:sp>
     </p:spTree>
   </p:cSld>
+  <p:clrMapOvr>
+    <a:masterClrMapping/>
+  </p:clrMapOvr>
 </p:sldLayout>
 </file>
 
 <file path=ppt/slideLayouts/slideLayout2.xml><?xml version="1.0" encoding="utf-8"?>
-<p:sldLayout xmlns:a="http://schemas.openxmlformats.org/drawingml/2006/main" xmlns:p="http://schemas.openxmlformats.org/presentationml/2006/main" xmlns:r="http://schemas.openxmlformats.org/officeDocument/2006/relationships" type="tx" preserve="1">
+<p:sldLayout xmlns:a="http://schemas.openxmlformats.org/drawingml/2006/main" xmlns:r="http://schemas.openxmlformats.org/officeDocument/2006/relationships" xmlns:p="http://schemas.openxmlformats.org/presentationml/2006/main" type="tx" preserve="1">
   <p:cSld name="Title Slide">
     <p:spTree>
       <p:nvGrpSpPr>
@@ -1367,7 +1632,8 @@
           </a:prstGeom>
         </p:spPr>
         <p:txBody>
-          <a:bodyPr lIns="0" rIns="0" tIns="0" bIns="0" anchor="ctr"/>
+          <a:bodyPr lIns="0" tIns="0" rIns="0" bIns="0" anchor="ctr"/>
+          <a:lstStyle/>
           <a:p>
             <a:pPr algn="ctr"/>
             <a:endParaRPr/>
@@ -1394,7 +1660,8 @@
           </a:prstGeom>
         </p:spPr>
         <p:txBody>
-          <a:bodyPr lIns="0" rIns="0" tIns="0" bIns="0" anchor="ctr"/>
+          <a:bodyPr lIns="0" tIns="0" rIns="0" bIns="0" anchor="ctr"/>
+          <a:lstStyle/>
           <a:p>
             <a:pPr algn="ctr"/>
             <a:endParaRPr/>
@@ -1403,11 +1670,14 @@
       </p:sp>
     </p:spTree>
   </p:cSld>
+  <p:clrMapOvr>
+    <a:masterClrMapping/>
+  </p:clrMapOvr>
 </p:sldLayout>
 </file>
 
 <file path=ppt/slideLayouts/slideLayout20.xml><?xml version="1.0" encoding="utf-8"?>
-<p:sldLayout xmlns:a="http://schemas.openxmlformats.org/drawingml/2006/main" xmlns:p="http://schemas.openxmlformats.org/presentationml/2006/main" xmlns:r="http://schemas.openxmlformats.org/officeDocument/2006/relationships" type="objAndTwoObj" preserve="1">
+<p:sldLayout xmlns:a="http://schemas.openxmlformats.org/drawingml/2006/main" xmlns:r="http://schemas.openxmlformats.org/officeDocument/2006/relationships" xmlns:p="http://schemas.openxmlformats.org/presentationml/2006/main" type="objAndTwoObj" preserve="1">
   <p:cSld name="Title Content and 2 Content">
     <p:spTree>
       <p:nvGrpSpPr>
@@ -1443,7 +1713,8 @@
           </a:prstGeom>
         </p:spPr>
         <p:txBody>
-          <a:bodyPr lIns="0" rIns="0" tIns="0" bIns="0" anchor="ctr"/>
+          <a:bodyPr lIns="0" tIns="0" rIns="0" bIns="0" anchor="ctr"/>
+          <a:lstStyle/>
           <a:p>
             <a:pPr algn="ctr"/>
             <a:endParaRPr/>
@@ -1470,7 +1741,8 @@
           </a:prstGeom>
         </p:spPr>
         <p:txBody>
-          <a:bodyPr lIns="0" rIns="0" tIns="0" bIns="0"/>
+          <a:bodyPr lIns="0" tIns="0" rIns="0" bIns="0"/>
+          <a:lstStyle/>
           <a:p>
             <a:endParaRPr/>
           </a:p>
@@ -1496,7 +1768,8 @@
           </a:prstGeom>
         </p:spPr>
         <p:txBody>
-          <a:bodyPr lIns="0" rIns="0" tIns="0" bIns="0"/>
+          <a:bodyPr lIns="0" tIns="0" rIns="0" bIns="0"/>
+          <a:lstStyle/>
           <a:p>
             <a:endParaRPr/>
           </a:p>
@@ -1522,7 +1795,8 @@
           </a:prstGeom>
         </p:spPr>
         <p:txBody>
-          <a:bodyPr lIns="0" rIns="0" tIns="0" bIns="0"/>
+          <a:bodyPr lIns="0" tIns="0" rIns="0" bIns="0"/>
+          <a:lstStyle/>
           <a:p>
             <a:endParaRPr/>
           </a:p>
@@ -1530,11 +1804,14 @@
       </p:sp>
     </p:spTree>
   </p:cSld>
+  <p:clrMapOvr>
+    <a:masterClrMapping/>
+  </p:clrMapOvr>
 </p:sldLayout>
 </file>
 
 <file path=ppt/slideLayouts/slideLayout21.xml><?xml version="1.0" encoding="utf-8"?>
-<p:sldLayout xmlns:a="http://schemas.openxmlformats.org/drawingml/2006/main" xmlns:p="http://schemas.openxmlformats.org/presentationml/2006/main" xmlns:r="http://schemas.openxmlformats.org/officeDocument/2006/relationships" type="twoObjOverTx" preserve="1">
+<p:sldLayout xmlns:a="http://schemas.openxmlformats.org/drawingml/2006/main" xmlns:r="http://schemas.openxmlformats.org/officeDocument/2006/relationships" xmlns:p="http://schemas.openxmlformats.org/presentationml/2006/main" type="twoObjOverTx" preserve="1">
   <p:cSld name="Title, 2 Content over Content">
     <p:spTree>
       <p:nvGrpSpPr>
@@ -1570,7 +1847,8 @@
           </a:prstGeom>
         </p:spPr>
         <p:txBody>
-          <a:bodyPr lIns="0" rIns="0" tIns="0" bIns="0" anchor="ctr"/>
+          <a:bodyPr lIns="0" tIns="0" rIns="0" bIns="0" anchor="ctr"/>
+          <a:lstStyle/>
           <a:p>
             <a:pPr algn="ctr"/>
             <a:endParaRPr/>
@@ -1597,7 +1875,8 @@
           </a:prstGeom>
         </p:spPr>
         <p:txBody>
-          <a:bodyPr lIns="0" rIns="0" tIns="0" bIns="0"/>
+          <a:bodyPr lIns="0" tIns="0" rIns="0" bIns="0"/>
+          <a:lstStyle/>
           <a:p>
             <a:endParaRPr/>
           </a:p>
@@ -1623,7 +1902,8 @@
           </a:prstGeom>
         </p:spPr>
         <p:txBody>
-          <a:bodyPr lIns="0" rIns="0" tIns="0" bIns="0"/>
+          <a:bodyPr lIns="0" tIns="0" rIns="0" bIns="0"/>
+          <a:lstStyle/>
           <a:p>
             <a:endParaRPr/>
           </a:p>
@@ -1649,7 +1929,8 @@
           </a:prstGeom>
         </p:spPr>
         <p:txBody>
-          <a:bodyPr lIns="0" rIns="0" tIns="0" bIns="0"/>
+          <a:bodyPr lIns="0" tIns="0" rIns="0" bIns="0"/>
+          <a:lstStyle/>
           <a:p>
             <a:endParaRPr/>
           </a:p>
@@ -1657,11 +1938,14 @@
       </p:sp>
     </p:spTree>
   </p:cSld>
+  <p:clrMapOvr>
+    <a:masterClrMapping/>
+  </p:clrMapOvr>
 </p:sldLayout>
 </file>
 
 <file path=ppt/slideLayouts/slideLayout22.xml><?xml version="1.0" encoding="utf-8"?>
-<p:sldLayout xmlns:a="http://schemas.openxmlformats.org/drawingml/2006/main" xmlns:p="http://schemas.openxmlformats.org/presentationml/2006/main" xmlns:r="http://schemas.openxmlformats.org/officeDocument/2006/relationships" type="objOverTx" preserve="1">
+<p:sldLayout xmlns:a="http://schemas.openxmlformats.org/drawingml/2006/main" xmlns:r="http://schemas.openxmlformats.org/officeDocument/2006/relationships" xmlns:p="http://schemas.openxmlformats.org/presentationml/2006/main" type="objOverTx" preserve="1">
   <p:cSld name="Title, Content over Content">
     <p:spTree>
       <p:nvGrpSpPr>
@@ -1697,7 +1981,8 @@
           </a:prstGeom>
         </p:spPr>
         <p:txBody>
-          <a:bodyPr lIns="0" rIns="0" tIns="0" bIns="0" anchor="ctr"/>
+          <a:bodyPr lIns="0" tIns="0" rIns="0" bIns="0" anchor="ctr"/>
+          <a:lstStyle/>
           <a:p>
             <a:pPr algn="ctr"/>
             <a:endParaRPr/>
@@ -1724,7 +2009,8 @@
           </a:prstGeom>
         </p:spPr>
         <p:txBody>
-          <a:bodyPr lIns="0" rIns="0" tIns="0" bIns="0"/>
+          <a:bodyPr lIns="0" tIns="0" rIns="0" bIns="0"/>
+          <a:lstStyle/>
           <a:p>
             <a:endParaRPr/>
           </a:p>
@@ -1750,7 +2036,8 @@
           </a:prstGeom>
         </p:spPr>
         <p:txBody>
-          <a:bodyPr lIns="0" rIns="0" tIns="0" bIns="0"/>
+          <a:bodyPr lIns="0" tIns="0" rIns="0" bIns="0"/>
+          <a:lstStyle/>
           <a:p>
             <a:endParaRPr/>
           </a:p>
@@ -1758,11 +2045,14 @@
       </p:sp>
     </p:spTree>
   </p:cSld>
+  <p:clrMapOvr>
+    <a:masterClrMapping/>
+  </p:clrMapOvr>
 </p:sldLayout>
 </file>
 
 <file path=ppt/slideLayouts/slideLayout23.xml><?xml version="1.0" encoding="utf-8"?>
-<p:sldLayout xmlns:a="http://schemas.openxmlformats.org/drawingml/2006/main" xmlns:p="http://schemas.openxmlformats.org/presentationml/2006/main" xmlns:r="http://schemas.openxmlformats.org/officeDocument/2006/relationships" type="fourObj" preserve="1">
+<p:sldLayout xmlns:a="http://schemas.openxmlformats.org/drawingml/2006/main" xmlns:r="http://schemas.openxmlformats.org/officeDocument/2006/relationships" xmlns:p="http://schemas.openxmlformats.org/presentationml/2006/main" type="fourObj" preserve="1">
   <p:cSld name="Title, 4 Content">
     <p:spTree>
       <p:nvGrpSpPr>
@@ -1798,7 +2088,8 @@
           </a:prstGeom>
         </p:spPr>
         <p:txBody>
-          <a:bodyPr lIns="0" rIns="0" tIns="0" bIns="0" anchor="ctr"/>
+          <a:bodyPr lIns="0" tIns="0" rIns="0" bIns="0" anchor="ctr"/>
+          <a:lstStyle/>
           <a:p>
             <a:pPr algn="ctr"/>
             <a:endParaRPr/>
@@ -1825,7 +2116,8 @@
           </a:prstGeom>
         </p:spPr>
         <p:txBody>
-          <a:bodyPr lIns="0" rIns="0" tIns="0" bIns="0"/>
+          <a:bodyPr lIns="0" tIns="0" rIns="0" bIns="0"/>
+          <a:lstStyle/>
           <a:p>
             <a:endParaRPr/>
           </a:p>
@@ -1851,7 +2143,8 @@
           </a:prstGeom>
         </p:spPr>
         <p:txBody>
-          <a:bodyPr lIns="0" rIns="0" tIns="0" bIns="0"/>
+          <a:bodyPr lIns="0" tIns="0" rIns="0" bIns="0"/>
+          <a:lstStyle/>
           <a:p>
             <a:endParaRPr/>
           </a:p>
@@ -1877,7 +2170,8 @@
           </a:prstGeom>
         </p:spPr>
         <p:txBody>
-          <a:bodyPr lIns="0" rIns="0" tIns="0" bIns="0"/>
+          <a:bodyPr lIns="0" tIns="0" rIns="0" bIns="0"/>
+          <a:lstStyle/>
           <a:p>
             <a:endParaRPr/>
           </a:p>
@@ -1903,7 +2197,8 @@
           </a:prstGeom>
         </p:spPr>
         <p:txBody>
-          <a:bodyPr lIns="0" rIns="0" tIns="0" bIns="0"/>
+          <a:bodyPr lIns="0" tIns="0" rIns="0" bIns="0"/>
+          <a:lstStyle/>
           <a:p>
             <a:endParaRPr/>
           </a:p>
@@ -1911,11 +2206,14 @@
       </p:sp>
     </p:spTree>
   </p:cSld>
+  <p:clrMapOvr>
+    <a:masterClrMapping/>
+  </p:clrMapOvr>
 </p:sldLayout>
 </file>
 
 <file path=ppt/slideLayouts/slideLayout24.xml><?xml version="1.0" encoding="utf-8"?>
-<p:sldLayout xmlns:a="http://schemas.openxmlformats.org/drawingml/2006/main" xmlns:p="http://schemas.openxmlformats.org/presentationml/2006/main" xmlns:r="http://schemas.openxmlformats.org/officeDocument/2006/relationships" type="blank" preserve="1">
+<p:sldLayout xmlns:a="http://schemas.openxmlformats.org/drawingml/2006/main" xmlns:r="http://schemas.openxmlformats.org/officeDocument/2006/relationships" xmlns:p="http://schemas.openxmlformats.org/presentationml/2006/main" type="blank" preserve="1">
   <p:cSld name="Title, 6 Content">
     <p:spTree>
       <p:nvGrpSpPr>
@@ -1951,7 +2249,8 @@
           </a:prstGeom>
         </p:spPr>
         <p:txBody>
-          <a:bodyPr lIns="0" rIns="0" tIns="0" bIns="0" anchor="ctr"/>
+          <a:bodyPr lIns="0" tIns="0" rIns="0" bIns="0" anchor="ctr"/>
+          <a:lstStyle/>
           <a:p>
             <a:pPr algn="ctr"/>
             <a:endParaRPr/>
@@ -1978,7 +2277,8 @@
           </a:prstGeom>
         </p:spPr>
         <p:txBody>
-          <a:bodyPr lIns="0" rIns="0" tIns="0" bIns="0"/>
+          <a:bodyPr lIns="0" tIns="0" rIns="0" bIns="0"/>
+          <a:lstStyle/>
           <a:p>
             <a:endParaRPr/>
           </a:p>
@@ -2004,7 +2304,8 @@
           </a:prstGeom>
         </p:spPr>
         <p:txBody>
-          <a:bodyPr lIns="0" rIns="0" tIns="0" bIns="0"/>
+          <a:bodyPr lIns="0" tIns="0" rIns="0" bIns="0"/>
+          <a:lstStyle/>
           <a:p>
             <a:endParaRPr/>
           </a:p>
@@ -2012,7 +2313,7 @@
       </p:sp>
       <p:pic>
         <p:nvPicPr>
-          <p:cNvPr id="70" name="" descr=""/>
+          <p:cNvPr id="70" name="Picture 69"/>
           <p:cNvPicPr/>
           <p:nvPr/>
         </p:nvPicPr>
@@ -2035,12 +2336,12 @@
       </p:pic>
       <p:pic>
         <p:nvPicPr>
-          <p:cNvPr id="71" name="" descr=""/>
+          <p:cNvPr id="71" name="Picture 70"/>
           <p:cNvPicPr/>
           <p:nvPr/>
         </p:nvPicPr>
         <p:blipFill>
-          <a:blip r:embed="rId3"/>
+          <a:blip r:embed="rId2"/>
           <a:stretch/>
         </p:blipFill>
         <p:spPr>
@@ -2058,11 +2359,14 @@
       </p:pic>
     </p:spTree>
   </p:cSld>
+  <p:clrMapOvr>
+    <a:masterClrMapping/>
+  </p:clrMapOvr>
 </p:sldLayout>
 </file>
 
 <file path=ppt/slideLayouts/slideLayout3.xml><?xml version="1.0" encoding="utf-8"?>
-<p:sldLayout xmlns:a="http://schemas.openxmlformats.org/drawingml/2006/main" xmlns:p="http://schemas.openxmlformats.org/presentationml/2006/main" xmlns:r="http://schemas.openxmlformats.org/officeDocument/2006/relationships" type="obj" preserve="1">
+<p:sldLayout xmlns:a="http://schemas.openxmlformats.org/drawingml/2006/main" xmlns:r="http://schemas.openxmlformats.org/officeDocument/2006/relationships" xmlns:p="http://schemas.openxmlformats.org/presentationml/2006/main" type="obj" preserve="1">
   <p:cSld name="Title, Content">
     <p:spTree>
       <p:nvGrpSpPr>
@@ -2098,7 +2402,8 @@
           </a:prstGeom>
         </p:spPr>
         <p:txBody>
-          <a:bodyPr lIns="0" rIns="0" tIns="0" bIns="0" anchor="ctr"/>
+          <a:bodyPr lIns="0" tIns="0" rIns="0" bIns="0" anchor="ctr"/>
+          <a:lstStyle/>
           <a:p>
             <a:pPr algn="ctr"/>
             <a:endParaRPr/>
@@ -2125,7 +2430,8 @@
           </a:prstGeom>
         </p:spPr>
         <p:txBody>
-          <a:bodyPr lIns="0" rIns="0" tIns="0" bIns="0"/>
+          <a:bodyPr lIns="0" tIns="0" rIns="0" bIns="0"/>
+          <a:lstStyle/>
           <a:p>
             <a:endParaRPr/>
           </a:p>
@@ -2133,11 +2439,14 @@
       </p:sp>
     </p:spTree>
   </p:cSld>
+  <p:clrMapOvr>
+    <a:masterClrMapping/>
+  </p:clrMapOvr>
 </p:sldLayout>
 </file>
 
 <file path=ppt/slideLayouts/slideLayout4.xml><?xml version="1.0" encoding="utf-8"?>
-<p:sldLayout xmlns:a="http://schemas.openxmlformats.org/drawingml/2006/main" xmlns:p="http://schemas.openxmlformats.org/presentationml/2006/main" xmlns:r="http://schemas.openxmlformats.org/officeDocument/2006/relationships" type="twoObj" preserve="1">
+<p:sldLayout xmlns:a="http://schemas.openxmlformats.org/drawingml/2006/main" xmlns:r="http://schemas.openxmlformats.org/officeDocument/2006/relationships" xmlns:p="http://schemas.openxmlformats.org/presentationml/2006/main" type="twoObj" preserve="1">
   <p:cSld name="Title, 2 Content">
     <p:spTree>
       <p:nvGrpSpPr>
@@ -2173,7 +2482,8 @@
           </a:prstGeom>
         </p:spPr>
         <p:txBody>
-          <a:bodyPr lIns="0" rIns="0" tIns="0" bIns="0" anchor="ctr"/>
+          <a:bodyPr lIns="0" tIns="0" rIns="0" bIns="0" anchor="ctr"/>
+          <a:lstStyle/>
           <a:p>
             <a:pPr algn="ctr"/>
             <a:endParaRPr/>
@@ -2200,7 +2510,8 @@
           </a:prstGeom>
         </p:spPr>
         <p:txBody>
-          <a:bodyPr lIns="0" rIns="0" tIns="0" bIns="0"/>
+          <a:bodyPr lIns="0" tIns="0" rIns="0" bIns="0"/>
+          <a:lstStyle/>
           <a:p>
             <a:endParaRPr/>
           </a:p>
@@ -2226,7 +2537,8 @@
           </a:prstGeom>
         </p:spPr>
         <p:txBody>
-          <a:bodyPr lIns="0" rIns="0" tIns="0" bIns="0"/>
+          <a:bodyPr lIns="0" tIns="0" rIns="0" bIns="0"/>
+          <a:lstStyle/>
           <a:p>
             <a:endParaRPr/>
           </a:p>
@@ -2234,11 +2546,14 @@
       </p:sp>
     </p:spTree>
   </p:cSld>
+  <p:clrMapOvr>
+    <a:masterClrMapping/>
+  </p:clrMapOvr>
 </p:sldLayout>
 </file>
 
 <file path=ppt/slideLayouts/slideLayout5.xml><?xml version="1.0" encoding="utf-8"?>
-<p:sldLayout xmlns:a="http://schemas.openxmlformats.org/drawingml/2006/main" xmlns:p="http://schemas.openxmlformats.org/presentationml/2006/main" xmlns:r="http://schemas.openxmlformats.org/officeDocument/2006/relationships" type="titleOnly" preserve="1">
+<p:sldLayout xmlns:a="http://schemas.openxmlformats.org/drawingml/2006/main" xmlns:r="http://schemas.openxmlformats.org/officeDocument/2006/relationships" xmlns:p="http://schemas.openxmlformats.org/presentationml/2006/main" type="titleOnly" preserve="1">
   <p:cSld name="Title Only">
     <p:spTree>
       <p:nvGrpSpPr>
@@ -2274,7 +2589,8 @@
           </a:prstGeom>
         </p:spPr>
         <p:txBody>
-          <a:bodyPr lIns="0" rIns="0" tIns="0" bIns="0" anchor="ctr"/>
+          <a:bodyPr lIns="0" tIns="0" rIns="0" bIns="0" anchor="ctr"/>
+          <a:lstStyle/>
           <a:p>
             <a:pPr algn="ctr"/>
             <a:endParaRPr/>
@@ -2283,11 +2599,14 @@
       </p:sp>
     </p:spTree>
   </p:cSld>
+  <p:clrMapOvr>
+    <a:masterClrMapping/>
+  </p:clrMapOvr>
 </p:sldLayout>
 </file>
 
 <file path=ppt/slideLayouts/slideLayout6.xml><?xml version="1.0" encoding="utf-8"?>
-<p:sldLayout xmlns:a="http://schemas.openxmlformats.org/drawingml/2006/main" xmlns:p="http://schemas.openxmlformats.org/presentationml/2006/main" xmlns:r="http://schemas.openxmlformats.org/officeDocument/2006/relationships" type="objOnly" preserve="1">
+<p:sldLayout xmlns:a="http://schemas.openxmlformats.org/drawingml/2006/main" xmlns:r="http://schemas.openxmlformats.org/officeDocument/2006/relationships" xmlns:p="http://schemas.openxmlformats.org/presentationml/2006/main" type="objOnly" preserve="1">
   <p:cSld name="Centered Text">
     <p:spTree>
       <p:nvGrpSpPr>
@@ -2323,7 +2642,8 @@
           </a:prstGeom>
         </p:spPr>
         <p:txBody>
-          <a:bodyPr lIns="0" rIns="0" tIns="0" bIns="0" anchor="ctr"/>
+          <a:bodyPr lIns="0" tIns="0" rIns="0" bIns="0" anchor="ctr"/>
+          <a:lstStyle/>
           <a:p>
             <a:pPr algn="ctr"/>
             <a:endParaRPr/>
@@ -2332,11 +2652,14 @@
       </p:sp>
     </p:spTree>
   </p:cSld>
+  <p:clrMapOvr>
+    <a:masterClrMapping/>
+  </p:clrMapOvr>
 </p:sldLayout>
 </file>
 
 <file path=ppt/slideLayouts/slideLayout7.xml><?xml version="1.0" encoding="utf-8"?>
-<p:sldLayout xmlns:a="http://schemas.openxmlformats.org/drawingml/2006/main" xmlns:p="http://schemas.openxmlformats.org/presentationml/2006/main" xmlns:r="http://schemas.openxmlformats.org/officeDocument/2006/relationships" type="twoObjAndObj" preserve="1">
+<p:sldLayout xmlns:a="http://schemas.openxmlformats.org/drawingml/2006/main" xmlns:r="http://schemas.openxmlformats.org/officeDocument/2006/relationships" xmlns:p="http://schemas.openxmlformats.org/presentationml/2006/main" type="twoObjAndObj" preserve="1">
   <p:cSld name="Title, 2 Content and Content">
     <p:spTree>
       <p:nvGrpSpPr>
@@ -2372,7 +2695,8 @@
           </a:prstGeom>
         </p:spPr>
         <p:txBody>
-          <a:bodyPr lIns="0" rIns="0" tIns="0" bIns="0" anchor="ctr"/>
+          <a:bodyPr lIns="0" tIns="0" rIns="0" bIns="0" anchor="ctr"/>
+          <a:lstStyle/>
           <a:p>
             <a:pPr algn="ctr"/>
             <a:endParaRPr/>
@@ -2399,7 +2723,8 @@
           </a:prstGeom>
         </p:spPr>
         <p:txBody>
-          <a:bodyPr lIns="0" rIns="0" tIns="0" bIns="0"/>
+          <a:bodyPr lIns="0" tIns="0" rIns="0" bIns="0"/>
+          <a:lstStyle/>
           <a:p>
             <a:endParaRPr/>
           </a:p>
@@ -2425,7 +2750,8 @@
           </a:prstGeom>
         </p:spPr>
         <p:txBody>
-          <a:bodyPr lIns="0" rIns="0" tIns="0" bIns="0"/>
+          <a:bodyPr lIns="0" tIns="0" rIns="0" bIns="0"/>
+          <a:lstStyle/>
           <a:p>
             <a:endParaRPr/>
           </a:p>
@@ -2451,7 +2777,8 @@
           </a:prstGeom>
         </p:spPr>
         <p:txBody>
-          <a:bodyPr lIns="0" rIns="0" tIns="0" bIns="0"/>
+          <a:bodyPr lIns="0" tIns="0" rIns="0" bIns="0"/>
+          <a:lstStyle/>
           <a:p>
             <a:endParaRPr/>
           </a:p>
@@ -2459,11 +2786,14 @@
       </p:sp>
     </p:spTree>
   </p:cSld>
+  <p:clrMapOvr>
+    <a:masterClrMapping/>
+  </p:clrMapOvr>
 </p:sldLayout>
 </file>
 
 <file path=ppt/slideLayouts/slideLayout8.xml><?xml version="1.0" encoding="utf-8"?>
-<p:sldLayout xmlns:a="http://schemas.openxmlformats.org/drawingml/2006/main" xmlns:p="http://schemas.openxmlformats.org/presentationml/2006/main" xmlns:r="http://schemas.openxmlformats.org/officeDocument/2006/relationships" type="objAndTwoObj" preserve="1">
+<p:sldLayout xmlns:a="http://schemas.openxmlformats.org/drawingml/2006/main" xmlns:r="http://schemas.openxmlformats.org/officeDocument/2006/relationships" xmlns:p="http://schemas.openxmlformats.org/presentationml/2006/main" type="objAndTwoObj" preserve="1">
   <p:cSld name="Title Content and 2 Content">
     <p:spTree>
       <p:nvGrpSpPr>
@@ -2499,7 +2829,8 @@
           </a:prstGeom>
         </p:spPr>
         <p:txBody>
-          <a:bodyPr lIns="0" rIns="0" tIns="0" bIns="0" anchor="ctr"/>
+          <a:bodyPr lIns="0" tIns="0" rIns="0" bIns="0" anchor="ctr"/>
+          <a:lstStyle/>
           <a:p>
             <a:pPr algn="ctr"/>
             <a:endParaRPr/>
@@ -2526,7 +2857,8 @@
           </a:prstGeom>
         </p:spPr>
         <p:txBody>
-          <a:bodyPr lIns="0" rIns="0" tIns="0" bIns="0"/>
+          <a:bodyPr lIns="0" tIns="0" rIns="0" bIns="0"/>
+          <a:lstStyle/>
           <a:p>
             <a:endParaRPr/>
           </a:p>
@@ -2552,7 +2884,8 @@
           </a:prstGeom>
         </p:spPr>
         <p:txBody>
-          <a:bodyPr lIns="0" rIns="0" tIns="0" bIns="0"/>
+          <a:bodyPr lIns="0" tIns="0" rIns="0" bIns="0"/>
+          <a:lstStyle/>
           <a:p>
             <a:endParaRPr/>
           </a:p>
@@ -2578,7 +2911,8 @@
           </a:prstGeom>
         </p:spPr>
         <p:txBody>
-          <a:bodyPr lIns="0" rIns="0" tIns="0" bIns="0"/>
+          <a:bodyPr lIns="0" tIns="0" rIns="0" bIns="0"/>
+          <a:lstStyle/>
           <a:p>
             <a:endParaRPr/>
           </a:p>
@@ -2586,11 +2920,14 @@
       </p:sp>
     </p:spTree>
   </p:cSld>
+  <p:clrMapOvr>
+    <a:masterClrMapping/>
+  </p:clrMapOvr>
 </p:sldLayout>
 </file>
 
 <file path=ppt/slideLayouts/slideLayout9.xml><?xml version="1.0" encoding="utf-8"?>
-<p:sldLayout xmlns:a="http://schemas.openxmlformats.org/drawingml/2006/main" xmlns:p="http://schemas.openxmlformats.org/presentationml/2006/main" xmlns:r="http://schemas.openxmlformats.org/officeDocument/2006/relationships" type="twoObjOverTx" preserve="1">
+<p:sldLayout xmlns:a="http://schemas.openxmlformats.org/drawingml/2006/main" xmlns:r="http://schemas.openxmlformats.org/officeDocument/2006/relationships" xmlns:p="http://schemas.openxmlformats.org/presentationml/2006/main" type="twoObjOverTx" preserve="1">
   <p:cSld name="Title, 2 Content over Content">
     <p:spTree>
       <p:nvGrpSpPr>
@@ -2626,7 +2963,8 @@
           </a:prstGeom>
         </p:spPr>
         <p:txBody>
-          <a:bodyPr lIns="0" rIns="0" tIns="0" bIns="0" anchor="ctr"/>
+          <a:bodyPr lIns="0" tIns="0" rIns="0" bIns="0" anchor="ctr"/>
+          <a:lstStyle/>
           <a:p>
             <a:pPr algn="ctr"/>
             <a:endParaRPr/>
@@ -2653,7 +2991,8 @@
           </a:prstGeom>
         </p:spPr>
         <p:txBody>
-          <a:bodyPr lIns="0" rIns="0" tIns="0" bIns="0"/>
+          <a:bodyPr lIns="0" tIns="0" rIns="0" bIns="0"/>
+          <a:lstStyle/>
           <a:p>
             <a:endParaRPr/>
           </a:p>
@@ -2679,7 +3018,8 @@
           </a:prstGeom>
         </p:spPr>
         <p:txBody>
-          <a:bodyPr lIns="0" rIns="0" tIns="0" bIns="0"/>
+          <a:bodyPr lIns="0" tIns="0" rIns="0" bIns="0"/>
+          <a:lstStyle/>
           <a:p>
             <a:endParaRPr/>
           </a:p>
@@ -2705,7 +3045,8 @@
           </a:prstGeom>
         </p:spPr>
         <p:txBody>
-          <a:bodyPr lIns="0" rIns="0" tIns="0" bIns="0"/>
+          <a:bodyPr lIns="0" tIns="0" rIns="0" bIns="0"/>
+          <a:lstStyle/>
           <a:p>
             <a:endParaRPr/>
           </a:p>
@@ -2713,17 +3054,21 @@
       </p:sp>
     </p:spTree>
   </p:cSld>
+  <p:clrMapOvr>
+    <a:masterClrMapping/>
+  </p:clrMapOvr>
 </p:sldLayout>
 </file>
 
 <file path=ppt/slideMasters/slideMaster1.xml><?xml version="1.0" encoding="utf-8"?>
-<p:sldMaster xmlns:a="http://schemas.openxmlformats.org/drawingml/2006/main" xmlns:p="http://schemas.openxmlformats.org/presentationml/2006/main" xmlns:r="http://schemas.openxmlformats.org/officeDocument/2006/relationships">
+<p:sldMaster xmlns:a="http://schemas.openxmlformats.org/drawingml/2006/main" xmlns:r="http://schemas.openxmlformats.org/officeDocument/2006/relationships" xmlns:p="http://schemas.openxmlformats.org/presentationml/2006/main">
   <p:cSld>
     <p:bg>
       <p:bgPr>
         <a:solidFill>
-          <a:srgbClr val="ffffff"/>
+          <a:srgbClr val="FFFFFF"/>
         </a:solidFill>
+        <a:effectLst/>
       </p:bgPr>
     </p:bg>
     <p:spTree>
@@ -2742,7 +3087,7 @@
       </p:grpSpPr>
       <p:sp>
         <p:nvSpPr>
-          <p:cNvPr id="0" name="PlaceHolder 1"/>
+          <p:cNvPr id="2" name="PlaceHolder 1"/>
           <p:cNvSpPr>
             <a:spLocks noGrp="1"/>
           </p:cNvSpPr>
@@ -2760,7 +3105,8 @@
           </a:prstGeom>
         </p:spPr>
         <p:txBody>
-          <a:bodyPr lIns="0" rIns="0" tIns="0" bIns="0" anchor="ctr"/>
+          <a:bodyPr lIns="0" tIns="0" rIns="0" bIns="0" anchor="ctr"/>
+          <a:lstStyle/>
           <a:p>
             <a:r>
               <a:rPr lang="en-US">
@@ -2774,7 +3120,7 @@
       </p:sp>
       <p:sp>
         <p:nvSpPr>
-          <p:cNvPr id="1" name="PlaceHolder 2"/>
+          <p:cNvPr id="3" name="PlaceHolder 2"/>
           <p:cNvSpPr>
             <a:spLocks noGrp="1"/>
           </p:cNvSpPr>
@@ -2792,7 +3138,8 @@
           </a:prstGeom>
         </p:spPr>
         <p:txBody>
-          <a:bodyPr lIns="0" rIns="0" tIns="0" bIns="0"/>
+          <a:bodyPr lIns="0" tIns="0" rIns="0" bIns="0"/>
+          <a:lstStyle/>
           <a:p>
             <a:pPr>
               <a:buSzPct val="45000"/>
@@ -2895,32 +3242,313 @@
       </p:sp>
     </p:spTree>
   </p:cSld>
-  <p:clrMap bg1="lt1" bg2="lt2" tx1="dk1" tx2="dk2" accent1="accent1" accent2="accent2" accent3="accent3" accent4="accent4" accent5="accent5" accent6="accent6" hlink="hlink" folHlink="folHlink"/>
+  <p:clrMap bg1="lt1" tx1="dk1" bg2="lt2" tx2="dk2" accent1="accent1" accent2="accent2" accent3="accent3" accent4="accent4" accent5="accent5" accent6="accent6" hlink="hlink" folHlink="folHlink"/>
   <p:sldLayoutIdLst>
-    <p:sldLayoutId id="2147483649" r:id="rId2"/>
-    <p:sldLayoutId id="2147483650" r:id="rId3"/>
-    <p:sldLayoutId id="2147483651" r:id="rId4"/>
-    <p:sldLayoutId id="2147483652" r:id="rId5"/>
-    <p:sldLayoutId id="2147483653" r:id="rId6"/>
-    <p:sldLayoutId id="2147483654" r:id="rId7"/>
-    <p:sldLayoutId id="2147483655" r:id="rId8"/>
-    <p:sldLayoutId id="2147483656" r:id="rId9"/>
-    <p:sldLayoutId id="2147483657" r:id="rId10"/>
-    <p:sldLayoutId id="2147483658" r:id="rId11"/>
-    <p:sldLayoutId id="2147483659" r:id="rId12"/>
-    <p:sldLayoutId id="2147483660" r:id="rId13"/>
+    <p:sldLayoutId id="2147483649" r:id="rId1"/>
+    <p:sldLayoutId id="2147483650" r:id="rId2"/>
+    <p:sldLayoutId id="2147483651" r:id="rId3"/>
+    <p:sldLayoutId id="2147483652" r:id="rId4"/>
+    <p:sldLayoutId id="2147483653" r:id="rId5"/>
+    <p:sldLayoutId id="2147483654" r:id="rId6"/>
+    <p:sldLayoutId id="2147483655" r:id="rId7"/>
+    <p:sldLayoutId id="2147483656" r:id="rId8"/>
+    <p:sldLayoutId id="2147483657" r:id="rId9"/>
+    <p:sldLayoutId id="2147483658" r:id="rId10"/>
+    <p:sldLayoutId id="2147483659" r:id="rId11"/>
+    <p:sldLayoutId id="2147483660" r:id="rId12"/>
   </p:sldLayoutIdLst>
+  <p:txStyles>
+    <p:titleStyle>
+      <a:lvl1pPr algn="l" defTabSz="914400" rtl="0" eaLnBrk="1" latinLnBrk="0" hangingPunct="1">
+        <a:lnSpc>
+          <a:spcPct val="90000"/>
+        </a:lnSpc>
+        <a:spcBef>
+          <a:spcPct val="0"/>
+        </a:spcBef>
+        <a:buNone/>
+        <a:defRPr sz="4400" kern="1200">
+          <a:solidFill>
+            <a:schemeClr val="tx1"/>
+          </a:solidFill>
+          <a:latin typeface="+mj-lt"/>
+          <a:ea typeface="+mj-ea"/>
+          <a:cs typeface="+mj-cs"/>
+        </a:defRPr>
+      </a:lvl1pPr>
+    </p:titleStyle>
+    <p:bodyStyle>
+      <a:lvl1pPr marL="228600" indent="-228600" algn="l" defTabSz="914400" rtl="0" eaLnBrk="1" latinLnBrk="0" hangingPunct="1">
+        <a:lnSpc>
+          <a:spcPct val="90000"/>
+        </a:lnSpc>
+        <a:spcBef>
+          <a:spcPts val="1000"/>
+        </a:spcBef>
+        <a:buFont typeface="Arial" panose="020B0604020202020204" pitchFamily="34" charset="0"/>
+        <a:buChar char="•"/>
+        <a:defRPr sz="2800" kern="1200">
+          <a:solidFill>
+            <a:schemeClr val="tx1"/>
+          </a:solidFill>
+          <a:latin typeface="+mn-lt"/>
+          <a:ea typeface="+mn-ea"/>
+          <a:cs typeface="+mn-cs"/>
+        </a:defRPr>
+      </a:lvl1pPr>
+      <a:lvl2pPr marL="685800" indent="-228600" algn="l" defTabSz="914400" rtl="0" eaLnBrk="1" latinLnBrk="0" hangingPunct="1">
+        <a:lnSpc>
+          <a:spcPct val="90000"/>
+        </a:lnSpc>
+        <a:spcBef>
+          <a:spcPts val="500"/>
+        </a:spcBef>
+        <a:buFont typeface="Arial" panose="020B0604020202020204" pitchFamily="34" charset="0"/>
+        <a:buChar char="•"/>
+        <a:defRPr sz="2400" kern="1200">
+          <a:solidFill>
+            <a:schemeClr val="tx1"/>
+          </a:solidFill>
+          <a:latin typeface="+mn-lt"/>
+          <a:ea typeface="+mn-ea"/>
+          <a:cs typeface="+mn-cs"/>
+        </a:defRPr>
+      </a:lvl2pPr>
+      <a:lvl3pPr marL="1143000" indent="-228600" algn="l" defTabSz="914400" rtl="0" eaLnBrk="1" latinLnBrk="0" hangingPunct="1">
+        <a:lnSpc>
+          <a:spcPct val="90000"/>
+        </a:lnSpc>
+        <a:spcBef>
+          <a:spcPts val="500"/>
+        </a:spcBef>
+        <a:buFont typeface="Arial" panose="020B0604020202020204" pitchFamily="34" charset="0"/>
+        <a:buChar char="•"/>
+        <a:defRPr sz="2000" kern="1200">
+          <a:solidFill>
+            <a:schemeClr val="tx1"/>
+          </a:solidFill>
+          <a:latin typeface="+mn-lt"/>
+          <a:ea typeface="+mn-ea"/>
+          <a:cs typeface="+mn-cs"/>
+        </a:defRPr>
+      </a:lvl3pPr>
+      <a:lvl4pPr marL="1600200" indent="-228600" algn="l" defTabSz="914400" rtl="0" eaLnBrk="1" latinLnBrk="0" hangingPunct="1">
+        <a:lnSpc>
+          <a:spcPct val="90000"/>
+        </a:lnSpc>
+        <a:spcBef>
+          <a:spcPts val="500"/>
+        </a:spcBef>
+        <a:buFont typeface="Arial" panose="020B0604020202020204" pitchFamily="34" charset="0"/>
+        <a:buChar char="•"/>
+        <a:defRPr sz="1800" kern="1200">
+          <a:solidFill>
+            <a:schemeClr val="tx1"/>
+          </a:solidFill>
+          <a:latin typeface="+mn-lt"/>
+          <a:ea typeface="+mn-ea"/>
+          <a:cs typeface="+mn-cs"/>
+        </a:defRPr>
+      </a:lvl4pPr>
+      <a:lvl5pPr marL="2057400" indent="-228600" algn="l" defTabSz="914400" rtl="0" eaLnBrk="1" latinLnBrk="0" hangingPunct="1">
+        <a:lnSpc>
+          <a:spcPct val="90000"/>
+        </a:lnSpc>
+        <a:spcBef>
+          <a:spcPts val="500"/>
+        </a:spcBef>
+        <a:buFont typeface="Arial" panose="020B0604020202020204" pitchFamily="34" charset="0"/>
+        <a:buChar char="•"/>
+        <a:defRPr sz="1800" kern="1200">
+          <a:solidFill>
+            <a:schemeClr val="tx1"/>
+          </a:solidFill>
+          <a:latin typeface="+mn-lt"/>
+          <a:ea typeface="+mn-ea"/>
+          <a:cs typeface="+mn-cs"/>
+        </a:defRPr>
+      </a:lvl5pPr>
+      <a:lvl6pPr marL="2514600" indent="-228600" algn="l" defTabSz="914400" rtl="0" eaLnBrk="1" latinLnBrk="0" hangingPunct="1">
+        <a:lnSpc>
+          <a:spcPct val="90000"/>
+        </a:lnSpc>
+        <a:spcBef>
+          <a:spcPts val="500"/>
+        </a:spcBef>
+        <a:buFont typeface="Arial" panose="020B0604020202020204" pitchFamily="34" charset="0"/>
+        <a:buChar char="•"/>
+        <a:defRPr sz="1800" kern="1200">
+          <a:solidFill>
+            <a:schemeClr val="tx1"/>
+          </a:solidFill>
+          <a:latin typeface="+mn-lt"/>
+          <a:ea typeface="+mn-ea"/>
+          <a:cs typeface="+mn-cs"/>
+        </a:defRPr>
+      </a:lvl6pPr>
+      <a:lvl7pPr marL="2971800" indent="-228600" algn="l" defTabSz="914400" rtl="0" eaLnBrk="1" latinLnBrk="0" hangingPunct="1">
+        <a:lnSpc>
+          <a:spcPct val="90000"/>
+        </a:lnSpc>
+        <a:spcBef>
+          <a:spcPts val="500"/>
+        </a:spcBef>
+        <a:buFont typeface="Arial" panose="020B0604020202020204" pitchFamily="34" charset="0"/>
+        <a:buChar char="•"/>
+        <a:defRPr sz="1800" kern="1200">
+          <a:solidFill>
+            <a:schemeClr val="tx1"/>
+          </a:solidFill>
+          <a:latin typeface="+mn-lt"/>
+          <a:ea typeface="+mn-ea"/>
+          <a:cs typeface="+mn-cs"/>
+        </a:defRPr>
+      </a:lvl7pPr>
+      <a:lvl8pPr marL="3429000" indent="-228600" algn="l" defTabSz="914400" rtl="0" eaLnBrk="1" latinLnBrk="0" hangingPunct="1">
+        <a:lnSpc>
+          <a:spcPct val="90000"/>
+        </a:lnSpc>
+        <a:spcBef>
+          <a:spcPts val="500"/>
+        </a:spcBef>
+        <a:buFont typeface="Arial" panose="020B0604020202020204" pitchFamily="34" charset="0"/>
+        <a:buChar char="•"/>
+        <a:defRPr sz="1800" kern="1200">
+          <a:solidFill>
+            <a:schemeClr val="tx1"/>
+          </a:solidFill>
+          <a:latin typeface="+mn-lt"/>
+          <a:ea typeface="+mn-ea"/>
+          <a:cs typeface="+mn-cs"/>
+        </a:defRPr>
+      </a:lvl8pPr>
+      <a:lvl9pPr marL="3886200" indent="-228600" algn="l" defTabSz="914400" rtl="0" eaLnBrk="1" latinLnBrk="0" hangingPunct="1">
+        <a:lnSpc>
+          <a:spcPct val="90000"/>
+        </a:lnSpc>
+        <a:spcBef>
+          <a:spcPts val="500"/>
+        </a:spcBef>
+        <a:buFont typeface="Arial" panose="020B0604020202020204" pitchFamily="34" charset="0"/>
+        <a:buChar char="•"/>
+        <a:defRPr sz="1800" kern="1200">
+          <a:solidFill>
+            <a:schemeClr val="tx1"/>
+          </a:solidFill>
+          <a:latin typeface="+mn-lt"/>
+          <a:ea typeface="+mn-ea"/>
+          <a:cs typeface="+mn-cs"/>
+        </a:defRPr>
+      </a:lvl9pPr>
+    </p:bodyStyle>
+    <p:otherStyle>
+      <a:defPPr>
+        <a:defRPr lang="pt-BR"/>
+      </a:defPPr>
+      <a:lvl1pPr marL="0" algn="l" defTabSz="914400" rtl="0" eaLnBrk="1" latinLnBrk="0" hangingPunct="1">
+        <a:defRPr sz="1800" kern="1200">
+          <a:solidFill>
+            <a:schemeClr val="tx1"/>
+          </a:solidFill>
+          <a:latin typeface="+mn-lt"/>
+          <a:ea typeface="+mn-ea"/>
+          <a:cs typeface="+mn-cs"/>
+        </a:defRPr>
+      </a:lvl1pPr>
+      <a:lvl2pPr marL="457200" algn="l" defTabSz="914400" rtl="0" eaLnBrk="1" latinLnBrk="0" hangingPunct="1">
+        <a:defRPr sz="1800" kern="1200">
+          <a:solidFill>
+            <a:schemeClr val="tx1"/>
+          </a:solidFill>
+          <a:latin typeface="+mn-lt"/>
+          <a:ea typeface="+mn-ea"/>
+          <a:cs typeface="+mn-cs"/>
+        </a:defRPr>
+      </a:lvl2pPr>
+      <a:lvl3pPr marL="914400" algn="l" defTabSz="914400" rtl="0" eaLnBrk="1" latinLnBrk="0" hangingPunct="1">
+        <a:defRPr sz="1800" kern="1200">
+          <a:solidFill>
+            <a:schemeClr val="tx1"/>
+          </a:solidFill>
+          <a:latin typeface="+mn-lt"/>
+          <a:ea typeface="+mn-ea"/>
+          <a:cs typeface="+mn-cs"/>
+        </a:defRPr>
+      </a:lvl3pPr>
+      <a:lvl4pPr marL="1371600" algn="l" defTabSz="914400" rtl="0" eaLnBrk="1" latinLnBrk="0" hangingPunct="1">
+        <a:defRPr sz="1800" kern="1200">
+          <a:solidFill>
+            <a:schemeClr val="tx1"/>
+          </a:solidFill>
+          <a:latin typeface="+mn-lt"/>
+          <a:ea typeface="+mn-ea"/>
+          <a:cs typeface="+mn-cs"/>
+        </a:defRPr>
+      </a:lvl4pPr>
+      <a:lvl5pPr marL="1828800" algn="l" defTabSz="914400" rtl="0" eaLnBrk="1" latinLnBrk="0" hangingPunct="1">
+        <a:defRPr sz="1800" kern="1200">
+          <a:solidFill>
+            <a:schemeClr val="tx1"/>
+          </a:solidFill>
+          <a:latin typeface="+mn-lt"/>
+          <a:ea typeface="+mn-ea"/>
+          <a:cs typeface="+mn-cs"/>
+        </a:defRPr>
+      </a:lvl5pPr>
+      <a:lvl6pPr marL="2286000" algn="l" defTabSz="914400" rtl="0" eaLnBrk="1" latinLnBrk="0" hangingPunct="1">
+        <a:defRPr sz="1800" kern="1200">
+          <a:solidFill>
+            <a:schemeClr val="tx1"/>
+          </a:solidFill>
+          <a:latin typeface="+mn-lt"/>
+          <a:ea typeface="+mn-ea"/>
+          <a:cs typeface="+mn-cs"/>
+        </a:defRPr>
+      </a:lvl6pPr>
+      <a:lvl7pPr marL="2743200" algn="l" defTabSz="914400" rtl="0" eaLnBrk="1" latinLnBrk="0" hangingPunct="1">
+        <a:defRPr sz="1800" kern="1200">
+          <a:solidFill>
+            <a:schemeClr val="tx1"/>
+          </a:solidFill>
+          <a:latin typeface="+mn-lt"/>
+          <a:ea typeface="+mn-ea"/>
+          <a:cs typeface="+mn-cs"/>
+        </a:defRPr>
+      </a:lvl7pPr>
+      <a:lvl8pPr marL="3200400" algn="l" defTabSz="914400" rtl="0" eaLnBrk="1" latinLnBrk="0" hangingPunct="1">
+        <a:defRPr sz="1800" kern="1200">
+          <a:solidFill>
+            <a:schemeClr val="tx1"/>
+          </a:solidFill>
+          <a:latin typeface="+mn-lt"/>
+          <a:ea typeface="+mn-ea"/>
+          <a:cs typeface="+mn-cs"/>
+        </a:defRPr>
+      </a:lvl8pPr>
+      <a:lvl9pPr marL="3657600" algn="l" defTabSz="914400" rtl="0" eaLnBrk="1" latinLnBrk="0" hangingPunct="1">
+        <a:defRPr sz="1800" kern="1200">
+          <a:solidFill>
+            <a:schemeClr val="tx1"/>
+          </a:solidFill>
+          <a:latin typeface="+mn-lt"/>
+          <a:ea typeface="+mn-ea"/>
+          <a:cs typeface="+mn-cs"/>
+        </a:defRPr>
+      </a:lvl9pPr>
+    </p:otherStyle>
+  </p:txStyles>
 </p:sldMaster>
 </file>
 
 <file path=ppt/slideMasters/slideMaster2.xml><?xml version="1.0" encoding="utf-8"?>
-<p:sldMaster xmlns:a="http://schemas.openxmlformats.org/drawingml/2006/main" xmlns:p="http://schemas.openxmlformats.org/presentationml/2006/main" xmlns:r="http://schemas.openxmlformats.org/officeDocument/2006/relationships">
+<p:sldMaster xmlns:a="http://schemas.openxmlformats.org/drawingml/2006/main" xmlns:r="http://schemas.openxmlformats.org/officeDocument/2006/relationships" xmlns:p="http://schemas.openxmlformats.org/presentationml/2006/main">
   <p:cSld>
     <p:bg>
       <p:bgPr>
         <a:solidFill>
-          <a:srgbClr val="ffffff"/>
+          <a:srgbClr val="FFFFFF"/>
         </a:solidFill>
+        <a:effectLst/>
       </p:bgPr>
     </p:bg>
     <p:spTree>
@@ -2957,7 +3585,8 @@
           </a:prstGeom>
         </p:spPr>
         <p:txBody>
-          <a:bodyPr lIns="0" rIns="0" tIns="0" bIns="0" anchor="ctr"/>
+          <a:bodyPr lIns="0" tIns="0" rIns="0" bIns="0" anchor="ctr"/>
+          <a:lstStyle/>
           <a:p>
             <a:pPr algn="ctr"/>
             <a:r>
@@ -2990,7 +3619,8 @@
           </a:prstGeom>
         </p:spPr>
         <p:txBody>
-          <a:bodyPr lIns="0" rIns="0" tIns="0" bIns="0"/>
+          <a:bodyPr lIns="0" tIns="0" rIns="0" bIns="0"/>
+          <a:lstStyle/>
           <a:p>
             <a:pPr>
               <a:buSzPct val="45000"/>
@@ -3093,26 +3723,306 @@
       </p:sp>
     </p:spTree>
   </p:cSld>
-  <p:clrMap bg1="lt1" bg2="lt2" tx1="dk1" tx2="dk2" accent1="accent1" accent2="accent2" accent3="accent3" accent4="accent4" accent5="accent5" accent6="accent6" hlink="hlink" folHlink="folHlink"/>
+  <p:clrMap bg1="lt1" tx1="dk1" bg2="lt2" tx2="dk2" accent1="accent1" accent2="accent2" accent3="accent3" accent4="accent4" accent5="accent5" accent6="accent6" hlink="hlink" folHlink="folHlink"/>
   <p:sldLayoutIdLst>
-    <p:sldLayoutId id="2147483662" r:id="rId2"/>
-    <p:sldLayoutId id="2147483663" r:id="rId3"/>
-    <p:sldLayoutId id="2147483664" r:id="rId4"/>
-    <p:sldLayoutId id="2147483665" r:id="rId5"/>
-    <p:sldLayoutId id="2147483666" r:id="rId6"/>
-    <p:sldLayoutId id="2147483667" r:id="rId7"/>
-    <p:sldLayoutId id="2147483668" r:id="rId8"/>
-    <p:sldLayoutId id="2147483669" r:id="rId9"/>
-    <p:sldLayoutId id="2147483670" r:id="rId10"/>
-    <p:sldLayoutId id="2147483671" r:id="rId11"/>
-    <p:sldLayoutId id="2147483672" r:id="rId12"/>
-    <p:sldLayoutId id="2147483673" r:id="rId13"/>
+    <p:sldLayoutId id="2147483662" r:id="rId1"/>
+    <p:sldLayoutId id="2147483663" r:id="rId2"/>
+    <p:sldLayoutId id="2147483664" r:id="rId3"/>
+    <p:sldLayoutId id="2147483665" r:id="rId4"/>
+    <p:sldLayoutId id="2147483666" r:id="rId5"/>
+    <p:sldLayoutId id="2147483667" r:id="rId6"/>
+    <p:sldLayoutId id="2147483668" r:id="rId7"/>
+    <p:sldLayoutId id="2147483669" r:id="rId8"/>
+    <p:sldLayoutId id="2147483670" r:id="rId9"/>
+    <p:sldLayoutId id="2147483671" r:id="rId10"/>
+    <p:sldLayoutId id="2147483672" r:id="rId11"/>
+    <p:sldLayoutId id="2147483673" r:id="rId12"/>
   </p:sldLayoutIdLst>
+  <p:txStyles>
+    <p:titleStyle>
+      <a:lvl1pPr algn="l" defTabSz="914400" rtl="0" eaLnBrk="1" latinLnBrk="0" hangingPunct="1">
+        <a:lnSpc>
+          <a:spcPct val="90000"/>
+        </a:lnSpc>
+        <a:spcBef>
+          <a:spcPct val="0"/>
+        </a:spcBef>
+        <a:buNone/>
+        <a:defRPr sz="4400" kern="1200">
+          <a:solidFill>
+            <a:schemeClr val="tx1"/>
+          </a:solidFill>
+          <a:latin typeface="+mj-lt"/>
+          <a:ea typeface="+mj-ea"/>
+          <a:cs typeface="+mj-cs"/>
+        </a:defRPr>
+      </a:lvl1pPr>
+    </p:titleStyle>
+    <p:bodyStyle>
+      <a:lvl1pPr marL="228600" indent="-228600" algn="l" defTabSz="914400" rtl="0" eaLnBrk="1" latinLnBrk="0" hangingPunct="1">
+        <a:lnSpc>
+          <a:spcPct val="90000"/>
+        </a:lnSpc>
+        <a:spcBef>
+          <a:spcPts val="1000"/>
+        </a:spcBef>
+        <a:buFont typeface="Arial" panose="020B0604020202020204" pitchFamily="34" charset="0"/>
+        <a:buChar char="•"/>
+        <a:defRPr sz="2800" kern="1200">
+          <a:solidFill>
+            <a:schemeClr val="tx1"/>
+          </a:solidFill>
+          <a:latin typeface="+mn-lt"/>
+          <a:ea typeface="+mn-ea"/>
+          <a:cs typeface="+mn-cs"/>
+        </a:defRPr>
+      </a:lvl1pPr>
+      <a:lvl2pPr marL="685800" indent="-228600" algn="l" defTabSz="914400" rtl="0" eaLnBrk="1" latinLnBrk="0" hangingPunct="1">
+        <a:lnSpc>
+          <a:spcPct val="90000"/>
+        </a:lnSpc>
+        <a:spcBef>
+          <a:spcPts val="500"/>
+        </a:spcBef>
+        <a:buFont typeface="Arial" panose="020B0604020202020204" pitchFamily="34" charset="0"/>
+        <a:buChar char="•"/>
+        <a:defRPr sz="2400" kern="1200">
+          <a:solidFill>
+            <a:schemeClr val="tx1"/>
+          </a:solidFill>
+          <a:latin typeface="+mn-lt"/>
+          <a:ea typeface="+mn-ea"/>
+          <a:cs typeface="+mn-cs"/>
+        </a:defRPr>
+      </a:lvl2pPr>
+      <a:lvl3pPr marL="1143000" indent="-228600" algn="l" defTabSz="914400" rtl="0" eaLnBrk="1" latinLnBrk="0" hangingPunct="1">
+        <a:lnSpc>
+          <a:spcPct val="90000"/>
+        </a:lnSpc>
+        <a:spcBef>
+          <a:spcPts val="500"/>
+        </a:spcBef>
+        <a:buFont typeface="Arial" panose="020B0604020202020204" pitchFamily="34" charset="0"/>
+        <a:buChar char="•"/>
+        <a:defRPr sz="2000" kern="1200">
+          <a:solidFill>
+            <a:schemeClr val="tx1"/>
+          </a:solidFill>
+          <a:latin typeface="+mn-lt"/>
+          <a:ea typeface="+mn-ea"/>
+          <a:cs typeface="+mn-cs"/>
+        </a:defRPr>
+      </a:lvl3pPr>
+      <a:lvl4pPr marL="1600200" indent="-228600" algn="l" defTabSz="914400" rtl="0" eaLnBrk="1" latinLnBrk="0" hangingPunct="1">
+        <a:lnSpc>
+          <a:spcPct val="90000"/>
+        </a:lnSpc>
+        <a:spcBef>
+          <a:spcPts val="500"/>
+        </a:spcBef>
+        <a:buFont typeface="Arial" panose="020B0604020202020204" pitchFamily="34" charset="0"/>
+        <a:buChar char="•"/>
+        <a:defRPr sz="1800" kern="1200">
+          <a:solidFill>
+            <a:schemeClr val="tx1"/>
+          </a:solidFill>
+          <a:latin typeface="+mn-lt"/>
+          <a:ea typeface="+mn-ea"/>
+          <a:cs typeface="+mn-cs"/>
+        </a:defRPr>
+      </a:lvl4pPr>
+      <a:lvl5pPr marL="2057400" indent="-228600" algn="l" defTabSz="914400" rtl="0" eaLnBrk="1" latinLnBrk="0" hangingPunct="1">
+        <a:lnSpc>
+          <a:spcPct val="90000"/>
+        </a:lnSpc>
+        <a:spcBef>
+          <a:spcPts val="500"/>
+        </a:spcBef>
+        <a:buFont typeface="Arial" panose="020B0604020202020204" pitchFamily="34" charset="0"/>
+        <a:buChar char="•"/>
+        <a:defRPr sz="1800" kern="1200">
+          <a:solidFill>
+            <a:schemeClr val="tx1"/>
+          </a:solidFill>
+          <a:latin typeface="+mn-lt"/>
+          <a:ea typeface="+mn-ea"/>
+          <a:cs typeface="+mn-cs"/>
+        </a:defRPr>
+      </a:lvl5pPr>
+      <a:lvl6pPr marL="2514600" indent="-228600" algn="l" defTabSz="914400" rtl="0" eaLnBrk="1" latinLnBrk="0" hangingPunct="1">
+        <a:lnSpc>
+          <a:spcPct val="90000"/>
+        </a:lnSpc>
+        <a:spcBef>
+          <a:spcPts val="500"/>
+        </a:spcBef>
+        <a:buFont typeface="Arial" panose="020B0604020202020204" pitchFamily="34" charset="0"/>
+        <a:buChar char="•"/>
+        <a:defRPr sz="1800" kern="1200">
+          <a:solidFill>
+            <a:schemeClr val="tx1"/>
+          </a:solidFill>
+          <a:latin typeface="+mn-lt"/>
+          <a:ea typeface="+mn-ea"/>
+          <a:cs typeface="+mn-cs"/>
+        </a:defRPr>
+      </a:lvl6pPr>
+      <a:lvl7pPr marL="2971800" indent="-228600" algn="l" defTabSz="914400" rtl="0" eaLnBrk="1" latinLnBrk="0" hangingPunct="1">
+        <a:lnSpc>
+          <a:spcPct val="90000"/>
+        </a:lnSpc>
+        <a:spcBef>
+          <a:spcPts val="500"/>
+        </a:spcBef>
+        <a:buFont typeface="Arial" panose="020B0604020202020204" pitchFamily="34" charset="0"/>
+        <a:buChar char="•"/>
+        <a:defRPr sz="1800" kern="1200">
+          <a:solidFill>
+            <a:schemeClr val="tx1"/>
+          </a:solidFill>
+          <a:latin typeface="+mn-lt"/>
+          <a:ea typeface="+mn-ea"/>
+          <a:cs typeface="+mn-cs"/>
+        </a:defRPr>
+      </a:lvl7pPr>
+      <a:lvl8pPr marL="3429000" indent="-228600" algn="l" defTabSz="914400" rtl="0" eaLnBrk="1" latinLnBrk="0" hangingPunct="1">
+        <a:lnSpc>
+          <a:spcPct val="90000"/>
+        </a:lnSpc>
+        <a:spcBef>
+          <a:spcPts val="500"/>
+        </a:spcBef>
+        <a:buFont typeface="Arial" panose="020B0604020202020204" pitchFamily="34" charset="0"/>
+        <a:buChar char="•"/>
+        <a:defRPr sz="1800" kern="1200">
+          <a:solidFill>
+            <a:schemeClr val="tx1"/>
+          </a:solidFill>
+          <a:latin typeface="+mn-lt"/>
+          <a:ea typeface="+mn-ea"/>
+          <a:cs typeface="+mn-cs"/>
+        </a:defRPr>
+      </a:lvl8pPr>
+      <a:lvl9pPr marL="3886200" indent="-228600" algn="l" defTabSz="914400" rtl="0" eaLnBrk="1" latinLnBrk="0" hangingPunct="1">
+        <a:lnSpc>
+          <a:spcPct val="90000"/>
+        </a:lnSpc>
+        <a:spcBef>
+          <a:spcPts val="500"/>
+        </a:spcBef>
+        <a:buFont typeface="Arial" panose="020B0604020202020204" pitchFamily="34" charset="0"/>
+        <a:buChar char="•"/>
+        <a:defRPr sz="1800" kern="1200">
+          <a:solidFill>
+            <a:schemeClr val="tx1"/>
+          </a:solidFill>
+          <a:latin typeface="+mn-lt"/>
+          <a:ea typeface="+mn-ea"/>
+          <a:cs typeface="+mn-cs"/>
+        </a:defRPr>
+      </a:lvl9pPr>
+    </p:bodyStyle>
+    <p:otherStyle>
+      <a:defPPr>
+        <a:defRPr lang="pt-BR"/>
+      </a:defPPr>
+      <a:lvl1pPr marL="0" algn="l" defTabSz="914400" rtl="0" eaLnBrk="1" latinLnBrk="0" hangingPunct="1">
+        <a:defRPr sz="1800" kern="1200">
+          <a:solidFill>
+            <a:schemeClr val="tx1"/>
+          </a:solidFill>
+          <a:latin typeface="+mn-lt"/>
+          <a:ea typeface="+mn-ea"/>
+          <a:cs typeface="+mn-cs"/>
+        </a:defRPr>
+      </a:lvl1pPr>
+      <a:lvl2pPr marL="457200" algn="l" defTabSz="914400" rtl="0" eaLnBrk="1" latinLnBrk="0" hangingPunct="1">
+        <a:defRPr sz="1800" kern="1200">
+          <a:solidFill>
+            <a:schemeClr val="tx1"/>
+          </a:solidFill>
+          <a:latin typeface="+mn-lt"/>
+          <a:ea typeface="+mn-ea"/>
+          <a:cs typeface="+mn-cs"/>
+        </a:defRPr>
+      </a:lvl2pPr>
+      <a:lvl3pPr marL="914400" algn="l" defTabSz="914400" rtl="0" eaLnBrk="1" latinLnBrk="0" hangingPunct="1">
+        <a:defRPr sz="1800" kern="1200">
+          <a:solidFill>
+            <a:schemeClr val="tx1"/>
+          </a:solidFill>
+          <a:latin typeface="+mn-lt"/>
+          <a:ea typeface="+mn-ea"/>
+          <a:cs typeface="+mn-cs"/>
+        </a:defRPr>
+      </a:lvl3pPr>
+      <a:lvl4pPr marL="1371600" algn="l" defTabSz="914400" rtl="0" eaLnBrk="1" latinLnBrk="0" hangingPunct="1">
+        <a:defRPr sz="1800" kern="1200">
+          <a:solidFill>
+            <a:schemeClr val="tx1"/>
+          </a:solidFill>
+          <a:latin typeface="+mn-lt"/>
+          <a:ea typeface="+mn-ea"/>
+          <a:cs typeface="+mn-cs"/>
+        </a:defRPr>
+      </a:lvl4pPr>
+      <a:lvl5pPr marL="1828800" algn="l" defTabSz="914400" rtl="0" eaLnBrk="1" latinLnBrk="0" hangingPunct="1">
+        <a:defRPr sz="1800" kern="1200">
+          <a:solidFill>
+            <a:schemeClr val="tx1"/>
+          </a:solidFill>
+          <a:latin typeface="+mn-lt"/>
+          <a:ea typeface="+mn-ea"/>
+          <a:cs typeface="+mn-cs"/>
+        </a:defRPr>
+      </a:lvl5pPr>
+      <a:lvl6pPr marL="2286000" algn="l" defTabSz="914400" rtl="0" eaLnBrk="1" latinLnBrk="0" hangingPunct="1">
+        <a:defRPr sz="1800" kern="1200">
+          <a:solidFill>
+            <a:schemeClr val="tx1"/>
+          </a:solidFill>
+          <a:latin typeface="+mn-lt"/>
+          <a:ea typeface="+mn-ea"/>
+          <a:cs typeface="+mn-cs"/>
+        </a:defRPr>
+      </a:lvl6pPr>
+      <a:lvl7pPr marL="2743200" algn="l" defTabSz="914400" rtl="0" eaLnBrk="1" latinLnBrk="0" hangingPunct="1">
+        <a:defRPr sz="1800" kern="1200">
+          <a:solidFill>
+            <a:schemeClr val="tx1"/>
+          </a:solidFill>
+          <a:latin typeface="+mn-lt"/>
+          <a:ea typeface="+mn-ea"/>
+          <a:cs typeface="+mn-cs"/>
+        </a:defRPr>
+      </a:lvl7pPr>
+      <a:lvl8pPr marL="3200400" algn="l" defTabSz="914400" rtl="0" eaLnBrk="1" latinLnBrk="0" hangingPunct="1">
+        <a:defRPr sz="1800" kern="1200">
+          <a:solidFill>
+            <a:schemeClr val="tx1"/>
+          </a:solidFill>
+          <a:latin typeface="+mn-lt"/>
+          <a:ea typeface="+mn-ea"/>
+          <a:cs typeface="+mn-cs"/>
+        </a:defRPr>
+      </a:lvl8pPr>
+      <a:lvl9pPr marL="3657600" algn="l" defTabSz="914400" rtl="0" eaLnBrk="1" latinLnBrk="0" hangingPunct="1">
+        <a:defRPr sz="1800" kern="1200">
+          <a:solidFill>
+            <a:schemeClr val="tx1"/>
+          </a:solidFill>
+          <a:latin typeface="+mn-lt"/>
+          <a:ea typeface="+mn-ea"/>
+          <a:cs typeface="+mn-cs"/>
+        </a:defRPr>
+      </a:lvl9pPr>
+    </p:otherStyle>
+  </p:txStyles>
 </p:sldMaster>
 </file>
 
 <file path=ppt/slides/slide1.xml><?xml version="1.0" encoding="utf-8"?>
-<p:sld xmlns:a="http://schemas.openxmlformats.org/drawingml/2006/main" xmlns:p="http://schemas.openxmlformats.org/presentationml/2006/main" xmlns:r="http://schemas.openxmlformats.org/officeDocument/2006/relationships">
+<p:sld xmlns:a="http://schemas.openxmlformats.org/drawingml/2006/main" xmlns:r="http://schemas.openxmlformats.org/officeDocument/2006/relationships" xmlns:p="http://schemas.openxmlformats.org/presentationml/2006/main">
   <p:cSld>
     <p:spTree>
       <p:nvGrpSpPr>
@@ -3148,13 +4058,20 @@
           </a:ln>
         </p:spPr>
         <p:style>
-          <a:lnRef idx="0"/>
-          <a:fillRef idx="0"/>
-          <a:effectRef idx="0"/>
+          <a:lnRef idx="0">
+            <a:scrgbClr r="0" g="0" b="0"/>
+          </a:lnRef>
+          <a:fillRef idx="0">
+            <a:scrgbClr r="0" g="0" b="0"/>
+          </a:fillRef>
+          <a:effectRef idx="0">
+            <a:scrgbClr r="0" g="0" b="0"/>
+          </a:effectRef>
           <a:fontRef idx="minor"/>
         </p:style>
         <p:txBody>
-          <a:bodyPr lIns="90000" rIns="90000" tIns="45000" bIns="45000" anchor="ctr"/>
+          <a:bodyPr lIns="90000" tIns="45000" rIns="90000" bIns="45000" anchor="ctr"/>
+          <a:lstStyle/>
           <a:p>
             <a:pPr algn="ctr">
               <a:lnSpc>
@@ -3195,14 +4112,23 @@
           </a:ln>
         </p:spPr>
         <p:style>
-          <a:lnRef idx="0"/>
-          <a:fillRef idx="0"/>
-          <a:effectRef idx="0"/>
+          <a:lnRef idx="0">
+            <a:scrgbClr r="0" g="0" b="0"/>
+          </a:lnRef>
+          <a:fillRef idx="0">
+            <a:scrgbClr r="0" g="0" b="0"/>
+          </a:fillRef>
+          <a:effectRef idx="0">
+            <a:scrgbClr r="0" g="0" b="0"/>
+          </a:effectRef>
           <a:fontRef idx="minor"/>
         </p:style>
       </p:sp>
     </p:spTree>
   </p:cSld>
+  <p:clrMapOvr>
+    <a:masterClrMapping/>
+  </p:clrMapOvr>
   <p:timing>
     <p:tnLst>
       <p:par>
@@ -3211,14 +4137,14 @@
             <p:seq>
               <p:cTn id="2" nodeType="mainSeq"/>
               <p:prevCondLst>
-                <p:cond delay="0" evt="onPrev">
+                <p:cond evt="onPrev" delay="0">
                   <p:tgtEl>
                     <p:sldTgt/>
                   </p:tgtEl>
                 </p:cond>
               </p:prevCondLst>
               <p:nextCondLst>
-                <p:cond delay="0" evt="onNext">
+                <p:cond evt="onNext" delay="0">
                   <p:tgtEl>
                     <p:sldTgt/>
                   </p:tgtEl>
@@ -3234,7 +4160,7 @@
 </file>
 
 <file path=ppt/slides/slide10.xml><?xml version="1.0" encoding="utf-8"?>
-<p:sld xmlns:a="http://schemas.openxmlformats.org/drawingml/2006/main" xmlns:p="http://schemas.openxmlformats.org/presentationml/2006/main" xmlns:r="http://schemas.openxmlformats.org/officeDocument/2006/relationships">
+<p:sld xmlns:a="http://schemas.openxmlformats.org/drawingml/2006/main" xmlns:r="http://schemas.openxmlformats.org/officeDocument/2006/relationships" xmlns:p="http://schemas.openxmlformats.org/presentationml/2006/main">
   <p:cSld>
     <p:spTree>
       <p:nvGrpSpPr>
@@ -3270,13 +4196,20 @@
           </a:ln>
         </p:spPr>
         <p:style>
-          <a:lnRef idx="0"/>
-          <a:fillRef idx="0"/>
-          <a:effectRef idx="0"/>
+          <a:lnRef idx="0">
+            <a:scrgbClr r="0" g="0" b="0"/>
+          </a:lnRef>
+          <a:fillRef idx="0">
+            <a:scrgbClr r="0" g="0" b="0"/>
+          </a:fillRef>
+          <a:effectRef idx="0">
+            <a:scrgbClr r="0" g="0" b="0"/>
+          </a:effectRef>
           <a:fontRef idx="minor"/>
         </p:style>
         <p:txBody>
-          <a:bodyPr lIns="90000" rIns="90000" tIns="45000" bIns="45000" anchor="ctr"/>
+          <a:bodyPr lIns="90000" tIns="45000" rIns="90000" bIns="45000" anchor="ctr"/>
+          <a:lstStyle/>
           <a:p>
             <a:pPr algn="ctr">
               <a:lnSpc>
@@ -3317,13 +4250,20 @@
           </a:ln>
         </p:spPr>
         <p:style>
-          <a:lnRef idx="0"/>
-          <a:fillRef idx="0"/>
-          <a:effectRef idx="0"/>
+          <a:lnRef idx="0">
+            <a:scrgbClr r="0" g="0" b="0"/>
+          </a:lnRef>
+          <a:fillRef idx="0">
+            <a:scrgbClr r="0" g="0" b="0"/>
+          </a:fillRef>
+          <a:effectRef idx="0">
+            <a:scrgbClr r="0" g="0" b="0"/>
+          </a:effectRef>
           <a:fontRef idx="minor"/>
         </p:style>
         <p:txBody>
-          <a:bodyPr lIns="90000" rIns="90000" tIns="45000" bIns="45000"/>
+          <a:bodyPr lIns="90000" tIns="45000" rIns="90000" bIns="45000"/>
+          <a:lstStyle/>
           <a:p>
             <a:pPr>
               <a:lnSpc>
@@ -3476,22 +4416,25 @@
       </p:sp>
     </p:spTree>
   </p:cSld>
+  <p:clrMapOvr>
+    <a:masterClrMapping/>
+  </p:clrMapOvr>
   <p:timing>
     <p:tnLst>
       <p:par>
-        <p:cTn id="19" dur="indefinite" restart="never" nodeType="tmRoot">
+        <p:cTn id="1" dur="indefinite" restart="never" nodeType="tmRoot">
           <p:childTnLst>
             <p:seq>
-              <p:cTn id="20" nodeType="mainSeq"/>
+              <p:cTn id="2" nodeType="mainSeq"/>
               <p:prevCondLst>
-                <p:cond delay="0" evt="onPrev">
+                <p:cond evt="onPrev" delay="0">
                   <p:tgtEl>
                     <p:sldTgt/>
                   </p:tgtEl>
                 </p:cond>
               </p:prevCondLst>
               <p:nextCondLst>
-                <p:cond delay="0" evt="onNext">
+                <p:cond evt="onNext" delay="0">
                   <p:tgtEl>
                     <p:sldTgt/>
                   </p:tgtEl>
@@ -3507,7 +4450,7 @@
 </file>
 
 <file path=ppt/slides/slide11.xml><?xml version="1.0" encoding="utf-8"?>
-<p:sld xmlns:a="http://schemas.openxmlformats.org/drawingml/2006/main" xmlns:p="http://schemas.openxmlformats.org/presentationml/2006/main" xmlns:r="http://schemas.openxmlformats.org/officeDocument/2006/relationships">
+<p:sld xmlns:a="http://schemas.openxmlformats.org/drawingml/2006/main" xmlns:r="http://schemas.openxmlformats.org/officeDocument/2006/relationships" xmlns:p="http://schemas.openxmlformats.org/presentationml/2006/main">
   <p:cSld>
     <p:spTree>
       <p:nvGrpSpPr>
@@ -3543,13 +4486,20 @@
           </a:ln>
         </p:spPr>
         <p:style>
-          <a:lnRef idx="0"/>
-          <a:fillRef idx="0"/>
-          <a:effectRef idx="0"/>
+          <a:lnRef idx="0">
+            <a:scrgbClr r="0" g="0" b="0"/>
+          </a:lnRef>
+          <a:fillRef idx="0">
+            <a:scrgbClr r="0" g="0" b="0"/>
+          </a:fillRef>
+          <a:effectRef idx="0">
+            <a:scrgbClr r="0" g="0" b="0"/>
+          </a:effectRef>
           <a:fontRef idx="minor"/>
         </p:style>
         <p:txBody>
-          <a:bodyPr lIns="90000" rIns="90000" tIns="45000" bIns="45000" anchor="ctr"/>
+          <a:bodyPr lIns="90000" tIns="45000" rIns="90000" bIns="45000" anchor="ctr"/>
+          <a:lstStyle/>
           <a:p>
             <a:pPr algn="ctr">
               <a:lnSpc>
@@ -3590,13 +4540,20 @@
           </a:ln>
         </p:spPr>
         <p:style>
-          <a:lnRef idx="0"/>
-          <a:fillRef idx="0"/>
-          <a:effectRef idx="0"/>
+          <a:lnRef idx="0">
+            <a:scrgbClr r="0" g="0" b="0"/>
+          </a:lnRef>
+          <a:fillRef idx="0">
+            <a:scrgbClr r="0" g="0" b="0"/>
+          </a:fillRef>
+          <a:effectRef idx="0">
+            <a:scrgbClr r="0" g="0" b="0"/>
+          </a:effectRef>
           <a:fontRef idx="minor"/>
         </p:style>
         <p:txBody>
-          <a:bodyPr lIns="90000" rIns="90000" tIns="45000" bIns="45000"/>
+          <a:bodyPr lIns="90000" tIns="45000" rIns="90000" bIns="45000"/>
+          <a:lstStyle/>
           <a:p>
             <a:pPr>
               <a:lnSpc>
@@ -3669,22 +4626,25 @@
       </p:sp>
     </p:spTree>
   </p:cSld>
+  <p:clrMapOvr>
+    <a:masterClrMapping/>
+  </p:clrMapOvr>
   <p:timing>
     <p:tnLst>
       <p:par>
-        <p:cTn id="21" dur="indefinite" restart="never" nodeType="tmRoot">
+        <p:cTn id="1" dur="indefinite" restart="never" nodeType="tmRoot">
           <p:childTnLst>
             <p:seq>
-              <p:cTn id="22" nodeType="mainSeq"/>
+              <p:cTn id="2" nodeType="mainSeq"/>
               <p:prevCondLst>
-                <p:cond delay="0" evt="onPrev">
+                <p:cond evt="onPrev" delay="0">
                   <p:tgtEl>
                     <p:sldTgt/>
                   </p:tgtEl>
                 </p:cond>
               </p:prevCondLst>
               <p:nextCondLst>
-                <p:cond delay="0" evt="onNext">
+                <p:cond evt="onNext" delay="0">
                   <p:tgtEl>
                     <p:sldTgt/>
                   </p:tgtEl>
@@ -3700,7 +4660,7 @@
 </file>
 
 <file path=ppt/slides/slide12.xml><?xml version="1.0" encoding="utf-8"?>
-<p:sld xmlns:a="http://schemas.openxmlformats.org/drawingml/2006/main" xmlns:p="http://schemas.openxmlformats.org/presentationml/2006/main" xmlns:r="http://schemas.openxmlformats.org/officeDocument/2006/relationships">
+<p:sld xmlns:a="http://schemas.openxmlformats.org/drawingml/2006/main" xmlns:r="http://schemas.openxmlformats.org/officeDocument/2006/relationships" xmlns:p="http://schemas.openxmlformats.org/presentationml/2006/main">
   <p:cSld>
     <p:spTree>
       <p:nvGrpSpPr>
@@ -3736,13 +4696,20 @@
           </a:ln>
         </p:spPr>
         <p:style>
-          <a:lnRef idx="0"/>
-          <a:fillRef idx="0"/>
-          <a:effectRef idx="0"/>
+          <a:lnRef idx="0">
+            <a:scrgbClr r="0" g="0" b="0"/>
+          </a:lnRef>
+          <a:fillRef idx="0">
+            <a:scrgbClr r="0" g="0" b="0"/>
+          </a:fillRef>
+          <a:effectRef idx="0">
+            <a:scrgbClr r="0" g="0" b="0"/>
+          </a:effectRef>
           <a:fontRef idx="minor"/>
         </p:style>
         <p:txBody>
-          <a:bodyPr lIns="90000" rIns="90000" tIns="45000" bIns="45000" anchor="ctr"/>
+          <a:bodyPr lIns="90000" tIns="45000" rIns="90000" bIns="45000" anchor="ctr"/>
+          <a:lstStyle/>
           <a:p>
             <a:pPr algn="ctr">
               <a:lnSpc>
@@ -3783,13 +4750,20 @@
           </a:ln>
         </p:spPr>
         <p:style>
-          <a:lnRef idx="0"/>
-          <a:fillRef idx="0"/>
-          <a:effectRef idx="0"/>
+          <a:lnRef idx="0">
+            <a:scrgbClr r="0" g="0" b="0"/>
+          </a:lnRef>
+          <a:fillRef idx="0">
+            <a:scrgbClr r="0" g="0" b="0"/>
+          </a:fillRef>
+          <a:effectRef idx="0">
+            <a:scrgbClr r="0" g="0" b="0"/>
+          </a:effectRef>
           <a:fontRef idx="minor"/>
         </p:style>
         <p:txBody>
-          <a:bodyPr lIns="90000" rIns="90000" tIns="45000" bIns="45000"/>
+          <a:bodyPr lIns="90000" tIns="45000" rIns="90000" bIns="45000"/>
+          <a:lstStyle/>
           <a:p>
             <a:pPr>
               <a:lnSpc>
@@ -3902,22 +4876,25 @@
       </p:sp>
     </p:spTree>
   </p:cSld>
+  <p:clrMapOvr>
+    <a:masterClrMapping/>
+  </p:clrMapOvr>
   <p:timing>
     <p:tnLst>
       <p:par>
-        <p:cTn id="23" dur="indefinite" restart="never" nodeType="tmRoot">
+        <p:cTn id="1" dur="indefinite" restart="never" nodeType="tmRoot">
           <p:childTnLst>
             <p:seq>
-              <p:cTn id="24" nodeType="mainSeq"/>
+              <p:cTn id="2" nodeType="mainSeq"/>
               <p:prevCondLst>
-                <p:cond delay="0" evt="onPrev">
+                <p:cond evt="onPrev" delay="0">
                   <p:tgtEl>
                     <p:sldTgt/>
                   </p:tgtEl>
                 </p:cond>
               </p:prevCondLst>
               <p:nextCondLst>
-                <p:cond delay="0" evt="onNext">
+                <p:cond evt="onNext" delay="0">
                   <p:tgtEl>
                     <p:sldTgt/>
                   </p:tgtEl>
@@ -3933,7 +4910,7 @@
 </file>
 
 <file path=ppt/slides/slide13.xml><?xml version="1.0" encoding="utf-8"?>
-<p:sld xmlns:a="http://schemas.openxmlformats.org/drawingml/2006/main" xmlns:p="http://schemas.openxmlformats.org/presentationml/2006/main" xmlns:r="http://schemas.openxmlformats.org/officeDocument/2006/relationships">
+<p:sld xmlns:a="http://schemas.openxmlformats.org/drawingml/2006/main" xmlns:r="http://schemas.openxmlformats.org/officeDocument/2006/relationships" xmlns:p="http://schemas.openxmlformats.org/presentationml/2006/main">
   <p:cSld>
     <p:spTree>
       <p:nvGrpSpPr>
@@ -3969,13 +4946,20 @@
           </a:ln>
         </p:spPr>
         <p:style>
-          <a:lnRef idx="0"/>
-          <a:fillRef idx="0"/>
-          <a:effectRef idx="0"/>
+          <a:lnRef idx="0">
+            <a:scrgbClr r="0" g="0" b="0"/>
+          </a:lnRef>
+          <a:fillRef idx="0">
+            <a:scrgbClr r="0" g="0" b="0"/>
+          </a:fillRef>
+          <a:effectRef idx="0">
+            <a:scrgbClr r="0" g="0" b="0"/>
+          </a:effectRef>
           <a:fontRef idx="minor"/>
         </p:style>
         <p:txBody>
-          <a:bodyPr lIns="90000" rIns="90000" tIns="45000" bIns="45000" anchor="ctr"/>
+          <a:bodyPr lIns="90000" tIns="45000" rIns="90000" bIns="45000" anchor="ctr"/>
+          <a:lstStyle/>
           <a:p>
             <a:pPr algn="ctr">
               <a:lnSpc>
@@ -4016,13 +5000,20 @@
           </a:ln>
         </p:spPr>
         <p:style>
-          <a:lnRef idx="0"/>
-          <a:fillRef idx="0"/>
-          <a:effectRef idx="0"/>
+          <a:lnRef idx="0">
+            <a:scrgbClr r="0" g="0" b="0"/>
+          </a:lnRef>
+          <a:fillRef idx="0">
+            <a:scrgbClr r="0" g="0" b="0"/>
+          </a:fillRef>
+          <a:effectRef idx="0">
+            <a:scrgbClr r="0" g="0" b="0"/>
+          </a:effectRef>
           <a:fontRef idx="minor"/>
         </p:style>
         <p:txBody>
-          <a:bodyPr lIns="90000" rIns="90000" tIns="45000" bIns="45000"/>
+          <a:bodyPr lIns="90000" tIns="45000" rIns="90000" bIns="45000"/>
+          <a:lstStyle/>
           <a:p>
             <a:pPr>
               <a:lnSpc>
@@ -4135,22 +5126,25 @@
       </p:sp>
     </p:spTree>
   </p:cSld>
+  <p:clrMapOvr>
+    <a:masterClrMapping/>
+  </p:clrMapOvr>
   <p:timing>
     <p:tnLst>
       <p:par>
-        <p:cTn id="25" dur="indefinite" restart="never" nodeType="tmRoot">
+        <p:cTn id="1" dur="indefinite" restart="never" nodeType="tmRoot">
           <p:childTnLst>
             <p:seq>
-              <p:cTn id="26" nodeType="mainSeq"/>
+              <p:cTn id="2" nodeType="mainSeq"/>
               <p:prevCondLst>
-                <p:cond delay="0" evt="onPrev">
+                <p:cond evt="onPrev" delay="0">
                   <p:tgtEl>
                     <p:sldTgt/>
                   </p:tgtEl>
                 </p:cond>
               </p:prevCondLst>
               <p:nextCondLst>
-                <p:cond delay="0" evt="onNext">
+                <p:cond evt="onNext" delay="0">
                   <p:tgtEl>
                     <p:sldTgt/>
                   </p:tgtEl>
@@ -4166,7 +5160,7 @@
 </file>
 
 <file path=ppt/slides/slide14.xml><?xml version="1.0" encoding="utf-8"?>
-<p:sld xmlns:a="http://schemas.openxmlformats.org/drawingml/2006/main" xmlns:p="http://schemas.openxmlformats.org/presentationml/2006/main" xmlns:r="http://schemas.openxmlformats.org/officeDocument/2006/relationships">
+<p:sld xmlns:a="http://schemas.openxmlformats.org/drawingml/2006/main" xmlns:r="http://schemas.openxmlformats.org/officeDocument/2006/relationships" xmlns:p="http://schemas.openxmlformats.org/presentationml/2006/main">
   <p:cSld>
     <p:spTree>
       <p:nvGrpSpPr>
@@ -4202,13 +5196,20 @@
           </a:ln>
         </p:spPr>
         <p:style>
-          <a:lnRef idx="0"/>
-          <a:fillRef idx="0"/>
-          <a:effectRef idx="0"/>
+          <a:lnRef idx="0">
+            <a:scrgbClr r="0" g="0" b="0"/>
+          </a:lnRef>
+          <a:fillRef idx="0">
+            <a:scrgbClr r="0" g="0" b="0"/>
+          </a:fillRef>
+          <a:effectRef idx="0">
+            <a:scrgbClr r="0" g="0" b="0"/>
+          </a:effectRef>
           <a:fontRef idx="minor"/>
         </p:style>
         <p:txBody>
-          <a:bodyPr lIns="90000" rIns="90000" tIns="45000" bIns="45000" anchor="ctr"/>
+          <a:bodyPr lIns="90000" tIns="45000" rIns="90000" bIns="45000" anchor="ctr"/>
+          <a:lstStyle/>
           <a:p>
             <a:pPr algn="ctr">
               <a:lnSpc>
@@ -4249,13 +5250,20 @@
           </a:ln>
         </p:spPr>
         <p:style>
-          <a:lnRef idx="0"/>
-          <a:fillRef idx="0"/>
-          <a:effectRef idx="0"/>
+          <a:lnRef idx="0">
+            <a:scrgbClr r="0" g="0" b="0"/>
+          </a:lnRef>
+          <a:fillRef idx="0">
+            <a:scrgbClr r="0" g="0" b="0"/>
+          </a:fillRef>
+          <a:effectRef idx="0">
+            <a:scrgbClr r="0" g="0" b="0"/>
+          </a:effectRef>
           <a:fontRef idx="minor"/>
         </p:style>
         <p:txBody>
-          <a:bodyPr lIns="90000" rIns="90000" tIns="45000" bIns="45000"/>
+          <a:bodyPr lIns="90000" tIns="45000" rIns="90000" bIns="45000"/>
+          <a:lstStyle/>
           <a:p>
             <a:pPr>
               <a:lnSpc>
@@ -4288,22 +5296,25 @@
       </p:sp>
     </p:spTree>
   </p:cSld>
+  <p:clrMapOvr>
+    <a:masterClrMapping/>
+  </p:clrMapOvr>
   <p:timing>
     <p:tnLst>
       <p:par>
-        <p:cTn id="27" dur="indefinite" restart="never" nodeType="tmRoot">
+        <p:cTn id="1" dur="indefinite" restart="never" nodeType="tmRoot">
           <p:childTnLst>
             <p:seq>
-              <p:cTn id="28" nodeType="mainSeq"/>
+              <p:cTn id="2" nodeType="mainSeq"/>
               <p:prevCondLst>
-                <p:cond delay="0" evt="onPrev">
+                <p:cond evt="onPrev" delay="0">
                   <p:tgtEl>
                     <p:sldTgt/>
                   </p:tgtEl>
                 </p:cond>
               </p:prevCondLst>
               <p:nextCondLst>
-                <p:cond delay="0" evt="onNext">
+                <p:cond evt="onNext" delay="0">
                   <p:tgtEl>
                     <p:sldTgt/>
                   </p:tgtEl>
@@ -4319,7 +5330,7 @@
 </file>
 
 <file path=ppt/slides/slide15.xml><?xml version="1.0" encoding="utf-8"?>
-<p:sld xmlns:a="http://schemas.openxmlformats.org/drawingml/2006/main" xmlns:p="http://schemas.openxmlformats.org/presentationml/2006/main" xmlns:r="http://schemas.openxmlformats.org/officeDocument/2006/relationships">
+<p:sld xmlns:a="http://schemas.openxmlformats.org/drawingml/2006/main" xmlns:r="http://schemas.openxmlformats.org/officeDocument/2006/relationships" xmlns:p="http://schemas.openxmlformats.org/presentationml/2006/main">
   <p:cSld>
     <p:spTree>
       <p:nvGrpSpPr>
@@ -4355,13 +5366,20 @@
           </a:ln>
         </p:spPr>
         <p:style>
-          <a:lnRef idx="0"/>
-          <a:fillRef idx="0"/>
-          <a:effectRef idx="0"/>
+          <a:lnRef idx="0">
+            <a:scrgbClr r="0" g="0" b="0"/>
+          </a:lnRef>
+          <a:fillRef idx="0">
+            <a:scrgbClr r="0" g="0" b="0"/>
+          </a:fillRef>
+          <a:effectRef idx="0">
+            <a:scrgbClr r="0" g="0" b="0"/>
+          </a:effectRef>
           <a:fontRef idx="minor"/>
         </p:style>
         <p:txBody>
-          <a:bodyPr lIns="90000" rIns="90000" tIns="45000" bIns="45000" anchor="ctr"/>
+          <a:bodyPr lIns="90000" tIns="45000" rIns="90000" bIns="45000" anchor="ctr"/>
+          <a:lstStyle/>
           <a:p>
             <a:pPr algn="ctr">
               <a:lnSpc>
@@ -4402,13 +5420,20 @@
           </a:ln>
         </p:spPr>
         <p:style>
-          <a:lnRef idx="0"/>
-          <a:fillRef idx="0"/>
-          <a:effectRef idx="0"/>
+          <a:lnRef idx="0">
+            <a:scrgbClr r="0" g="0" b="0"/>
+          </a:lnRef>
+          <a:fillRef idx="0">
+            <a:scrgbClr r="0" g="0" b="0"/>
+          </a:fillRef>
+          <a:effectRef idx="0">
+            <a:scrgbClr r="0" g="0" b="0"/>
+          </a:effectRef>
           <a:fontRef idx="minor"/>
         </p:style>
         <p:txBody>
-          <a:bodyPr lIns="90000" rIns="90000" tIns="45000" bIns="45000"/>
+          <a:bodyPr lIns="90000" tIns="45000" rIns="90000" bIns="45000"/>
+          <a:lstStyle/>
           <a:p>
             <a:pPr>
               <a:lnSpc>
@@ -4581,22 +5606,25 @@
       </p:sp>
     </p:spTree>
   </p:cSld>
+  <p:clrMapOvr>
+    <a:masterClrMapping/>
+  </p:clrMapOvr>
   <p:timing>
     <p:tnLst>
       <p:par>
-        <p:cTn id="29" dur="indefinite" restart="never" nodeType="tmRoot">
+        <p:cTn id="1" dur="indefinite" restart="never" nodeType="tmRoot">
           <p:childTnLst>
             <p:seq>
-              <p:cTn id="30" nodeType="mainSeq"/>
+              <p:cTn id="2" nodeType="mainSeq"/>
               <p:prevCondLst>
-                <p:cond delay="0" evt="onPrev">
+                <p:cond evt="onPrev" delay="0">
                   <p:tgtEl>
                     <p:sldTgt/>
                   </p:tgtEl>
                 </p:cond>
               </p:prevCondLst>
               <p:nextCondLst>
-                <p:cond delay="0" evt="onNext">
+                <p:cond evt="onNext" delay="0">
                   <p:tgtEl>
                     <p:sldTgt/>
                   </p:tgtEl>
@@ -4612,7 +5640,7 @@
 </file>
 
 <file path=ppt/slides/slide16.xml><?xml version="1.0" encoding="utf-8"?>
-<p:sld xmlns:a="http://schemas.openxmlformats.org/drawingml/2006/main" xmlns:p="http://schemas.openxmlformats.org/presentationml/2006/main" xmlns:r="http://schemas.openxmlformats.org/officeDocument/2006/relationships">
+<p:sld xmlns:a="http://schemas.openxmlformats.org/drawingml/2006/main" xmlns:r="http://schemas.openxmlformats.org/officeDocument/2006/relationships" xmlns:p="http://schemas.openxmlformats.org/presentationml/2006/main">
   <p:cSld>
     <p:spTree>
       <p:nvGrpSpPr>
@@ -4648,13 +5676,20 @@
           </a:ln>
         </p:spPr>
         <p:style>
-          <a:lnRef idx="0"/>
-          <a:fillRef idx="0"/>
-          <a:effectRef idx="0"/>
+          <a:lnRef idx="0">
+            <a:scrgbClr r="0" g="0" b="0"/>
+          </a:lnRef>
+          <a:fillRef idx="0">
+            <a:scrgbClr r="0" g="0" b="0"/>
+          </a:fillRef>
+          <a:effectRef idx="0">
+            <a:scrgbClr r="0" g="0" b="0"/>
+          </a:effectRef>
           <a:fontRef idx="minor"/>
         </p:style>
         <p:txBody>
-          <a:bodyPr lIns="90000" rIns="90000" tIns="45000" bIns="45000" anchor="ctr"/>
+          <a:bodyPr lIns="90000" tIns="45000" rIns="90000" bIns="45000" anchor="ctr"/>
+          <a:lstStyle/>
           <a:p>
             <a:pPr algn="ctr">
               <a:lnSpc>
@@ -4683,7 +5718,7 @@
         </p:nvSpPr>
         <p:spPr>
           <a:xfrm>
-            <a:off x="457200" y="1600200"/>
+            <a:off x="457200" y="1416600"/>
             <a:ext cx="8228520" cy="4524840"/>
           </a:xfrm>
           <a:prstGeom prst="rect">
@@ -4695,13 +5730,20 @@
           </a:ln>
         </p:spPr>
         <p:style>
-          <a:lnRef idx="0"/>
-          <a:fillRef idx="0"/>
-          <a:effectRef idx="0"/>
+          <a:lnRef idx="0">
+            <a:scrgbClr r="0" g="0" b="0"/>
+          </a:lnRef>
+          <a:fillRef idx="0">
+            <a:scrgbClr r="0" g="0" b="0"/>
+          </a:fillRef>
+          <a:effectRef idx="0">
+            <a:scrgbClr r="0" g="0" b="0"/>
+          </a:effectRef>
           <a:fontRef idx="minor"/>
         </p:style>
         <p:txBody>
-          <a:bodyPr lIns="90000" rIns="90000" tIns="45000" bIns="45000"/>
+          <a:bodyPr lIns="90000" tIns="45000" rIns="90000" bIns="45000"/>
+          <a:lstStyle/>
           <a:p>
             <a:pPr>
               <a:lnSpc>
@@ -4711,7 +5753,7 @@
               <a:buChar char="•"/>
             </a:pPr>
             <a:r>
-              <a:rPr lang="en-US" sz="3200" strike="noStrike">
+              <a:rPr lang="en-US" sz="2800" strike="noStrike" dirty="0">
                 <a:solidFill>
                   <a:srgbClr val="000000"/>
                 </a:solidFill>
@@ -4720,7 +5762,7 @@
               </a:rPr>
               <a:t>SRS (Software Requirements Specification)</a:t>
             </a:r>
-            <a:endParaRPr/>
+            <a:endParaRPr sz="2800" dirty="0"/>
           </a:p>
           <a:p>
             <a:pPr>
@@ -4731,16 +5773,46 @@
               <a:buChar char="•"/>
             </a:pPr>
             <a:r>
-              <a:rPr lang="en-US" sz="3200" strike="noStrike">
-                <a:solidFill>
-                  <a:srgbClr val="000000"/>
-                </a:solidFill>
-                <a:latin typeface="Calibri"/>
-                <a:ea typeface="DejaVu Sans"/>
-              </a:rPr>
-              <a:t>Diferentes stakeholders o usam:</a:t>
-            </a:r>
-            <a:endParaRPr/>
+              <a:rPr lang="en-US" sz="2800" strike="noStrike" dirty="0" err="1">
+                <a:solidFill>
+                  <a:srgbClr val="000000"/>
+                </a:solidFill>
+                <a:latin typeface="Calibri"/>
+                <a:ea typeface="DejaVu Sans"/>
+              </a:rPr>
+              <a:t>Diferentes</a:t>
+            </a:r>
+            <a:r>
+              <a:rPr lang="en-US" sz="2800" strike="noStrike" dirty="0">
+                <a:solidFill>
+                  <a:srgbClr val="000000"/>
+                </a:solidFill>
+                <a:latin typeface="Calibri"/>
+                <a:ea typeface="DejaVu Sans"/>
+              </a:rPr>
+              <a:t> stakeholders o </a:t>
+            </a:r>
+            <a:r>
+              <a:rPr lang="en-US" sz="2800" strike="noStrike" dirty="0" err="1">
+                <a:solidFill>
+                  <a:srgbClr val="000000"/>
+                </a:solidFill>
+                <a:latin typeface="Calibri"/>
+                <a:ea typeface="DejaVu Sans"/>
+              </a:rPr>
+              <a:t>usam</a:t>
+            </a:r>
+            <a:r>
+              <a:rPr lang="en-US" sz="2800" strike="noStrike" dirty="0">
+                <a:solidFill>
+                  <a:srgbClr val="000000"/>
+                </a:solidFill>
+                <a:latin typeface="Calibri"/>
+                <a:ea typeface="DejaVu Sans"/>
+              </a:rPr>
+              <a:t>:</a:t>
+            </a:r>
+            <a:endParaRPr sz="2800" dirty="0"/>
           </a:p>
           <a:p>
             <a:pPr>
@@ -4751,7 +5823,7 @@
               <a:buChar char="•"/>
             </a:pPr>
             <a:r>
-              <a:rPr lang="en-US" sz="3200" strike="noStrike">
+              <a:rPr lang="en-US" sz="2800" strike="noStrike" dirty="0" err="1">
                 <a:solidFill>
                   <a:srgbClr val="000000"/>
                 </a:solidFill>
@@ -4760,7 +5832,7 @@
               </a:rPr>
               <a:t>Clientes</a:t>
             </a:r>
-            <a:endParaRPr/>
+            <a:endParaRPr sz="2800" dirty="0"/>
           </a:p>
           <a:p>
             <a:pPr lvl="1">
@@ -4771,16 +5843,116 @@
               <a:buChar char="–"/>
             </a:pPr>
             <a:r>
-              <a:rPr lang="en-US" sz="2800" strike="noStrike">
-                <a:solidFill>
-                  <a:srgbClr val="000000"/>
-                </a:solidFill>
-                <a:latin typeface="Calibri"/>
-                <a:ea typeface="DejaVu Sans"/>
-              </a:rPr>
-              <a:t>Verificam se os requisitos atendem suas necessidades</a:t>
-            </a:r>
-            <a:endParaRPr/>
+              <a:rPr lang="en-US" sz="2800" strike="noStrike" dirty="0" err="1">
+                <a:solidFill>
+                  <a:srgbClr val="000000"/>
+                </a:solidFill>
+                <a:latin typeface="Calibri"/>
+                <a:ea typeface="DejaVu Sans"/>
+              </a:rPr>
+              <a:t>Verificam</a:t>
+            </a:r>
+            <a:r>
+              <a:rPr lang="en-US" sz="2800" strike="noStrike" dirty="0">
+                <a:solidFill>
+                  <a:srgbClr val="000000"/>
+                </a:solidFill>
+                <a:latin typeface="Calibri"/>
+                <a:ea typeface="DejaVu Sans"/>
+              </a:rPr>
+              <a:t> se </a:t>
+            </a:r>
+            <a:r>
+              <a:rPr lang="en-US" sz="2800" strike="noStrike" dirty="0" err="1">
+                <a:solidFill>
+                  <a:srgbClr val="000000"/>
+                </a:solidFill>
+                <a:latin typeface="Calibri"/>
+                <a:ea typeface="DejaVu Sans"/>
+              </a:rPr>
+              <a:t>os</a:t>
+            </a:r>
+            <a:r>
+              <a:rPr lang="en-US" sz="2800" strike="noStrike" dirty="0">
+                <a:solidFill>
+                  <a:srgbClr val="000000"/>
+                </a:solidFill>
+                <a:latin typeface="Calibri"/>
+                <a:ea typeface="DejaVu Sans"/>
+              </a:rPr>
+              <a:t> </a:t>
+            </a:r>
+            <a:r>
+              <a:rPr lang="en-US" sz="2800" strike="noStrike" dirty="0" err="1">
+                <a:solidFill>
+                  <a:srgbClr val="000000"/>
+                </a:solidFill>
+                <a:latin typeface="Calibri"/>
+                <a:ea typeface="DejaVu Sans"/>
+              </a:rPr>
+              <a:t>requisitos</a:t>
+            </a:r>
+            <a:r>
+              <a:rPr lang="en-US" sz="2800" strike="noStrike" dirty="0">
+                <a:solidFill>
+                  <a:srgbClr val="000000"/>
+                </a:solidFill>
+                <a:latin typeface="Calibri"/>
+                <a:ea typeface="DejaVu Sans"/>
+              </a:rPr>
+              <a:t> </a:t>
+            </a:r>
+            <a:r>
+              <a:rPr lang="en-US" sz="2800" strike="noStrike" dirty="0" err="1">
+                <a:solidFill>
+                  <a:srgbClr val="000000"/>
+                </a:solidFill>
+                <a:latin typeface="Calibri"/>
+                <a:ea typeface="DejaVu Sans"/>
+              </a:rPr>
+              <a:t>atendem</a:t>
+            </a:r>
+            <a:r>
+              <a:rPr lang="en-US" sz="2800" strike="noStrike" dirty="0">
+                <a:solidFill>
+                  <a:srgbClr val="000000"/>
+                </a:solidFill>
+                <a:latin typeface="Calibri"/>
+                <a:ea typeface="DejaVu Sans"/>
+              </a:rPr>
+              <a:t> </a:t>
+            </a:r>
+            <a:r>
+              <a:rPr lang="en-US" sz="2800" strike="noStrike" dirty="0" err="1">
+                <a:solidFill>
+                  <a:srgbClr val="000000"/>
+                </a:solidFill>
+                <a:latin typeface="Calibri"/>
+                <a:ea typeface="DejaVu Sans"/>
+              </a:rPr>
+              <a:t>suas</a:t>
+            </a:r>
+            <a:r>
+              <a:rPr lang="en-US" sz="2800" strike="noStrike" dirty="0">
+                <a:solidFill>
+                  <a:srgbClr val="000000"/>
+                </a:solidFill>
+                <a:latin typeface="Calibri"/>
+                <a:ea typeface="DejaVu Sans"/>
+              </a:rPr>
+              <a:t> </a:t>
+            </a:r>
+            <a:r>
+              <a:rPr lang="en-US" sz="2800" strike="noStrike" dirty="0" err="1">
+                <a:solidFill>
+                  <a:srgbClr val="000000"/>
+                </a:solidFill>
+                <a:latin typeface="Calibri"/>
+                <a:ea typeface="DejaVu Sans"/>
+              </a:rPr>
+              <a:t>necessidades</a:t>
+            </a:r>
+            <a:endParaRPr sz="2800" dirty="0"/>
           </a:p>
           <a:p>
             <a:pPr lvl="1">
@@ -4791,16 +5963,76 @@
               <a:buChar char="–"/>
             </a:pPr>
             <a:r>
-              <a:rPr lang="en-US" sz="2800" strike="noStrike">
-                <a:solidFill>
-                  <a:srgbClr val="000000"/>
-                </a:solidFill>
-                <a:latin typeface="Calibri"/>
-                <a:ea typeface="DejaVu Sans"/>
-              </a:rPr>
-              <a:t>Especificam mudanças nos requisitos</a:t>
-            </a:r>
-            <a:endParaRPr/>
+              <a:rPr lang="en-US" sz="2800" strike="noStrike" dirty="0" err="1">
+                <a:solidFill>
+                  <a:srgbClr val="000000"/>
+                </a:solidFill>
+                <a:latin typeface="Calibri"/>
+                <a:ea typeface="DejaVu Sans"/>
+              </a:rPr>
+              <a:t>Especificam</a:t>
+            </a:r>
+            <a:r>
+              <a:rPr lang="en-US" sz="2800" strike="noStrike" dirty="0">
+                <a:solidFill>
+                  <a:srgbClr val="000000"/>
+                </a:solidFill>
+                <a:latin typeface="Calibri"/>
+                <a:ea typeface="DejaVu Sans"/>
+              </a:rPr>
+              <a:t> </a:t>
+            </a:r>
+            <a:r>
+              <a:rPr lang="en-US" sz="2800" strike="noStrike" dirty="0" err="1">
+                <a:solidFill>
+                  <a:srgbClr val="000000"/>
+                </a:solidFill>
+                <a:latin typeface="Calibri"/>
+                <a:ea typeface="DejaVu Sans"/>
+              </a:rPr>
+              <a:t>mudanças</a:t>
+            </a:r>
+            <a:r>
+              <a:rPr lang="en-US" sz="2800" strike="noStrike" dirty="0">
+                <a:solidFill>
+                  <a:srgbClr val="000000"/>
+                </a:solidFill>
+                <a:latin typeface="Calibri"/>
+                <a:ea typeface="DejaVu Sans"/>
+              </a:rPr>
+              <a:t> </a:t>
+            </a:r>
+            <a:r>
+              <a:rPr lang="en-US" sz="2800" strike="noStrike" dirty="0" err="1">
+                <a:solidFill>
+                  <a:srgbClr val="000000"/>
+                </a:solidFill>
+                <a:latin typeface="Calibri"/>
+                <a:ea typeface="DejaVu Sans"/>
+              </a:rPr>
+              <a:t>nos</a:t>
+            </a:r>
+            <a:r>
+              <a:rPr lang="en-US" sz="2800" strike="noStrike" dirty="0">
+                <a:solidFill>
+                  <a:srgbClr val="000000"/>
+                </a:solidFill>
+                <a:latin typeface="Calibri"/>
+                <a:ea typeface="DejaVu Sans"/>
+              </a:rPr>
+              <a:t> </a:t>
+            </a:r>
+            <a:r>
+              <a:rPr lang="en-US" sz="2800" strike="noStrike" dirty="0" err="1">
+                <a:solidFill>
+                  <a:srgbClr val="000000"/>
+                </a:solidFill>
+                <a:latin typeface="Calibri"/>
+                <a:ea typeface="DejaVu Sans"/>
+              </a:rPr>
+              <a:t>requisitos</a:t>
+            </a:r>
+            <a:endParaRPr sz="2800" dirty="0"/>
           </a:p>
           <a:p>
             <a:pPr>
@@ -4811,7 +6043,7 @@
               <a:buChar char="•"/>
             </a:pPr>
             <a:r>
-              <a:rPr lang="en-US" sz="3200" strike="noStrike">
+              <a:rPr lang="en-US" sz="2800" strike="noStrike" dirty="0" err="1">
                 <a:solidFill>
                   <a:srgbClr val="000000"/>
                 </a:solidFill>
@@ -4820,7 +6052,7 @@
               </a:rPr>
               <a:t>Gerentes</a:t>
             </a:r>
-            <a:endParaRPr/>
+            <a:endParaRPr sz="2800" dirty="0"/>
           </a:p>
           <a:p>
             <a:pPr lvl="1">
@@ -4831,16 +6063,76 @@
               <a:buChar char="–"/>
             </a:pPr>
             <a:r>
-              <a:rPr lang="en-US" sz="2800" strike="noStrike">
-                <a:solidFill>
-                  <a:srgbClr val="000000"/>
-                </a:solidFill>
-                <a:latin typeface="Calibri"/>
-                <a:ea typeface="DejaVu Sans"/>
-              </a:rPr>
-              <a:t>Planejam o pedido de proposta do sistema</a:t>
-            </a:r>
-            <a:endParaRPr/>
+              <a:rPr lang="en-US" sz="2800" strike="noStrike" dirty="0" err="1">
+                <a:solidFill>
+                  <a:srgbClr val="000000"/>
+                </a:solidFill>
+                <a:latin typeface="Calibri"/>
+                <a:ea typeface="DejaVu Sans"/>
+              </a:rPr>
+              <a:t>Planejam</a:t>
+            </a:r>
+            <a:r>
+              <a:rPr lang="en-US" sz="2800" strike="noStrike" dirty="0">
+                <a:solidFill>
+                  <a:srgbClr val="000000"/>
+                </a:solidFill>
+                <a:latin typeface="Calibri"/>
+                <a:ea typeface="DejaVu Sans"/>
+              </a:rPr>
+              <a:t> o </a:t>
+            </a:r>
+            <a:r>
+              <a:rPr lang="en-US" sz="2800" strike="noStrike" dirty="0" err="1">
+                <a:solidFill>
+                  <a:srgbClr val="000000"/>
+                </a:solidFill>
+                <a:latin typeface="Calibri"/>
+                <a:ea typeface="DejaVu Sans"/>
+              </a:rPr>
+              <a:t>pedido</a:t>
+            </a:r>
+            <a:r>
+              <a:rPr lang="en-US" sz="2800" strike="noStrike" dirty="0">
+                <a:solidFill>
+                  <a:srgbClr val="000000"/>
+                </a:solidFill>
+                <a:latin typeface="Calibri"/>
+                <a:ea typeface="DejaVu Sans"/>
+              </a:rPr>
+              <a:t> de </a:t>
+            </a:r>
+            <a:r>
+              <a:rPr lang="en-US" sz="2800" strike="noStrike" dirty="0" err="1">
+                <a:solidFill>
+                  <a:srgbClr val="000000"/>
+                </a:solidFill>
+                <a:latin typeface="Calibri"/>
+                <a:ea typeface="DejaVu Sans"/>
+              </a:rPr>
+              <a:t>proposta</a:t>
+            </a:r>
+            <a:r>
+              <a:rPr lang="en-US" sz="2800" strike="noStrike" dirty="0">
+                <a:solidFill>
+                  <a:srgbClr val="000000"/>
+                </a:solidFill>
+                <a:latin typeface="Calibri"/>
+                <a:ea typeface="DejaVu Sans"/>
+              </a:rPr>
+              <a:t> do </a:t>
+            </a:r>
+            <a:r>
+              <a:rPr lang="en-US" sz="2800" strike="noStrike" dirty="0" err="1">
+                <a:solidFill>
+                  <a:srgbClr val="000000"/>
+                </a:solidFill>
+                <a:latin typeface="Calibri"/>
+                <a:ea typeface="DejaVu Sans"/>
+              </a:rPr>
+              <a:t>sistema</a:t>
+            </a:r>
+            <a:endParaRPr sz="2800" dirty="0"/>
           </a:p>
           <a:p>
             <a:pPr lvl="1">
@@ -4851,16 +6143,76 @@
               <a:buChar char="–"/>
             </a:pPr>
             <a:r>
-              <a:rPr lang="en-US" sz="2800" strike="noStrike">
-                <a:solidFill>
-                  <a:srgbClr val="000000"/>
-                </a:solidFill>
-                <a:latin typeface="Calibri"/>
-                <a:ea typeface="DejaVu Sans"/>
-              </a:rPr>
-              <a:t>Planejam o processo de desenvolvimento do sistema</a:t>
-            </a:r>
-            <a:endParaRPr/>
+              <a:rPr lang="en-US" sz="2800" strike="noStrike" dirty="0" err="1">
+                <a:solidFill>
+                  <a:srgbClr val="000000"/>
+                </a:solidFill>
+                <a:latin typeface="Calibri"/>
+                <a:ea typeface="DejaVu Sans"/>
+              </a:rPr>
+              <a:t>Planejam</a:t>
+            </a:r>
+            <a:r>
+              <a:rPr lang="en-US" sz="2800" strike="noStrike" dirty="0">
+                <a:solidFill>
+                  <a:srgbClr val="000000"/>
+                </a:solidFill>
+                <a:latin typeface="Calibri"/>
+                <a:ea typeface="DejaVu Sans"/>
+              </a:rPr>
+              <a:t> o </a:t>
+            </a:r>
+            <a:r>
+              <a:rPr lang="en-US" sz="2800" strike="noStrike" dirty="0" err="1">
+                <a:solidFill>
+                  <a:srgbClr val="000000"/>
+                </a:solidFill>
+                <a:latin typeface="Calibri"/>
+                <a:ea typeface="DejaVu Sans"/>
+              </a:rPr>
+              <a:t>processo</a:t>
+            </a:r>
+            <a:r>
+              <a:rPr lang="en-US" sz="2800" strike="noStrike" dirty="0">
+                <a:solidFill>
+                  <a:srgbClr val="000000"/>
+                </a:solidFill>
+                <a:latin typeface="Calibri"/>
+                <a:ea typeface="DejaVu Sans"/>
+              </a:rPr>
+              <a:t> de </a:t>
+            </a:r>
+            <a:r>
+              <a:rPr lang="en-US" sz="2800" strike="noStrike" dirty="0" err="1">
+                <a:solidFill>
+                  <a:srgbClr val="000000"/>
+                </a:solidFill>
+                <a:latin typeface="Calibri"/>
+                <a:ea typeface="DejaVu Sans"/>
+              </a:rPr>
+              <a:t>desenvolvimento</a:t>
+            </a:r>
+            <a:r>
+              <a:rPr lang="en-US" sz="2800" strike="noStrike" dirty="0">
+                <a:solidFill>
+                  <a:srgbClr val="000000"/>
+                </a:solidFill>
+                <a:latin typeface="Calibri"/>
+                <a:ea typeface="DejaVu Sans"/>
+              </a:rPr>
+              <a:t> do </a:t>
+            </a:r>
+            <a:r>
+              <a:rPr lang="en-US" sz="2800" strike="noStrike" dirty="0" err="1">
+                <a:solidFill>
+                  <a:srgbClr val="000000"/>
+                </a:solidFill>
+                <a:latin typeface="Calibri"/>
+                <a:ea typeface="DejaVu Sans"/>
+              </a:rPr>
+              <a:t>sistema</a:t>
+            </a:r>
+            <a:endParaRPr sz="2800" dirty="0"/>
           </a:p>
           <a:p>
             <a:pPr>
@@ -4871,7 +6223,7 @@
               <a:buChar char="•"/>
             </a:pPr>
             <a:r>
-              <a:rPr lang="en-US" sz="3200" strike="noStrike">
+              <a:rPr lang="en-US" sz="2800" strike="noStrike" dirty="0" err="1">
                 <a:solidFill>
                   <a:srgbClr val="000000"/>
                 </a:solidFill>
@@ -4880,7 +6232,7 @@
               </a:rPr>
               <a:t>Desenvolvedores</a:t>
             </a:r>
-            <a:endParaRPr/>
+            <a:endParaRPr sz="2800" dirty="0"/>
           </a:p>
           <a:p>
             <a:pPr lvl="1">
@@ -4891,16 +6243,86 @@
               <a:buChar char="–"/>
             </a:pPr>
             <a:r>
-              <a:rPr lang="en-US" sz="2800" strike="noStrike">
-                <a:solidFill>
-                  <a:srgbClr val="000000"/>
-                </a:solidFill>
-                <a:latin typeface="Calibri"/>
-                <a:ea typeface="DejaVu Sans"/>
-              </a:rPr>
-              <a:t>Compreender que sistema será desenvolvido </a:t>
-            </a:r>
-            <a:endParaRPr/>
+              <a:rPr lang="en-US" sz="2800" strike="noStrike" dirty="0" err="1">
+                <a:solidFill>
+                  <a:srgbClr val="000000"/>
+                </a:solidFill>
+                <a:latin typeface="Calibri"/>
+                <a:ea typeface="DejaVu Sans"/>
+              </a:rPr>
+              <a:t>Compreender</a:t>
+            </a:r>
+            <a:r>
+              <a:rPr lang="en-US" sz="2800" strike="noStrike" dirty="0">
+                <a:solidFill>
+                  <a:srgbClr val="000000"/>
+                </a:solidFill>
+                <a:latin typeface="Calibri"/>
+                <a:ea typeface="DejaVu Sans"/>
+              </a:rPr>
+              <a:t> que </a:t>
+            </a:r>
+            <a:r>
+              <a:rPr lang="en-US" sz="2800" strike="noStrike" dirty="0" err="1">
+                <a:solidFill>
+                  <a:srgbClr val="000000"/>
+                </a:solidFill>
+                <a:latin typeface="Calibri"/>
+                <a:ea typeface="DejaVu Sans"/>
+              </a:rPr>
+              <a:t>sistema</a:t>
+            </a:r>
+            <a:r>
+              <a:rPr lang="en-US" sz="2800" strike="noStrike" dirty="0">
+                <a:solidFill>
+                  <a:srgbClr val="000000"/>
+                </a:solidFill>
+                <a:latin typeface="Calibri"/>
+                <a:ea typeface="DejaVu Sans"/>
+              </a:rPr>
+              <a:t> </a:t>
+            </a:r>
+            <a:r>
+              <a:rPr lang="en-US" sz="2800" strike="noStrike" dirty="0" err="1">
+                <a:solidFill>
+                  <a:srgbClr val="000000"/>
+                </a:solidFill>
+                <a:latin typeface="Calibri"/>
+                <a:ea typeface="DejaVu Sans"/>
+              </a:rPr>
+              <a:t>será</a:t>
+            </a:r>
+            <a:r>
+              <a:rPr lang="en-US" sz="2800" strike="noStrike" dirty="0">
+                <a:solidFill>
+                  <a:srgbClr val="000000"/>
+                </a:solidFill>
+                <a:latin typeface="Calibri"/>
+                <a:ea typeface="DejaVu Sans"/>
+              </a:rPr>
+              <a:t> </a:t>
+            </a:r>
+            <a:r>
+              <a:rPr lang="en-US" sz="2800" strike="noStrike" dirty="0" err="1">
+                <a:solidFill>
+                  <a:srgbClr val="000000"/>
+                </a:solidFill>
+                <a:latin typeface="Calibri"/>
+                <a:ea typeface="DejaVu Sans"/>
+              </a:rPr>
+              <a:t>desenvolvido</a:t>
+            </a:r>
+            <a:r>
+              <a:rPr lang="en-US" sz="2800" strike="noStrike" dirty="0">
+                <a:solidFill>
+                  <a:srgbClr val="000000"/>
+                </a:solidFill>
+                <a:latin typeface="Calibri"/>
+                <a:ea typeface="DejaVu Sans"/>
+              </a:rPr>
+              <a:t> </a:t>
+            </a:r>
+            <a:endParaRPr sz="2800" dirty="0"/>
           </a:p>
           <a:p>
             <a:pPr>
@@ -4908,28 +6330,31 @@
                 <a:spcPct val="100000"/>
               </a:lnSpc>
             </a:pPr>
-            <a:endParaRPr/>
+            <a:endParaRPr dirty="0"/>
           </a:p>
         </p:txBody>
       </p:sp>
     </p:spTree>
   </p:cSld>
+  <p:clrMapOvr>
+    <a:masterClrMapping/>
+  </p:clrMapOvr>
   <p:timing>
     <p:tnLst>
       <p:par>
-        <p:cTn id="31" dur="indefinite" restart="never" nodeType="tmRoot">
+        <p:cTn id="1" dur="indefinite" restart="never" nodeType="tmRoot">
           <p:childTnLst>
             <p:seq>
-              <p:cTn id="32" nodeType="mainSeq"/>
+              <p:cTn id="2" nodeType="mainSeq"/>
               <p:prevCondLst>
-                <p:cond delay="0" evt="onPrev">
+                <p:cond evt="onPrev" delay="0">
                   <p:tgtEl>
                     <p:sldTgt/>
                   </p:tgtEl>
                 </p:cond>
               </p:prevCondLst>
               <p:nextCondLst>
-                <p:cond delay="0" evt="onNext">
+                <p:cond evt="onNext" delay="0">
                   <p:tgtEl>
                     <p:sldTgt/>
                   </p:tgtEl>
@@ -4945,7 +6370,7 @@
 </file>
 
 <file path=ppt/slides/slide17.xml><?xml version="1.0" encoding="utf-8"?>
-<p:sld xmlns:a="http://schemas.openxmlformats.org/drawingml/2006/main" xmlns:p="http://schemas.openxmlformats.org/presentationml/2006/main" xmlns:r="http://schemas.openxmlformats.org/officeDocument/2006/relationships">
+<p:sld xmlns:a="http://schemas.openxmlformats.org/drawingml/2006/main" xmlns:r="http://schemas.openxmlformats.org/officeDocument/2006/relationships" xmlns:p="http://schemas.openxmlformats.org/presentationml/2006/main">
   <p:cSld>
     <p:spTree>
       <p:nvGrpSpPr>
@@ -4981,13 +6406,20 @@
           </a:ln>
         </p:spPr>
         <p:style>
-          <a:lnRef idx="0"/>
-          <a:fillRef idx="0"/>
-          <a:effectRef idx="0"/>
+          <a:lnRef idx="0">
+            <a:scrgbClr r="0" g="0" b="0"/>
+          </a:lnRef>
+          <a:fillRef idx="0">
+            <a:scrgbClr r="0" g="0" b="0"/>
+          </a:fillRef>
+          <a:effectRef idx="0">
+            <a:scrgbClr r="0" g="0" b="0"/>
+          </a:effectRef>
           <a:fontRef idx="minor"/>
         </p:style>
         <p:txBody>
-          <a:bodyPr lIns="90000" rIns="90000" tIns="45000" bIns="45000" anchor="ctr"/>
+          <a:bodyPr lIns="90000" tIns="45000" rIns="90000" bIns="45000" anchor="ctr"/>
+          <a:lstStyle/>
           <a:p>
             <a:pPr algn="ctr">
               <a:lnSpc>
@@ -5028,13 +6460,20 @@
           </a:ln>
         </p:spPr>
         <p:style>
-          <a:lnRef idx="0"/>
-          <a:fillRef idx="0"/>
-          <a:effectRef idx="0"/>
+          <a:lnRef idx="0">
+            <a:scrgbClr r="0" g="0" b="0"/>
+          </a:lnRef>
+          <a:fillRef idx="0">
+            <a:scrgbClr r="0" g="0" b="0"/>
+          </a:fillRef>
+          <a:effectRef idx="0">
+            <a:scrgbClr r="0" g="0" b="0"/>
+          </a:effectRef>
           <a:fontRef idx="minor"/>
         </p:style>
         <p:txBody>
-          <a:bodyPr lIns="90000" rIns="90000" tIns="45000" bIns="45000"/>
+          <a:bodyPr lIns="90000" tIns="45000" rIns="90000" bIns="45000"/>
+          <a:lstStyle/>
           <a:p>
             <a:pPr>
               <a:lnSpc>
@@ -5044,16 +6483,36 @@
               <a:buChar char="•"/>
             </a:pPr>
             <a:r>
-              <a:rPr lang="en-US" sz="3200" strike="noStrike">
-                <a:solidFill>
-                  <a:srgbClr val="000000"/>
-                </a:solidFill>
-                <a:latin typeface="Calibri"/>
-                <a:ea typeface="DejaVu Sans"/>
-              </a:rPr>
-              <a:t>1 – Introdução</a:t>
-            </a:r>
-            <a:endParaRPr/>
+              <a:rPr lang="en-US" sz="2000" strike="noStrike" dirty="0">
+                <a:solidFill>
+                  <a:srgbClr val="000000"/>
+                </a:solidFill>
+                <a:latin typeface="Calibri"/>
+                <a:ea typeface="DejaVu Sans"/>
+              </a:rPr>
+              <a:t>1 </a:t>
+            </a:r>
+            <a:r>
+              <a:rPr lang="en-US" sz="2400" strike="noStrike" dirty="0">
+                <a:solidFill>
+                  <a:srgbClr val="000000"/>
+                </a:solidFill>
+                <a:latin typeface="Calibri"/>
+                <a:ea typeface="DejaVu Sans"/>
+              </a:rPr>
+              <a:t>– </a:t>
+            </a:r>
+            <a:r>
+              <a:rPr lang="en-US" sz="2400" strike="noStrike" dirty="0" err="1">
+                <a:solidFill>
+                  <a:srgbClr val="000000"/>
+                </a:solidFill>
+                <a:latin typeface="Calibri"/>
+                <a:ea typeface="DejaVu Sans"/>
+              </a:rPr>
+              <a:t>Introdução</a:t>
+            </a:r>
+            <a:endParaRPr sz="2400" dirty="0"/>
           </a:p>
           <a:p>
             <a:pPr lvl="1">
@@ -5064,16 +6523,46 @@
               <a:buChar char="–"/>
             </a:pPr>
             <a:r>
-              <a:rPr lang="en-US" sz="2800" strike="noStrike">
-                <a:solidFill>
-                  <a:srgbClr val="000000"/>
-                </a:solidFill>
-                <a:latin typeface="Calibri"/>
-                <a:ea typeface="DejaVu Sans"/>
-              </a:rPr>
-              <a:t>1.1 propósito do documento</a:t>
-            </a:r>
-            <a:endParaRPr/>
+              <a:rPr lang="en-US" sz="2400" strike="noStrike" dirty="0">
+                <a:solidFill>
+                  <a:srgbClr val="000000"/>
+                </a:solidFill>
+                <a:latin typeface="Calibri"/>
+                <a:ea typeface="DejaVu Sans"/>
+              </a:rPr>
+              <a:t>1.1 </a:t>
+            </a:r>
+            <a:r>
+              <a:rPr lang="en-US" sz="2400" strike="noStrike" dirty="0" err="1">
+                <a:solidFill>
+                  <a:srgbClr val="000000"/>
+                </a:solidFill>
+                <a:latin typeface="Calibri"/>
+                <a:ea typeface="DejaVu Sans"/>
+              </a:rPr>
+              <a:t>propósito</a:t>
+            </a:r>
+            <a:r>
+              <a:rPr lang="en-US" sz="2400" strike="noStrike" dirty="0">
+                <a:solidFill>
+                  <a:srgbClr val="000000"/>
+                </a:solidFill>
+                <a:latin typeface="Calibri"/>
+                <a:ea typeface="DejaVu Sans"/>
+              </a:rPr>
+              <a:t> do </a:t>
+            </a:r>
+            <a:r>
+              <a:rPr lang="en-US" sz="2400" strike="noStrike" dirty="0" err="1">
+                <a:solidFill>
+                  <a:srgbClr val="000000"/>
+                </a:solidFill>
+                <a:latin typeface="Calibri"/>
+                <a:ea typeface="DejaVu Sans"/>
+              </a:rPr>
+              <a:t>documento</a:t>
+            </a:r>
+            <a:endParaRPr sz="2400" dirty="0"/>
           </a:p>
           <a:p>
             <a:pPr lvl="1">
@@ -5084,16 +6573,46 @@
               <a:buChar char="–"/>
             </a:pPr>
             <a:r>
-              <a:rPr lang="en-US" sz="2800" strike="noStrike">
-                <a:solidFill>
-                  <a:srgbClr val="000000"/>
-                </a:solidFill>
-                <a:latin typeface="Calibri"/>
-                <a:ea typeface="DejaVu Sans"/>
-              </a:rPr>
-              <a:t>1.2 escopo do produto</a:t>
-            </a:r>
-            <a:endParaRPr/>
+              <a:rPr lang="en-US" sz="2400" strike="noStrike" dirty="0">
+                <a:solidFill>
+                  <a:srgbClr val="000000"/>
+                </a:solidFill>
+                <a:latin typeface="Calibri"/>
+                <a:ea typeface="DejaVu Sans"/>
+              </a:rPr>
+              <a:t>1.2 </a:t>
+            </a:r>
+            <a:r>
+              <a:rPr lang="en-US" sz="2400" strike="noStrike" dirty="0" err="1">
+                <a:solidFill>
+                  <a:srgbClr val="000000"/>
+                </a:solidFill>
+                <a:latin typeface="Calibri"/>
+                <a:ea typeface="DejaVu Sans"/>
+              </a:rPr>
+              <a:t>escopo</a:t>
+            </a:r>
+            <a:r>
+              <a:rPr lang="en-US" sz="2400" strike="noStrike" dirty="0">
+                <a:solidFill>
+                  <a:srgbClr val="000000"/>
+                </a:solidFill>
+                <a:latin typeface="Calibri"/>
+                <a:ea typeface="DejaVu Sans"/>
+              </a:rPr>
+              <a:t> do </a:t>
+            </a:r>
+            <a:r>
+              <a:rPr lang="en-US" sz="2400" strike="noStrike" dirty="0" err="1">
+                <a:solidFill>
+                  <a:srgbClr val="000000"/>
+                </a:solidFill>
+                <a:latin typeface="Calibri"/>
+                <a:ea typeface="DejaVu Sans"/>
+              </a:rPr>
+              <a:t>produto</a:t>
+            </a:r>
+            <a:endParaRPr sz="2400" dirty="0"/>
           </a:p>
           <a:p>
             <a:pPr lvl="1">
@@ -5104,16 +6623,46 @@
               <a:buChar char="–"/>
             </a:pPr>
             <a:r>
-              <a:rPr lang="en-US" sz="2800" strike="noStrike">
-                <a:solidFill>
-                  <a:srgbClr val="000000"/>
-                </a:solidFill>
-                <a:latin typeface="Calibri"/>
-                <a:ea typeface="DejaVu Sans"/>
-              </a:rPr>
-              <a:t>1.3 definições, abreviações</a:t>
-            </a:r>
-            <a:endParaRPr/>
+              <a:rPr lang="en-US" sz="2400" strike="noStrike" dirty="0">
+                <a:solidFill>
+                  <a:srgbClr val="000000"/>
+                </a:solidFill>
+                <a:latin typeface="Calibri"/>
+                <a:ea typeface="DejaVu Sans"/>
+              </a:rPr>
+              <a:t>1.3 </a:t>
+            </a:r>
+            <a:r>
+              <a:rPr lang="en-US" sz="2400" strike="noStrike" dirty="0" err="1">
+                <a:solidFill>
+                  <a:srgbClr val="000000"/>
+                </a:solidFill>
+                <a:latin typeface="Calibri"/>
+                <a:ea typeface="DejaVu Sans"/>
+              </a:rPr>
+              <a:t>definições</a:t>
+            </a:r>
+            <a:r>
+              <a:rPr lang="en-US" sz="2400" strike="noStrike" dirty="0">
+                <a:solidFill>
+                  <a:srgbClr val="000000"/>
+                </a:solidFill>
+                <a:latin typeface="Calibri"/>
+                <a:ea typeface="DejaVu Sans"/>
+              </a:rPr>
+              <a:t>, </a:t>
+            </a:r>
+            <a:r>
+              <a:rPr lang="en-US" sz="2400" strike="noStrike" dirty="0" err="1">
+                <a:solidFill>
+                  <a:srgbClr val="000000"/>
+                </a:solidFill>
+                <a:latin typeface="Calibri"/>
+                <a:ea typeface="DejaVu Sans"/>
+              </a:rPr>
+              <a:t>abreviações</a:t>
+            </a:r>
+            <a:endParaRPr sz="2400" dirty="0"/>
           </a:p>
           <a:p>
             <a:pPr lvl="1">
@@ -5124,16 +6673,26 @@
               <a:buChar char="–"/>
             </a:pPr>
             <a:r>
-              <a:rPr lang="en-US" sz="2800" strike="noStrike">
-                <a:solidFill>
-                  <a:srgbClr val="000000"/>
-                </a:solidFill>
-                <a:latin typeface="Calibri"/>
-                <a:ea typeface="DejaVu Sans"/>
-              </a:rPr>
-              <a:t>1.4 referências</a:t>
-            </a:r>
-            <a:endParaRPr/>
+              <a:rPr lang="en-US" sz="2400" strike="noStrike" dirty="0">
+                <a:solidFill>
+                  <a:srgbClr val="000000"/>
+                </a:solidFill>
+                <a:latin typeface="Calibri"/>
+                <a:ea typeface="DejaVu Sans"/>
+              </a:rPr>
+              <a:t>1.4 </a:t>
+            </a:r>
+            <a:r>
+              <a:rPr lang="en-US" sz="2400" strike="noStrike" dirty="0" err="1">
+                <a:solidFill>
+                  <a:srgbClr val="000000"/>
+                </a:solidFill>
+                <a:latin typeface="Calibri"/>
+                <a:ea typeface="DejaVu Sans"/>
+              </a:rPr>
+              <a:t>referências</a:t>
+            </a:r>
+            <a:endParaRPr sz="2400" dirty="0"/>
           </a:p>
           <a:p>
             <a:pPr lvl="1">
@@ -5144,16 +6703,66 @@
               <a:buChar char="–"/>
             </a:pPr>
             <a:r>
-              <a:rPr lang="en-US" sz="2800" strike="noStrike">
-                <a:solidFill>
-                  <a:srgbClr val="000000"/>
-                </a:solidFill>
-                <a:latin typeface="Calibri"/>
-                <a:ea typeface="DejaVu Sans"/>
-              </a:rPr>
-              <a:t>1.5 visão geral do restante do documento</a:t>
-            </a:r>
-            <a:endParaRPr/>
+              <a:rPr lang="en-US" sz="2400" strike="noStrike" dirty="0">
+                <a:solidFill>
+                  <a:srgbClr val="000000"/>
+                </a:solidFill>
+                <a:latin typeface="Calibri"/>
+                <a:ea typeface="DejaVu Sans"/>
+              </a:rPr>
+              <a:t>1.5 </a:t>
+            </a:r>
+            <a:r>
+              <a:rPr lang="en-US" sz="2400" strike="noStrike" dirty="0" err="1">
+                <a:solidFill>
+                  <a:srgbClr val="000000"/>
+                </a:solidFill>
+                <a:latin typeface="Calibri"/>
+                <a:ea typeface="DejaVu Sans"/>
+              </a:rPr>
+              <a:t>visão</a:t>
+            </a:r>
+            <a:r>
+              <a:rPr lang="en-US" sz="2400" strike="noStrike" dirty="0">
+                <a:solidFill>
+                  <a:srgbClr val="000000"/>
+                </a:solidFill>
+                <a:latin typeface="Calibri"/>
+                <a:ea typeface="DejaVu Sans"/>
+              </a:rPr>
+              <a:t> </a:t>
+            </a:r>
+            <a:r>
+              <a:rPr lang="en-US" sz="2400" strike="noStrike" dirty="0" err="1">
+                <a:solidFill>
+                  <a:srgbClr val="000000"/>
+                </a:solidFill>
+                <a:latin typeface="Calibri"/>
+                <a:ea typeface="DejaVu Sans"/>
+              </a:rPr>
+              <a:t>geral</a:t>
+            </a:r>
+            <a:r>
+              <a:rPr lang="en-US" sz="2400" strike="noStrike" dirty="0">
+                <a:solidFill>
+                  <a:srgbClr val="000000"/>
+                </a:solidFill>
+                <a:latin typeface="Calibri"/>
+                <a:ea typeface="DejaVu Sans"/>
+              </a:rPr>
+              <a:t> do restante do </a:t>
+            </a:r>
+            <a:r>
+              <a:rPr lang="en-US" sz="2400" strike="noStrike" dirty="0" err="1">
+                <a:solidFill>
+                  <a:srgbClr val="000000"/>
+                </a:solidFill>
+                <a:latin typeface="Calibri"/>
+                <a:ea typeface="DejaVu Sans"/>
+              </a:rPr>
+              <a:t>documento</a:t>
+            </a:r>
+            <a:endParaRPr sz="2400" dirty="0"/>
           </a:p>
           <a:p>
             <a:pPr>
@@ -5164,16 +6773,46 @@
               <a:buChar char="•"/>
             </a:pPr>
             <a:r>
-              <a:rPr lang="en-US" sz="3200" strike="noStrike">
-                <a:solidFill>
-                  <a:srgbClr val="000000"/>
-                </a:solidFill>
-                <a:latin typeface="Calibri"/>
-                <a:ea typeface="DejaVu Sans"/>
-              </a:rPr>
-              <a:t>2 – Descrição geral</a:t>
-            </a:r>
-            <a:endParaRPr/>
+              <a:rPr lang="en-US" sz="2400" strike="noStrike" dirty="0">
+                <a:solidFill>
+                  <a:srgbClr val="000000"/>
+                </a:solidFill>
+                <a:latin typeface="Calibri"/>
+                <a:ea typeface="DejaVu Sans"/>
+              </a:rPr>
+              <a:t>2 – </a:t>
+            </a:r>
+            <a:r>
+              <a:rPr lang="en-US" sz="2400" strike="noStrike" dirty="0" err="1">
+                <a:solidFill>
+                  <a:srgbClr val="000000"/>
+                </a:solidFill>
+                <a:latin typeface="Calibri"/>
+                <a:ea typeface="DejaVu Sans"/>
+              </a:rPr>
+              <a:t>Descrição</a:t>
+            </a:r>
+            <a:r>
+              <a:rPr lang="en-US" sz="2400" strike="noStrike" dirty="0">
+                <a:solidFill>
+                  <a:srgbClr val="000000"/>
+                </a:solidFill>
+                <a:latin typeface="Calibri"/>
+                <a:ea typeface="DejaVu Sans"/>
+              </a:rPr>
+              <a:t> </a:t>
+            </a:r>
+            <a:r>
+              <a:rPr lang="en-US" sz="2400" strike="noStrike" dirty="0" err="1">
+                <a:solidFill>
+                  <a:srgbClr val="000000"/>
+                </a:solidFill>
+                <a:latin typeface="Calibri"/>
+                <a:ea typeface="DejaVu Sans"/>
+              </a:rPr>
+              <a:t>geral</a:t>
+            </a:r>
+            <a:endParaRPr sz="2400" dirty="0"/>
           </a:p>
           <a:p>
             <a:pPr lvl="1">
@@ -5184,16 +6823,46 @@
               <a:buChar char="–"/>
             </a:pPr>
             <a:r>
-              <a:rPr lang="en-US" sz="2800" strike="noStrike">
-                <a:solidFill>
-                  <a:srgbClr val="000000"/>
-                </a:solidFill>
-                <a:latin typeface="Calibri"/>
-                <a:ea typeface="DejaVu Sans"/>
-              </a:rPr>
-              <a:t>2.1 perspectiva do produto</a:t>
-            </a:r>
-            <a:endParaRPr/>
+              <a:rPr lang="en-US" sz="2400" strike="noStrike" dirty="0">
+                <a:solidFill>
+                  <a:srgbClr val="000000"/>
+                </a:solidFill>
+                <a:latin typeface="Calibri"/>
+                <a:ea typeface="DejaVu Sans"/>
+              </a:rPr>
+              <a:t>2.1 </a:t>
+            </a:r>
+            <a:r>
+              <a:rPr lang="en-US" sz="2400" strike="noStrike" dirty="0" err="1">
+                <a:solidFill>
+                  <a:srgbClr val="000000"/>
+                </a:solidFill>
+                <a:latin typeface="Calibri"/>
+                <a:ea typeface="DejaVu Sans"/>
+              </a:rPr>
+              <a:t>perspectiva</a:t>
+            </a:r>
+            <a:r>
+              <a:rPr lang="en-US" sz="2400" strike="noStrike" dirty="0">
+                <a:solidFill>
+                  <a:srgbClr val="000000"/>
+                </a:solidFill>
+                <a:latin typeface="Calibri"/>
+                <a:ea typeface="DejaVu Sans"/>
+              </a:rPr>
+              <a:t> do </a:t>
+            </a:r>
+            <a:r>
+              <a:rPr lang="en-US" sz="2400" strike="noStrike" dirty="0" err="1">
+                <a:solidFill>
+                  <a:srgbClr val="000000"/>
+                </a:solidFill>
+                <a:latin typeface="Calibri"/>
+                <a:ea typeface="DejaVu Sans"/>
+              </a:rPr>
+              <a:t>produto</a:t>
+            </a:r>
+            <a:endParaRPr sz="2400" dirty="0"/>
           </a:p>
           <a:p>
             <a:pPr lvl="1">
@@ -5204,16 +6873,46 @@
               <a:buChar char="–"/>
             </a:pPr>
             <a:r>
-              <a:rPr lang="en-US" sz="2800" strike="noStrike">
-                <a:solidFill>
-                  <a:srgbClr val="000000"/>
-                </a:solidFill>
-                <a:latin typeface="Calibri"/>
-                <a:ea typeface="DejaVu Sans"/>
-              </a:rPr>
-              <a:t>2.2 funções do produto</a:t>
-            </a:r>
-            <a:endParaRPr/>
+              <a:rPr lang="en-US" sz="2400" strike="noStrike" dirty="0">
+                <a:solidFill>
+                  <a:srgbClr val="000000"/>
+                </a:solidFill>
+                <a:latin typeface="Calibri"/>
+                <a:ea typeface="DejaVu Sans"/>
+              </a:rPr>
+              <a:t>2.2 </a:t>
+            </a:r>
+            <a:r>
+              <a:rPr lang="en-US" sz="2400" strike="noStrike" dirty="0" err="1">
+                <a:solidFill>
+                  <a:srgbClr val="000000"/>
+                </a:solidFill>
+                <a:latin typeface="Calibri"/>
+                <a:ea typeface="DejaVu Sans"/>
+              </a:rPr>
+              <a:t>funções</a:t>
+            </a:r>
+            <a:r>
+              <a:rPr lang="en-US" sz="2400" strike="noStrike" dirty="0">
+                <a:solidFill>
+                  <a:srgbClr val="000000"/>
+                </a:solidFill>
+                <a:latin typeface="Calibri"/>
+                <a:ea typeface="DejaVu Sans"/>
+              </a:rPr>
+              <a:t> do </a:t>
+            </a:r>
+            <a:r>
+              <a:rPr lang="en-US" sz="2400" strike="noStrike" dirty="0" err="1">
+                <a:solidFill>
+                  <a:srgbClr val="000000"/>
+                </a:solidFill>
+                <a:latin typeface="Calibri"/>
+                <a:ea typeface="DejaVu Sans"/>
+              </a:rPr>
+              <a:t>produto</a:t>
+            </a:r>
+            <a:endParaRPr sz="2400" dirty="0"/>
           </a:p>
           <a:p>
             <a:pPr lvl="1">
@@ -5224,16 +6923,46 @@
               <a:buChar char="–"/>
             </a:pPr>
             <a:r>
-              <a:rPr lang="en-US" sz="2800" strike="noStrike">
-                <a:solidFill>
-                  <a:srgbClr val="000000"/>
-                </a:solidFill>
-                <a:latin typeface="Calibri"/>
-                <a:ea typeface="DejaVu Sans"/>
-              </a:rPr>
-              <a:t>2.3 características do usuário</a:t>
-            </a:r>
-            <a:endParaRPr/>
+              <a:rPr lang="en-US" sz="2400" strike="noStrike" dirty="0">
+                <a:solidFill>
+                  <a:srgbClr val="000000"/>
+                </a:solidFill>
+                <a:latin typeface="Calibri"/>
+                <a:ea typeface="DejaVu Sans"/>
+              </a:rPr>
+              <a:t>2.3 </a:t>
+            </a:r>
+            <a:r>
+              <a:rPr lang="en-US" sz="2400" strike="noStrike" dirty="0" err="1">
+                <a:solidFill>
+                  <a:srgbClr val="000000"/>
+                </a:solidFill>
+                <a:latin typeface="Calibri"/>
+                <a:ea typeface="DejaVu Sans"/>
+              </a:rPr>
+              <a:t>características</a:t>
+            </a:r>
+            <a:r>
+              <a:rPr lang="en-US" sz="2400" strike="noStrike" dirty="0">
+                <a:solidFill>
+                  <a:srgbClr val="000000"/>
+                </a:solidFill>
+                <a:latin typeface="Calibri"/>
+                <a:ea typeface="DejaVu Sans"/>
+              </a:rPr>
+              <a:t> do </a:t>
+            </a:r>
+            <a:r>
+              <a:rPr lang="en-US" sz="2400" strike="noStrike" dirty="0" err="1">
+                <a:solidFill>
+                  <a:srgbClr val="000000"/>
+                </a:solidFill>
+                <a:latin typeface="Calibri"/>
+                <a:ea typeface="DejaVu Sans"/>
+              </a:rPr>
+              <a:t>usuário</a:t>
+            </a:r>
+            <a:endParaRPr sz="2400" dirty="0"/>
           </a:p>
           <a:p>
             <a:pPr lvl="1">
@@ -5244,16 +6973,46 @@
               <a:buChar char="–"/>
             </a:pPr>
             <a:r>
-              <a:rPr lang="en-US" sz="2800" strike="noStrike">
-                <a:solidFill>
-                  <a:srgbClr val="000000"/>
-                </a:solidFill>
-                <a:latin typeface="Calibri"/>
-                <a:ea typeface="DejaVu Sans"/>
-              </a:rPr>
-              <a:t>2.4 restrições gerais</a:t>
-            </a:r>
-            <a:endParaRPr/>
+              <a:rPr lang="en-US" sz="2400" strike="noStrike" dirty="0">
+                <a:solidFill>
+                  <a:srgbClr val="000000"/>
+                </a:solidFill>
+                <a:latin typeface="Calibri"/>
+                <a:ea typeface="DejaVu Sans"/>
+              </a:rPr>
+              <a:t>2.4 </a:t>
+            </a:r>
+            <a:r>
+              <a:rPr lang="en-US" sz="2400" strike="noStrike" dirty="0" err="1">
+                <a:solidFill>
+                  <a:srgbClr val="000000"/>
+                </a:solidFill>
+                <a:latin typeface="Calibri"/>
+                <a:ea typeface="DejaVu Sans"/>
+              </a:rPr>
+              <a:t>restrições</a:t>
+            </a:r>
+            <a:r>
+              <a:rPr lang="en-US" sz="2400" strike="noStrike" dirty="0">
+                <a:solidFill>
+                  <a:srgbClr val="000000"/>
+                </a:solidFill>
+                <a:latin typeface="Calibri"/>
+                <a:ea typeface="DejaVu Sans"/>
+              </a:rPr>
+              <a:t> </a:t>
+            </a:r>
+            <a:r>
+              <a:rPr lang="en-US" sz="2400" strike="noStrike" dirty="0" err="1">
+                <a:solidFill>
+                  <a:srgbClr val="000000"/>
+                </a:solidFill>
+                <a:latin typeface="Calibri"/>
+                <a:ea typeface="DejaVu Sans"/>
+              </a:rPr>
+              <a:t>gerais</a:t>
+            </a:r>
+            <a:endParaRPr sz="2400" dirty="0"/>
           </a:p>
           <a:p>
             <a:pPr lvl="1">
@@ -5264,16 +7023,46 @@
               <a:buChar char="–"/>
             </a:pPr>
             <a:r>
-              <a:rPr lang="en-US" sz="2800" strike="noStrike">
-                <a:solidFill>
-                  <a:srgbClr val="000000"/>
-                </a:solidFill>
-                <a:latin typeface="Calibri"/>
-                <a:ea typeface="DejaVu Sans"/>
-              </a:rPr>
-              <a:t>2.5 suposições e dependências</a:t>
-            </a:r>
-            <a:endParaRPr/>
+              <a:rPr lang="en-US" sz="2400" strike="noStrike" dirty="0">
+                <a:solidFill>
+                  <a:srgbClr val="000000"/>
+                </a:solidFill>
+                <a:latin typeface="Calibri"/>
+                <a:ea typeface="DejaVu Sans"/>
+              </a:rPr>
+              <a:t>2.5 </a:t>
+            </a:r>
+            <a:r>
+              <a:rPr lang="en-US" sz="2400" strike="noStrike" dirty="0" err="1">
+                <a:solidFill>
+                  <a:srgbClr val="000000"/>
+                </a:solidFill>
+                <a:latin typeface="Calibri"/>
+                <a:ea typeface="DejaVu Sans"/>
+              </a:rPr>
+              <a:t>suposições</a:t>
+            </a:r>
+            <a:r>
+              <a:rPr lang="en-US" sz="2400" strike="noStrike" dirty="0">
+                <a:solidFill>
+                  <a:srgbClr val="000000"/>
+                </a:solidFill>
+                <a:latin typeface="Calibri"/>
+                <a:ea typeface="DejaVu Sans"/>
+              </a:rPr>
+              <a:t> e </a:t>
+            </a:r>
+            <a:r>
+              <a:rPr lang="en-US" sz="2400" strike="noStrike" dirty="0" err="1">
+                <a:solidFill>
+                  <a:srgbClr val="000000"/>
+                </a:solidFill>
+                <a:latin typeface="Calibri"/>
+                <a:ea typeface="DejaVu Sans"/>
+              </a:rPr>
+              <a:t>dependências</a:t>
+            </a:r>
+            <a:endParaRPr sz="2400" dirty="0"/>
           </a:p>
           <a:p>
             <a:pPr>
@@ -5281,28 +7070,31 @@
                 <a:spcPct val="100000"/>
               </a:lnSpc>
             </a:pPr>
-            <a:endParaRPr/>
+            <a:endParaRPr sz="2400" dirty="0"/>
           </a:p>
         </p:txBody>
       </p:sp>
     </p:spTree>
   </p:cSld>
+  <p:clrMapOvr>
+    <a:masterClrMapping/>
+  </p:clrMapOvr>
   <p:timing>
     <p:tnLst>
       <p:par>
-        <p:cTn id="33" dur="indefinite" restart="never" nodeType="tmRoot">
+        <p:cTn id="1" dur="indefinite" restart="never" nodeType="tmRoot">
           <p:childTnLst>
             <p:seq>
-              <p:cTn id="34" nodeType="mainSeq"/>
+              <p:cTn id="2" nodeType="mainSeq"/>
               <p:prevCondLst>
-                <p:cond delay="0" evt="onPrev">
+                <p:cond evt="onPrev" delay="0">
                   <p:tgtEl>
                     <p:sldTgt/>
                   </p:tgtEl>
                 </p:cond>
               </p:prevCondLst>
               <p:nextCondLst>
-                <p:cond delay="0" evt="onNext">
+                <p:cond evt="onNext" delay="0">
                   <p:tgtEl>
                     <p:sldTgt/>
                   </p:tgtEl>
@@ -5318,7 +7110,7 @@
 </file>
 
 <file path=ppt/slides/slide18.xml><?xml version="1.0" encoding="utf-8"?>
-<p:sld xmlns:a="http://schemas.openxmlformats.org/drawingml/2006/main" xmlns:p="http://schemas.openxmlformats.org/presentationml/2006/main" xmlns:r="http://schemas.openxmlformats.org/officeDocument/2006/relationships">
+<p:sld xmlns:a="http://schemas.openxmlformats.org/drawingml/2006/main" xmlns:r="http://schemas.openxmlformats.org/officeDocument/2006/relationships" xmlns:p="http://schemas.openxmlformats.org/presentationml/2006/main">
   <p:cSld>
     <p:spTree>
       <p:nvGrpSpPr>
@@ -5354,13 +7146,20 @@
           </a:ln>
         </p:spPr>
         <p:style>
-          <a:lnRef idx="0"/>
-          <a:fillRef idx="0"/>
-          <a:effectRef idx="0"/>
+          <a:lnRef idx="0">
+            <a:scrgbClr r="0" g="0" b="0"/>
+          </a:lnRef>
+          <a:fillRef idx="0">
+            <a:scrgbClr r="0" g="0" b="0"/>
+          </a:fillRef>
+          <a:effectRef idx="0">
+            <a:scrgbClr r="0" g="0" b="0"/>
+          </a:effectRef>
           <a:fontRef idx="minor"/>
         </p:style>
         <p:txBody>
-          <a:bodyPr lIns="90000" rIns="90000" tIns="45000" bIns="45000" anchor="ctr"/>
+          <a:bodyPr lIns="90000" tIns="45000" rIns="90000" bIns="45000" anchor="ctr"/>
+          <a:lstStyle/>
           <a:p>
             <a:pPr algn="ctr">
               <a:lnSpc>
@@ -5401,13 +7200,20 @@
           </a:ln>
         </p:spPr>
         <p:style>
-          <a:lnRef idx="0"/>
-          <a:fillRef idx="0"/>
-          <a:effectRef idx="0"/>
+          <a:lnRef idx="0">
+            <a:scrgbClr r="0" g="0" b="0"/>
+          </a:lnRef>
+          <a:fillRef idx="0">
+            <a:scrgbClr r="0" g="0" b="0"/>
+          </a:fillRef>
+          <a:effectRef idx="0">
+            <a:scrgbClr r="0" g="0" b="0"/>
+          </a:effectRef>
           <a:fontRef idx="minor"/>
         </p:style>
         <p:txBody>
-          <a:bodyPr lIns="90000" rIns="90000" tIns="45000" bIns="45000"/>
+          <a:bodyPr lIns="90000" tIns="45000" rIns="90000" bIns="45000"/>
+          <a:lstStyle/>
           <a:p>
             <a:pPr>
               <a:lnSpc>
@@ -5580,22 +7386,25 @@
       </p:sp>
     </p:spTree>
   </p:cSld>
+  <p:clrMapOvr>
+    <a:masterClrMapping/>
+  </p:clrMapOvr>
   <p:timing>
     <p:tnLst>
       <p:par>
-        <p:cTn id="35" dur="indefinite" restart="never" nodeType="tmRoot">
+        <p:cTn id="1" dur="indefinite" restart="never" nodeType="tmRoot">
           <p:childTnLst>
             <p:seq>
-              <p:cTn id="36" nodeType="mainSeq"/>
+              <p:cTn id="2" nodeType="mainSeq"/>
               <p:prevCondLst>
-                <p:cond delay="0" evt="onPrev">
+                <p:cond evt="onPrev" delay="0">
                   <p:tgtEl>
                     <p:sldTgt/>
                   </p:tgtEl>
                 </p:cond>
               </p:prevCondLst>
               <p:nextCondLst>
-                <p:cond delay="0" evt="onNext">
+                <p:cond evt="onNext" delay="0">
                   <p:tgtEl>
                     <p:sldTgt/>
                   </p:tgtEl>
@@ -5611,7 +7420,7 @@
 </file>
 
 <file path=ppt/slides/slide19.xml><?xml version="1.0" encoding="utf-8"?>
-<p:sld xmlns:a="http://schemas.openxmlformats.org/drawingml/2006/main" xmlns:p="http://schemas.openxmlformats.org/presentationml/2006/main" xmlns:r="http://schemas.openxmlformats.org/officeDocument/2006/relationships">
+<p:sld xmlns:a="http://schemas.openxmlformats.org/drawingml/2006/main" xmlns:r="http://schemas.openxmlformats.org/officeDocument/2006/relationships" xmlns:p="http://schemas.openxmlformats.org/presentationml/2006/main">
   <p:cSld>
     <p:spTree>
       <p:nvGrpSpPr>
@@ -5647,13 +7456,20 @@
           </a:ln>
         </p:spPr>
         <p:style>
-          <a:lnRef idx="0"/>
-          <a:fillRef idx="0"/>
-          <a:effectRef idx="0"/>
+          <a:lnRef idx="0">
+            <a:scrgbClr r="0" g="0" b="0"/>
+          </a:lnRef>
+          <a:fillRef idx="0">
+            <a:scrgbClr r="0" g="0" b="0"/>
+          </a:fillRef>
+          <a:effectRef idx="0">
+            <a:scrgbClr r="0" g="0" b="0"/>
+          </a:effectRef>
           <a:fontRef idx="minor"/>
         </p:style>
         <p:txBody>
-          <a:bodyPr lIns="90000" rIns="90000" tIns="45000" bIns="45000" anchor="ctr"/>
+          <a:bodyPr lIns="90000" tIns="45000" rIns="90000" bIns="45000" anchor="ctr"/>
+          <a:lstStyle/>
           <a:p>
             <a:pPr algn="ctr">
               <a:lnSpc>
@@ -5694,13 +7510,20 @@
           </a:ln>
         </p:spPr>
         <p:style>
-          <a:lnRef idx="0"/>
-          <a:fillRef idx="0"/>
-          <a:effectRef idx="0"/>
+          <a:lnRef idx="0">
+            <a:scrgbClr r="0" g="0" b="0"/>
+          </a:lnRef>
+          <a:fillRef idx="0">
+            <a:scrgbClr r="0" g="0" b="0"/>
+          </a:fillRef>
+          <a:effectRef idx="0">
+            <a:scrgbClr r="0" g="0" b="0"/>
+          </a:effectRef>
           <a:fontRef idx="minor"/>
         </p:style>
         <p:txBody>
-          <a:bodyPr lIns="90000" rIns="90000" tIns="45000" bIns="45000"/>
+          <a:bodyPr lIns="90000" tIns="45000" rIns="90000" bIns="45000"/>
+          <a:lstStyle/>
           <a:p>
             <a:pPr>
               <a:lnSpc>
@@ -5873,22 +7696,25 @@
       </p:sp>
     </p:spTree>
   </p:cSld>
+  <p:clrMapOvr>
+    <a:masterClrMapping/>
+  </p:clrMapOvr>
   <p:timing>
     <p:tnLst>
       <p:par>
-        <p:cTn id="37" dur="indefinite" restart="never" nodeType="tmRoot">
+        <p:cTn id="1" dur="indefinite" restart="never" nodeType="tmRoot">
           <p:childTnLst>
             <p:seq>
-              <p:cTn id="38" nodeType="mainSeq"/>
+              <p:cTn id="2" nodeType="mainSeq"/>
               <p:prevCondLst>
-                <p:cond delay="0" evt="onPrev">
+                <p:cond evt="onPrev" delay="0">
                   <p:tgtEl>
                     <p:sldTgt/>
                   </p:tgtEl>
                 </p:cond>
               </p:prevCondLst>
               <p:nextCondLst>
-                <p:cond delay="0" evt="onNext">
+                <p:cond evt="onNext" delay="0">
                   <p:tgtEl>
                     <p:sldTgt/>
                   </p:tgtEl>
@@ -5904,7 +7730,7 @@
 </file>
 
 <file path=ppt/slides/slide2.xml><?xml version="1.0" encoding="utf-8"?>
-<p:sld xmlns:a="http://schemas.openxmlformats.org/drawingml/2006/main" xmlns:p="http://schemas.openxmlformats.org/presentationml/2006/main" xmlns:r="http://schemas.openxmlformats.org/officeDocument/2006/relationships">
+<p:sld xmlns:a="http://schemas.openxmlformats.org/drawingml/2006/main" xmlns:r="http://schemas.openxmlformats.org/officeDocument/2006/relationships" xmlns:p="http://schemas.openxmlformats.org/presentationml/2006/main">
   <p:cSld>
     <p:spTree>
       <p:nvGrpSpPr>
@@ -5940,13 +7766,20 @@
           </a:ln>
         </p:spPr>
         <p:style>
-          <a:lnRef idx="0"/>
-          <a:fillRef idx="0"/>
-          <a:effectRef idx="0"/>
+          <a:lnRef idx="0">
+            <a:scrgbClr r="0" g="0" b="0"/>
+          </a:lnRef>
+          <a:fillRef idx="0">
+            <a:scrgbClr r="0" g="0" b="0"/>
+          </a:fillRef>
+          <a:effectRef idx="0">
+            <a:scrgbClr r="0" g="0" b="0"/>
+          </a:effectRef>
           <a:fontRef idx="minor"/>
         </p:style>
         <p:txBody>
-          <a:bodyPr lIns="90000" rIns="90000" tIns="45000" bIns="45000" anchor="ctr"/>
+          <a:bodyPr lIns="90000" tIns="45000" rIns="90000" bIns="45000" anchor="ctr"/>
+          <a:lstStyle/>
           <a:p>
             <a:pPr algn="r">
               <a:lnSpc>
@@ -5969,12 +7802,12 @@
       </p:sp>
       <p:pic>
         <p:nvPicPr>
-          <p:cNvPr id="80" name="Picture 2" descr=""/>
+          <p:cNvPr id="80" name="Picture 2"/>
           <p:cNvPicPr/>
           <p:nvPr/>
         </p:nvPicPr>
         <p:blipFill>
-          <a:blip r:embed="rId1"/>
+          <a:blip r:embed="rId3"/>
           <a:stretch/>
         </p:blipFill>
         <p:spPr>
@@ -5992,12 +7825,12 @@
       </p:pic>
       <p:pic>
         <p:nvPicPr>
-          <p:cNvPr id="81" name="Picture 4" descr=""/>
+          <p:cNvPr id="81" name="Picture 4"/>
           <p:cNvPicPr/>
           <p:nvPr/>
         </p:nvPicPr>
         <p:blipFill>
-          <a:blip r:embed="rId2"/>
+          <a:blip r:embed="rId4"/>
           <a:stretch/>
         </p:blipFill>
         <p:spPr>
@@ -6015,22 +7848,25 @@
       </p:pic>
     </p:spTree>
   </p:cSld>
+  <p:clrMapOvr>
+    <a:masterClrMapping/>
+  </p:clrMapOvr>
   <p:timing>
     <p:tnLst>
       <p:par>
-        <p:cTn id="3" dur="indefinite" restart="never" nodeType="tmRoot">
+        <p:cTn id="1" dur="indefinite" restart="never" nodeType="tmRoot">
           <p:childTnLst>
             <p:seq>
-              <p:cTn id="4" nodeType="mainSeq"/>
+              <p:cTn id="2" nodeType="mainSeq"/>
               <p:prevCondLst>
-                <p:cond delay="0" evt="onPrev">
+                <p:cond evt="onPrev" delay="0">
                   <p:tgtEl>
                     <p:sldTgt/>
                   </p:tgtEl>
                 </p:cond>
               </p:prevCondLst>
               <p:nextCondLst>
-                <p:cond delay="0" evt="onNext">
+                <p:cond evt="onNext" delay="0">
                   <p:tgtEl>
                     <p:sldTgt/>
                   </p:tgtEl>
@@ -6046,7 +7882,7 @@
 </file>
 
 <file path=ppt/slides/slide20.xml><?xml version="1.0" encoding="utf-8"?>
-<p:sld xmlns:a="http://schemas.openxmlformats.org/drawingml/2006/main" xmlns:p="http://schemas.openxmlformats.org/presentationml/2006/main" xmlns:r="http://schemas.openxmlformats.org/officeDocument/2006/relationships">
+<p:sld xmlns:a="http://schemas.openxmlformats.org/drawingml/2006/main" xmlns:r="http://schemas.openxmlformats.org/officeDocument/2006/relationships" xmlns:p="http://schemas.openxmlformats.org/presentationml/2006/main">
   <p:cSld>
     <p:spTree>
       <p:nvGrpSpPr>
@@ -6082,13 +7918,20 @@
           </a:ln>
         </p:spPr>
         <p:style>
-          <a:lnRef idx="0"/>
-          <a:fillRef idx="0"/>
-          <a:effectRef idx="0"/>
+          <a:lnRef idx="0">
+            <a:scrgbClr r="0" g="0" b="0"/>
+          </a:lnRef>
+          <a:fillRef idx="0">
+            <a:scrgbClr r="0" g="0" b="0"/>
+          </a:fillRef>
+          <a:effectRef idx="0">
+            <a:scrgbClr r="0" g="0" b="0"/>
+          </a:effectRef>
           <a:fontRef idx="minor"/>
         </p:style>
         <p:txBody>
-          <a:bodyPr lIns="90000" rIns="90000" tIns="45000" bIns="45000" anchor="ctr"/>
+          <a:bodyPr lIns="90000" tIns="45000" rIns="90000" bIns="45000" anchor="ctr"/>
+          <a:lstStyle/>
           <a:p>
             <a:pPr algn="ctr">
               <a:lnSpc>
@@ -6129,13 +7972,20 @@
           </a:ln>
         </p:spPr>
         <p:style>
-          <a:lnRef idx="0"/>
-          <a:fillRef idx="0"/>
-          <a:effectRef idx="0"/>
+          <a:lnRef idx="0">
+            <a:scrgbClr r="0" g="0" b="0"/>
+          </a:lnRef>
+          <a:fillRef idx="0">
+            <a:scrgbClr r="0" g="0" b="0"/>
+          </a:fillRef>
+          <a:effectRef idx="0">
+            <a:scrgbClr r="0" g="0" b="0"/>
+          </a:effectRef>
           <a:fontRef idx="minor"/>
         </p:style>
         <p:txBody>
-          <a:bodyPr lIns="90000" rIns="90000" tIns="45000" bIns="45000"/>
+          <a:bodyPr lIns="90000" tIns="45000" rIns="90000" bIns="45000"/>
+          <a:lstStyle/>
           <a:p>
             <a:pPr>
               <a:lnSpc>
@@ -6228,22 +8078,25 @@
       </p:sp>
     </p:spTree>
   </p:cSld>
+  <p:clrMapOvr>
+    <a:masterClrMapping/>
+  </p:clrMapOvr>
   <p:timing>
     <p:tnLst>
       <p:par>
-        <p:cTn id="39" dur="indefinite" restart="never" nodeType="tmRoot">
+        <p:cTn id="1" dur="indefinite" restart="never" nodeType="tmRoot">
           <p:childTnLst>
             <p:seq>
-              <p:cTn id="40" nodeType="mainSeq"/>
+              <p:cTn id="2" nodeType="mainSeq"/>
               <p:prevCondLst>
-                <p:cond delay="0" evt="onPrev">
+                <p:cond evt="onPrev" delay="0">
                   <p:tgtEl>
                     <p:sldTgt/>
                   </p:tgtEl>
                 </p:cond>
               </p:prevCondLst>
               <p:nextCondLst>
-                <p:cond delay="0" evt="onNext">
+                <p:cond evt="onNext" delay="0">
                   <p:tgtEl>
                     <p:sldTgt/>
                   </p:tgtEl>
@@ -6259,7 +8112,7 @@
 </file>
 
 <file path=ppt/slides/slide21.xml><?xml version="1.0" encoding="utf-8"?>
-<p:sld xmlns:a="http://schemas.openxmlformats.org/drawingml/2006/main" xmlns:p="http://schemas.openxmlformats.org/presentationml/2006/main" xmlns:r="http://schemas.openxmlformats.org/officeDocument/2006/relationships">
+<p:sld xmlns:a="http://schemas.openxmlformats.org/drawingml/2006/main" xmlns:r="http://schemas.openxmlformats.org/officeDocument/2006/relationships" xmlns:p="http://schemas.openxmlformats.org/presentationml/2006/main">
   <p:cSld>
     <p:spTree>
       <p:nvGrpSpPr>
@@ -6295,13 +8148,20 @@
           </a:ln>
         </p:spPr>
         <p:style>
-          <a:lnRef idx="0"/>
-          <a:fillRef idx="0"/>
-          <a:effectRef idx="0"/>
+          <a:lnRef idx="0">
+            <a:scrgbClr r="0" g="0" b="0"/>
+          </a:lnRef>
+          <a:fillRef idx="0">
+            <a:scrgbClr r="0" g="0" b="0"/>
+          </a:fillRef>
+          <a:effectRef idx="0">
+            <a:scrgbClr r="0" g="0" b="0"/>
+          </a:effectRef>
           <a:fontRef idx="minor"/>
         </p:style>
         <p:txBody>
-          <a:bodyPr lIns="90000" rIns="90000" tIns="45000" bIns="45000" anchor="ctr"/>
+          <a:bodyPr lIns="90000" tIns="45000" rIns="90000" bIns="45000" anchor="ctr"/>
+          <a:lstStyle/>
           <a:p>
             <a:pPr algn="ctr">
               <a:lnSpc>
@@ -6342,13 +8202,20 @@
           </a:ln>
         </p:spPr>
         <p:style>
-          <a:lnRef idx="0"/>
-          <a:fillRef idx="0"/>
-          <a:effectRef idx="0"/>
+          <a:lnRef idx="0">
+            <a:scrgbClr r="0" g="0" b="0"/>
+          </a:lnRef>
+          <a:fillRef idx="0">
+            <a:scrgbClr r="0" g="0" b="0"/>
+          </a:fillRef>
+          <a:effectRef idx="0">
+            <a:scrgbClr r="0" g="0" b="0"/>
+          </a:effectRef>
           <a:fontRef idx="minor"/>
         </p:style>
         <p:txBody>
-          <a:bodyPr lIns="90000" rIns="90000" tIns="45000" bIns="45000"/>
+          <a:bodyPr lIns="90000" tIns="45000" rIns="90000" bIns="45000"/>
+          <a:lstStyle/>
           <a:p>
             <a:pPr>
               <a:lnSpc>
@@ -6481,22 +8348,25 @@
       </p:sp>
     </p:spTree>
   </p:cSld>
+  <p:clrMapOvr>
+    <a:masterClrMapping/>
+  </p:clrMapOvr>
   <p:timing>
     <p:tnLst>
       <p:par>
-        <p:cTn id="41" dur="indefinite" restart="never" nodeType="tmRoot">
+        <p:cTn id="1" dur="indefinite" restart="never" nodeType="tmRoot">
           <p:childTnLst>
             <p:seq>
-              <p:cTn id="42" nodeType="mainSeq"/>
+              <p:cTn id="2" nodeType="mainSeq"/>
               <p:prevCondLst>
-                <p:cond delay="0" evt="onPrev">
+                <p:cond evt="onPrev" delay="0">
                   <p:tgtEl>
                     <p:sldTgt/>
                   </p:tgtEl>
                 </p:cond>
               </p:prevCondLst>
               <p:nextCondLst>
-                <p:cond delay="0" evt="onNext">
+                <p:cond evt="onNext" delay="0">
                   <p:tgtEl>
                     <p:sldTgt/>
                   </p:tgtEl>
@@ -6512,7 +8382,7 @@
 </file>
 
 <file path=ppt/slides/slide22.xml><?xml version="1.0" encoding="utf-8"?>
-<p:sld xmlns:a="http://schemas.openxmlformats.org/drawingml/2006/main" xmlns:p="http://schemas.openxmlformats.org/presentationml/2006/main" xmlns:r="http://schemas.openxmlformats.org/officeDocument/2006/relationships">
+<p:sld xmlns:a="http://schemas.openxmlformats.org/drawingml/2006/main" xmlns:r="http://schemas.openxmlformats.org/officeDocument/2006/relationships" xmlns:p="http://schemas.openxmlformats.org/presentationml/2006/main">
   <p:cSld>
     <p:spTree>
       <p:nvGrpSpPr>
@@ -6548,13 +8418,20 @@
           </a:ln>
         </p:spPr>
         <p:style>
-          <a:lnRef idx="0"/>
-          <a:fillRef idx="0"/>
-          <a:effectRef idx="0"/>
+          <a:lnRef idx="0">
+            <a:scrgbClr r="0" g="0" b="0"/>
+          </a:lnRef>
+          <a:fillRef idx="0">
+            <a:scrgbClr r="0" g="0" b="0"/>
+          </a:fillRef>
+          <a:effectRef idx="0">
+            <a:scrgbClr r="0" g="0" b="0"/>
+          </a:effectRef>
           <a:fontRef idx="minor"/>
         </p:style>
         <p:txBody>
-          <a:bodyPr lIns="90000" rIns="90000" tIns="45000" bIns="45000" anchor="ctr"/>
+          <a:bodyPr lIns="90000" tIns="45000" rIns="90000" bIns="45000" anchor="ctr"/>
+          <a:lstStyle/>
           <a:p>
             <a:pPr algn="ctr">
               <a:lnSpc>
@@ -6595,13 +8472,20 @@
           </a:ln>
         </p:spPr>
         <p:style>
-          <a:lnRef idx="0"/>
-          <a:fillRef idx="0"/>
-          <a:effectRef idx="0"/>
+          <a:lnRef idx="0">
+            <a:scrgbClr r="0" g="0" b="0"/>
+          </a:lnRef>
+          <a:fillRef idx="0">
+            <a:scrgbClr r="0" g="0" b="0"/>
+          </a:fillRef>
+          <a:effectRef idx="0">
+            <a:scrgbClr r="0" g="0" b="0"/>
+          </a:effectRef>
           <a:fontRef idx="minor"/>
         </p:style>
         <p:txBody>
-          <a:bodyPr lIns="90000" rIns="90000" tIns="45000" bIns="45000"/>
+          <a:bodyPr lIns="90000" tIns="45000" rIns="90000" bIns="45000"/>
+          <a:lstStyle/>
           <a:p>
             <a:pPr>
               <a:lnSpc>
@@ -6754,22 +8638,25 @@
       </p:sp>
     </p:spTree>
   </p:cSld>
+  <p:clrMapOvr>
+    <a:masterClrMapping/>
+  </p:clrMapOvr>
   <p:timing>
     <p:tnLst>
       <p:par>
-        <p:cTn id="43" dur="indefinite" restart="never" nodeType="tmRoot">
+        <p:cTn id="1" dur="indefinite" restart="never" nodeType="tmRoot">
           <p:childTnLst>
             <p:seq>
-              <p:cTn id="44" nodeType="mainSeq"/>
+              <p:cTn id="2" nodeType="mainSeq"/>
               <p:prevCondLst>
-                <p:cond delay="0" evt="onPrev">
+                <p:cond evt="onPrev" delay="0">
                   <p:tgtEl>
                     <p:sldTgt/>
                   </p:tgtEl>
                 </p:cond>
               </p:prevCondLst>
               <p:nextCondLst>
-                <p:cond delay="0" evt="onNext">
+                <p:cond evt="onNext" delay="0">
                   <p:tgtEl>
                     <p:sldTgt/>
                   </p:tgtEl>
@@ -6785,7 +8672,7 @@
 </file>
 
 <file path=ppt/slides/slide23.xml><?xml version="1.0" encoding="utf-8"?>
-<p:sld xmlns:a="http://schemas.openxmlformats.org/drawingml/2006/main" xmlns:p="http://schemas.openxmlformats.org/presentationml/2006/main" xmlns:r="http://schemas.openxmlformats.org/officeDocument/2006/relationships">
+<p:sld xmlns:a="http://schemas.openxmlformats.org/drawingml/2006/main" xmlns:r="http://schemas.openxmlformats.org/officeDocument/2006/relationships" xmlns:p="http://schemas.openxmlformats.org/presentationml/2006/main">
   <p:cSld>
     <p:spTree>
       <p:nvGrpSpPr>
@@ -6821,13 +8708,20 @@
           </a:ln>
         </p:spPr>
         <p:style>
-          <a:lnRef idx="0"/>
-          <a:fillRef idx="0"/>
-          <a:effectRef idx="0"/>
+          <a:lnRef idx="0">
+            <a:scrgbClr r="0" g="0" b="0"/>
+          </a:lnRef>
+          <a:fillRef idx="0">
+            <a:scrgbClr r="0" g="0" b="0"/>
+          </a:fillRef>
+          <a:effectRef idx="0">
+            <a:scrgbClr r="0" g="0" b="0"/>
+          </a:effectRef>
           <a:fontRef idx="minor"/>
         </p:style>
         <p:txBody>
-          <a:bodyPr lIns="90000" rIns="90000" tIns="45000" bIns="45000" anchor="ctr"/>
+          <a:bodyPr lIns="90000" tIns="45000" rIns="90000" bIns="45000" anchor="ctr"/>
+          <a:lstStyle/>
           <a:p>
             <a:pPr algn="ctr">
               <a:lnSpc>
@@ -6868,13 +8762,20 @@
           </a:ln>
         </p:spPr>
         <p:style>
-          <a:lnRef idx="0"/>
-          <a:fillRef idx="0"/>
-          <a:effectRef idx="0"/>
+          <a:lnRef idx="0">
+            <a:scrgbClr r="0" g="0" b="0"/>
+          </a:lnRef>
+          <a:fillRef idx="0">
+            <a:scrgbClr r="0" g="0" b="0"/>
+          </a:fillRef>
+          <a:effectRef idx="0">
+            <a:scrgbClr r="0" g="0" b="0"/>
+          </a:effectRef>
           <a:fontRef idx="minor"/>
         </p:style>
         <p:txBody>
-          <a:bodyPr lIns="90000" rIns="90000" tIns="45000" bIns="45000"/>
+          <a:bodyPr lIns="90000" tIns="45000" rIns="90000" bIns="45000"/>
+          <a:lstStyle/>
           <a:p>
             <a:pPr>
               <a:lnSpc>
@@ -6891,8 +8792,18 @@
                 <a:latin typeface="Calibri"/>
                 <a:ea typeface="DejaVu Sans"/>
               </a:rPr>
-              <a:t>“</a:t>
-            </a:r>
+              <a:t>“O cliente nunca sabe o que quer”</a:t>
+            </a:r>
+            <a:endParaRPr/>
+          </a:p>
+          <a:p>
+            <a:pPr>
+              <a:lnSpc>
+                <a:spcPct val="100000"/>
+              </a:lnSpc>
+              <a:buFont typeface="Arial"/>
+              <a:buChar char="•"/>
+            </a:pPr>
             <a:r>
               <a:rPr lang="en-US" sz="3200" strike="noStrike">
                 <a:solidFill>
@@ -6901,7 +8812,7 @@
                 <a:latin typeface="Calibri"/>
                 <a:ea typeface="DejaVu Sans"/>
               </a:rPr>
-              <a:t>O cliente nunca sabe o que quer”</a:t>
+              <a:t>“Não pedi porque é óbvio”</a:t>
             </a:r>
             <a:endParaRPr/>
           </a:p>
@@ -6921,8 +8832,18 @@
                 <a:latin typeface="Calibri"/>
                 <a:ea typeface="DejaVu Sans"/>
               </a:rPr>
-              <a:t>“</a:t>
-            </a:r>
+              <a:t>“Basta incluir dois campos a mais no formulário”</a:t>
+            </a:r>
+            <a:endParaRPr/>
+          </a:p>
+          <a:p>
+            <a:pPr>
+              <a:lnSpc>
+                <a:spcPct val="100000"/>
+              </a:lnSpc>
+              <a:buFont typeface="Arial"/>
+              <a:buChar char="•"/>
+            </a:pPr>
             <a:r>
               <a:rPr lang="en-US" sz="3200" strike="noStrike">
                 <a:solidFill>
@@ -6931,67 +8852,7 @@
                 <a:latin typeface="Calibri"/>
                 <a:ea typeface="DejaVu Sans"/>
               </a:rPr>
-              <a:t>Não pedi porque é óbvio”</a:t>
-            </a:r>
-            <a:endParaRPr/>
-          </a:p>
-          <a:p>
-            <a:pPr>
-              <a:lnSpc>
-                <a:spcPct val="100000"/>
-              </a:lnSpc>
-              <a:buFont typeface="Arial"/>
-              <a:buChar char="•"/>
-            </a:pPr>
-            <a:r>
-              <a:rPr lang="en-US" sz="3200" strike="noStrike">
-                <a:solidFill>
-                  <a:srgbClr val="000000"/>
-                </a:solidFill>
-                <a:latin typeface="Calibri"/>
-                <a:ea typeface="DejaVu Sans"/>
-              </a:rPr>
-              <a:t>“</a:t>
-            </a:r>
-            <a:r>
-              <a:rPr lang="en-US" sz="3200" strike="noStrike">
-                <a:solidFill>
-                  <a:srgbClr val="000000"/>
-                </a:solidFill>
-                <a:latin typeface="Calibri"/>
-                <a:ea typeface="DejaVu Sans"/>
-              </a:rPr>
-              <a:t>Basta incluir dois campos a mais no formulário”</a:t>
-            </a:r>
-            <a:endParaRPr/>
-          </a:p>
-          <a:p>
-            <a:pPr>
-              <a:lnSpc>
-                <a:spcPct val="100000"/>
-              </a:lnSpc>
-              <a:buFont typeface="Arial"/>
-              <a:buChar char="•"/>
-            </a:pPr>
-            <a:r>
-              <a:rPr lang="en-US" sz="3200" strike="noStrike">
-                <a:solidFill>
-                  <a:srgbClr val="000000"/>
-                </a:solidFill>
-                <a:latin typeface="Calibri"/>
-                <a:ea typeface="DejaVu Sans"/>
-              </a:rPr>
-              <a:t>“</a:t>
-            </a:r>
-            <a:r>
-              <a:rPr lang="en-US" sz="3200" strike="noStrike">
-                <a:solidFill>
-                  <a:srgbClr val="000000"/>
-                </a:solidFill>
-                <a:latin typeface="Calibri"/>
-                <a:ea typeface="DejaVu Sans"/>
-              </a:rPr>
-              <a:t>Funcionava mais rápido na fase de testes”</a:t>
+              <a:t>“Funcionava mais rápido na fase de testes”</a:t>
             </a:r>
             <a:endParaRPr/>
           </a:p>
@@ -7007,22 +8868,25 @@
       </p:sp>
     </p:spTree>
   </p:cSld>
+  <p:clrMapOvr>
+    <a:masterClrMapping/>
+  </p:clrMapOvr>
   <p:timing>
     <p:tnLst>
       <p:par>
-        <p:cTn id="45" dur="indefinite" restart="never" nodeType="tmRoot">
+        <p:cTn id="1" dur="indefinite" restart="never" nodeType="tmRoot">
           <p:childTnLst>
             <p:seq>
-              <p:cTn id="46" nodeType="mainSeq"/>
+              <p:cTn id="2" nodeType="mainSeq"/>
               <p:prevCondLst>
-                <p:cond delay="0" evt="onPrev">
+                <p:cond evt="onPrev" delay="0">
                   <p:tgtEl>
                     <p:sldTgt/>
                   </p:tgtEl>
                 </p:cond>
               </p:prevCondLst>
               <p:nextCondLst>
-                <p:cond delay="0" evt="onNext">
+                <p:cond evt="onNext" delay="0">
                   <p:tgtEl>
                     <p:sldTgt/>
                   </p:tgtEl>
@@ -7038,7 +8902,7 @@
 </file>
 
 <file path=ppt/slides/slide24.xml><?xml version="1.0" encoding="utf-8"?>
-<p:sld xmlns:a="http://schemas.openxmlformats.org/drawingml/2006/main" xmlns:p="http://schemas.openxmlformats.org/presentationml/2006/main" xmlns:r="http://schemas.openxmlformats.org/officeDocument/2006/relationships">
+<p:sld xmlns:a="http://schemas.openxmlformats.org/drawingml/2006/main" xmlns:r="http://schemas.openxmlformats.org/officeDocument/2006/relationships" xmlns:p="http://schemas.openxmlformats.org/presentationml/2006/main">
   <p:cSld>
     <p:spTree>
       <p:nvGrpSpPr>
@@ -7074,13 +8938,20 @@
           </a:ln>
         </p:spPr>
         <p:style>
-          <a:lnRef idx="0"/>
-          <a:fillRef idx="0"/>
-          <a:effectRef idx="0"/>
+          <a:lnRef idx="0">
+            <a:scrgbClr r="0" g="0" b="0"/>
+          </a:lnRef>
+          <a:fillRef idx="0">
+            <a:scrgbClr r="0" g="0" b="0"/>
+          </a:fillRef>
+          <a:effectRef idx="0">
+            <a:scrgbClr r="0" g="0" b="0"/>
+          </a:effectRef>
           <a:fontRef idx="minor"/>
         </p:style>
         <p:txBody>
-          <a:bodyPr lIns="90000" rIns="90000" tIns="45000" bIns="45000" anchor="ctr"/>
+          <a:bodyPr lIns="90000" tIns="45000" rIns="90000" bIns="45000" anchor="ctr"/>
+          <a:lstStyle/>
           <a:p>
             <a:pPr algn="ctr">
               <a:lnSpc>
@@ -7121,13 +8992,20 @@
           </a:ln>
         </p:spPr>
         <p:style>
-          <a:lnRef idx="0"/>
-          <a:fillRef idx="0"/>
-          <a:effectRef idx="0"/>
+          <a:lnRef idx="0">
+            <a:scrgbClr r="0" g="0" b="0"/>
+          </a:lnRef>
+          <a:fillRef idx="0">
+            <a:scrgbClr r="0" g="0" b="0"/>
+          </a:fillRef>
+          <a:effectRef idx="0">
+            <a:scrgbClr r="0" g="0" b="0"/>
+          </a:effectRef>
           <a:fontRef idx="minor"/>
         </p:style>
         <p:txBody>
-          <a:bodyPr lIns="90000" rIns="90000" tIns="45000" bIns="45000"/>
+          <a:bodyPr lIns="90000" tIns="45000" rIns="90000" bIns="45000"/>
+          <a:lstStyle/>
           <a:p>
             <a:pPr>
               <a:lnSpc>
@@ -7220,22 +9098,25 @@
       </p:sp>
     </p:spTree>
   </p:cSld>
+  <p:clrMapOvr>
+    <a:masterClrMapping/>
+  </p:clrMapOvr>
   <p:timing>
     <p:tnLst>
       <p:par>
-        <p:cTn id="47" dur="indefinite" restart="never" nodeType="tmRoot">
+        <p:cTn id="1" dur="indefinite" restart="never" nodeType="tmRoot">
           <p:childTnLst>
             <p:seq>
-              <p:cTn id="48" nodeType="mainSeq"/>
+              <p:cTn id="2" nodeType="mainSeq"/>
               <p:prevCondLst>
-                <p:cond delay="0" evt="onPrev">
+                <p:cond evt="onPrev" delay="0">
                   <p:tgtEl>
                     <p:sldTgt/>
                   </p:tgtEl>
                 </p:cond>
               </p:prevCondLst>
               <p:nextCondLst>
-                <p:cond delay="0" evt="onNext">
+                <p:cond evt="onNext" delay="0">
                   <p:tgtEl>
                     <p:sldTgt/>
                   </p:tgtEl>
@@ -7251,7 +9132,7 @@
 </file>
 
 <file path=ppt/slides/slide25.xml><?xml version="1.0" encoding="utf-8"?>
-<p:sld xmlns:a="http://schemas.openxmlformats.org/drawingml/2006/main" xmlns:p="http://schemas.openxmlformats.org/presentationml/2006/main" xmlns:r="http://schemas.openxmlformats.org/officeDocument/2006/relationships">
+<p:sld xmlns:a="http://schemas.openxmlformats.org/drawingml/2006/main" xmlns:r="http://schemas.openxmlformats.org/officeDocument/2006/relationships" xmlns:p="http://schemas.openxmlformats.org/presentationml/2006/main">
   <p:cSld>
     <p:spTree>
       <p:nvGrpSpPr>
@@ -7287,13 +9168,20 @@
           </a:ln>
         </p:spPr>
         <p:style>
-          <a:lnRef idx="0"/>
-          <a:fillRef idx="0"/>
-          <a:effectRef idx="0"/>
+          <a:lnRef idx="0">
+            <a:scrgbClr r="0" g="0" b="0"/>
+          </a:lnRef>
+          <a:fillRef idx="0">
+            <a:scrgbClr r="0" g="0" b="0"/>
+          </a:fillRef>
+          <a:effectRef idx="0">
+            <a:scrgbClr r="0" g="0" b="0"/>
+          </a:effectRef>
           <a:fontRef idx="minor"/>
         </p:style>
         <p:txBody>
-          <a:bodyPr lIns="90000" rIns="90000" tIns="45000" bIns="45000" anchor="ctr"/>
+          <a:bodyPr lIns="90000" tIns="45000" rIns="90000" bIns="45000" anchor="ctr"/>
+          <a:lstStyle/>
           <a:p>
             <a:pPr algn="ctr">
               <a:lnSpc>
@@ -7334,13 +9222,20 @@
           </a:ln>
         </p:spPr>
         <p:style>
-          <a:lnRef idx="0"/>
-          <a:fillRef idx="0"/>
-          <a:effectRef idx="0"/>
+          <a:lnRef idx="0">
+            <a:scrgbClr r="0" g="0" b="0"/>
+          </a:lnRef>
+          <a:fillRef idx="0">
+            <a:scrgbClr r="0" g="0" b="0"/>
+          </a:fillRef>
+          <a:effectRef idx="0">
+            <a:scrgbClr r="0" g="0" b="0"/>
+          </a:effectRef>
           <a:fontRef idx="minor"/>
         </p:style>
         <p:txBody>
-          <a:bodyPr lIns="90000" rIns="90000" tIns="45000" bIns="45000"/>
+          <a:bodyPr lIns="90000" tIns="45000" rIns="90000" bIns="45000"/>
+          <a:lstStyle/>
           <a:p>
             <a:pPr>
               <a:lnSpc>
@@ -7433,22 +9328,25 @@
       </p:sp>
     </p:spTree>
   </p:cSld>
+  <p:clrMapOvr>
+    <a:masterClrMapping/>
+  </p:clrMapOvr>
   <p:timing>
     <p:tnLst>
       <p:par>
-        <p:cTn id="49" dur="indefinite" restart="never" nodeType="tmRoot">
+        <p:cTn id="1" dur="indefinite" restart="never" nodeType="tmRoot">
           <p:childTnLst>
             <p:seq>
-              <p:cTn id="50" nodeType="mainSeq"/>
+              <p:cTn id="2" nodeType="mainSeq"/>
               <p:prevCondLst>
-                <p:cond delay="0" evt="onPrev">
+                <p:cond evt="onPrev" delay="0">
                   <p:tgtEl>
                     <p:sldTgt/>
                   </p:tgtEl>
                 </p:cond>
               </p:prevCondLst>
               <p:nextCondLst>
-                <p:cond delay="0" evt="onNext">
+                <p:cond evt="onNext" delay="0">
                   <p:tgtEl>
                     <p:sldTgt/>
                   </p:tgtEl>
@@ -7464,7 +9362,7 @@
 </file>
 
 <file path=ppt/slides/slide26.xml><?xml version="1.0" encoding="utf-8"?>
-<p:sld xmlns:a="http://schemas.openxmlformats.org/drawingml/2006/main" xmlns:p="http://schemas.openxmlformats.org/presentationml/2006/main" xmlns:r="http://schemas.openxmlformats.org/officeDocument/2006/relationships">
+<p:sld xmlns:a="http://schemas.openxmlformats.org/drawingml/2006/main" xmlns:r="http://schemas.openxmlformats.org/officeDocument/2006/relationships" xmlns:p="http://schemas.openxmlformats.org/presentationml/2006/main">
   <p:cSld>
     <p:spTree>
       <p:nvGrpSpPr>
@@ -7500,13 +9398,20 @@
           </a:ln>
         </p:spPr>
         <p:style>
-          <a:lnRef idx="0"/>
-          <a:fillRef idx="0"/>
-          <a:effectRef idx="0"/>
+          <a:lnRef idx="0">
+            <a:scrgbClr r="0" g="0" b="0"/>
+          </a:lnRef>
+          <a:fillRef idx="0">
+            <a:scrgbClr r="0" g="0" b="0"/>
+          </a:fillRef>
+          <a:effectRef idx="0">
+            <a:scrgbClr r="0" g="0" b="0"/>
+          </a:effectRef>
           <a:fontRef idx="minor"/>
         </p:style>
         <p:txBody>
-          <a:bodyPr lIns="90000" rIns="90000" tIns="45000" bIns="45000" anchor="ctr"/>
+          <a:bodyPr lIns="90000" tIns="45000" rIns="90000" bIns="45000" anchor="ctr"/>
+          <a:lstStyle/>
           <a:p>
             <a:pPr algn="ctr">
               <a:lnSpc>
@@ -7547,13 +9452,20 @@
           </a:ln>
         </p:spPr>
         <p:style>
-          <a:lnRef idx="0"/>
-          <a:fillRef idx="0"/>
-          <a:effectRef idx="0"/>
+          <a:lnRef idx="0">
+            <a:scrgbClr r="0" g="0" b="0"/>
+          </a:lnRef>
+          <a:fillRef idx="0">
+            <a:scrgbClr r="0" g="0" b="0"/>
+          </a:fillRef>
+          <a:effectRef idx="0">
+            <a:scrgbClr r="0" g="0" b="0"/>
+          </a:effectRef>
           <a:fontRef idx="minor"/>
         </p:style>
         <p:txBody>
-          <a:bodyPr lIns="90000" rIns="90000" tIns="45000" bIns="45000"/>
+          <a:bodyPr lIns="90000" tIns="45000" rIns="90000" bIns="45000"/>
+          <a:lstStyle/>
           <a:p>
             <a:pPr>
               <a:lnSpc>
@@ -7590,8 +9502,18 @@
                 <a:latin typeface="Calibri"/>
                 <a:ea typeface="DejaVu Sans"/>
               </a:rPr>
-              <a:t>“</a:t>
-            </a:r>
+              <a:t>“Como será o relatório de vendas?”</a:t>
+            </a:r>
+            <a:endParaRPr/>
+          </a:p>
+          <a:p>
+            <a:pPr lvl="1">
+              <a:lnSpc>
+                <a:spcPct val="100000"/>
+              </a:lnSpc>
+              <a:buFont typeface="Arial"/>
+              <a:buChar char="–"/>
+            </a:pPr>
             <a:r>
               <a:rPr lang="en-US" sz="2800" strike="noStrike">
                 <a:solidFill>
@@ -7600,7 +9522,7 @@
                 <a:latin typeface="Calibri"/>
                 <a:ea typeface="DejaVu Sans"/>
               </a:rPr>
-              <a:t>Como será o relatório de vendas?”</a:t>
+              <a:t>“Quais informações são necessárias para cadastrar um cliente?”</a:t>
             </a:r>
             <a:endParaRPr/>
           </a:p>
@@ -7620,47 +9542,7 @@
                 <a:latin typeface="Calibri"/>
                 <a:ea typeface="DejaVu Sans"/>
               </a:rPr>
-              <a:t>“</a:t>
-            </a:r>
-            <a:r>
-              <a:rPr lang="en-US" sz="2800" strike="noStrike">
-                <a:solidFill>
-                  <a:srgbClr val="000000"/>
-                </a:solidFill>
-                <a:latin typeface="Calibri"/>
-                <a:ea typeface="DejaVu Sans"/>
-              </a:rPr>
-              <a:t>Quais informações são necessárias para cadastrar um cliente?”</a:t>
-            </a:r>
-            <a:endParaRPr/>
-          </a:p>
-          <a:p>
-            <a:pPr lvl="1">
-              <a:lnSpc>
-                <a:spcPct val="100000"/>
-              </a:lnSpc>
-              <a:buFont typeface="Arial"/>
-              <a:buChar char="–"/>
-            </a:pPr>
-            <a:r>
-              <a:rPr lang="en-US" sz="2800" strike="noStrike">
-                <a:solidFill>
-                  <a:srgbClr val="000000"/>
-                </a:solidFill>
-                <a:latin typeface="Calibri"/>
-                <a:ea typeface="DejaVu Sans"/>
-              </a:rPr>
-              <a:t>“</a:t>
-            </a:r>
-            <a:r>
-              <a:rPr lang="en-US" sz="2800" strike="noStrike">
-                <a:solidFill>
-                  <a:srgbClr val="000000"/>
-                </a:solidFill>
-                <a:latin typeface="Calibri"/>
-                <a:ea typeface="DejaVu Sans"/>
-              </a:rPr>
-              <a:t>Como será gerenciado o pedido de férias de funcionários?”</a:t>
+              <a:t>“Como será gerenciado o pedido de férias de funcionários?”</a:t>
             </a:r>
             <a:endParaRPr/>
           </a:p>
@@ -7676,22 +9558,25 @@
       </p:sp>
     </p:spTree>
   </p:cSld>
+  <p:clrMapOvr>
+    <a:masterClrMapping/>
+  </p:clrMapOvr>
   <p:timing>
     <p:tnLst>
       <p:par>
-        <p:cTn id="51" dur="indefinite" restart="never" nodeType="tmRoot">
+        <p:cTn id="1" dur="indefinite" restart="never" nodeType="tmRoot">
           <p:childTnLst>
             <p:seq>
-              <p:cTn id="52" nodeType="mainSeq"/>
+              <p:cTn id="2" nodeType="mainSeq"/>
               <p:prevCondLst>
-                <p:cond delay="0" evt="onPrev">
+                <p:cond evt="onPrev" delay="0">
                   <p:tgtEl>
                     <p:sldTgt/>
                   </p:tgtEl>
                 </p:cond>
               </p:prevCondLst>
               <p:nextCondLst>
-                <p:cond delay="0" evt="onNext">
+                <p:cond evt="onNext" delay="0">
                   <p:tgtEl>
                     <p:sldTgt/>
                   </p:tgtEl>
@@ -7707,7 +9592,7 @@
 </file>
 
 <file path=ppt/slides/slide27.xml><?xml version="1.0" encoding="utf-8"?>
-<p:sld xmlns:a="http://schemas.openxmlformats.org/drawingml/2006/main" xmlns:p="http://schemas.openxmlformats.org/presentationml/2006/main" xmlns:r="http://schemas.openxmlformats.org/officeDocument/2006/relationships">
+<p:sld xmlns:a="http://schemas.openxmlformats.org/drawingml/2006/main" xmlns:r="http://schemas.openxmlformats.org/officeDocument/2006/relationships" xmlns:p="http://schemas.openxmlformats.org/presentationml/2006/main">
   <p:cSld>
     <p:spTree>
       <p:nvGrpSpPr>
@@ -7743,13 +9628,20 @@
           </a:ln>
         </p:spPr>
         <p:style>
-          <a:lnRef idx="0"/>
-          <a:fillRef idx="0"/>
-          <a:effectRef idx="0"/>
+          <a:lnRef idx="0">
+            <a:scrgbClr r="0" g="0" b="0"/>
+          </a:lnRef>
+          <a:fillRef idx="0">
+            <a:scrgbClr r="0" g="0" b="0"/>
+          </a:fillRef>
+          <a:effectRef idx="0">
+            <a:scrgbClr r="0" g="0" b="0"/>
+          </a:effectRef>
           <a:fontRef idx="minor"/>
         </p:style>
         <p:txBody>
-          <a:bodyPr lIns="90000" rIns="90000" tIns="45000" bIns="45000" anchor="ctr"/>
+          <a:bodyPr lIns="90000" tIns="45000" rIns="90000" bIns="45000" anchor="ctr"/>
+          <a:lstStyle/>
           <a:p>
             <a:pPr algn="ctr">
               <a:lnSpc>
@@ -7790,13 +9682,20 @@
           </a:ln>
         </p:spPr>
         <p:style>
-          <a:lnRef idx="0"/>
-          <a:fillRef idx="0"/>
-          <a:effectRef idx="0"/>
+          <a:lnRef idx="0">
+            <a:scrgbClr r="0" g="0" b="0"/>
+          </a:lnRef>
+          <a:fillRef idx="0">
+            <a:scrgbClr r="0" g="0" b="0"/>
+          </a:fillRef>
+          <a:effectRef idx="0">
+            <a:scrgbClr r="0" g="0" b="0"/>
+          </a:effectRef>
           <a:fontRef idx="minor"/>
         </p:style>
         <p:txBody>
-          <a:bodyPr lIns="90000" rIns="90000" tIns="45000" bIns="45000"/>
+          <a:bodyPr lIns="90000" tIns="45000" rIns="90000" bIns="45000"/>
+          <a:lstStyle/>
           <a:p>
             <a:pPr>
               <a:lnSpc>
@@ -7833,8 +9732,18 @@
                 <a:latin typeface="Calibri"/>
                 <a:ea typeface="DejaVu Sans"/>
               </a:rPr>
-              <a:t>“</a:t>
-            </a:r>
+              <a:t>“quantos relatórios serão gerados por semana?”</a:t>
+            </a:r>
+            <a:endParaRPr/>
+          </a:p>
+          <a:p>
+            <a:pPr lvl="1">
+              <a:lnSpc>
+                <a:spcPct val="100000"/>
+              </a:lnSpc>
+              <a:buFont typeface="Arial"/>
+              <a:buChar char="–"/>
+            </a:pPr>
             <a:r>
               <a:rPr lang="en-US" sz="2800" strike="noStrike">
                 <a:solidFill>
@@ -7843,7 +9752,7 @@
                 <a:latin typeface="Calibri"/>
                 <a:ea typeface="DejaVu Sans"/>
               </a:rPr>
-              <a:t>quantos relatórios serão gerados por semana?”</a:t>
+              <a:t>“quantas pessoas deverão ter acesso ao sistema?”</a:t>
             </a:r>
             <a:endParaRPr/>
           </a:p>
@@ -7863,8 +9772,18 @@
                 <a:latin typeface="Calibri"/>
                 <a:ea typeface="DejaVu Sans"/>
               </a:rPr>
-              <a:t>“</a:t>
-            </a:r>
+              <a:t>“quantos acessos são esperados à base de dados?”</a:t>
+            </a:r>
+            <a:endParaRPr/>
+          </a:p>
+          <a:p>
+            <a:pPr lvl="1">
+              <a:lnSpc>
+                <a:spcPct val="100000"/>
+              </a:lnSpc>
+              <a:buFont typeface="Arial"/>
+              <a:buChar char="–"/>
+            </a:pPr>
             <a:r>
               <a:rPr lang="en-US" sz="2800" strike="noStrike">
                 <a:solidFill>
@@ -7873,67 +9792,7 @@
                 <a:latin typeface="Calibri"/>
                 <a:ea typeface="DejaVu Sans"/>
               </a:rPr>
-              <a:t>quantas pessoas deverão ter acesso ao sistema?”</a:t>
-            </a:r>
-            <a:endParaRPr/>
-          </a:p>
-          <a:p>
-            <a:pPr lvl="1">
-              <a:lnSpc>
-                <a:spcPct val="100000"/>
-              </a:lnSpc>
-              <a:buFont typeface="Arial"/>
-              <a:buChar char="–"/>
-            </a:pPr>
-            <a:r>
-              <a:rPr lang="en-US" sz="2800" strike="noStrike">
-                <a:solidFill>
-                  <a:srgbClr val="000000"/>
-                </a:solidFill>
-                <a:latin typeface="Calibri"/>
-                <a:ea typeface="DejaVu Sans"/>
-              </a:rPr>
-              <a:t>“</a:t>
-            </a:r>
-            <a:r>
-              <a:rPr lang="en-US" sz="2800" strike="noStrike">
-                <a:solidFill>
-                  <a:srgbClr val="000000"/>
-                </a:solidFill>
-                <a:latin typeface="Calibri"/>
-                <a:ea typeface="DejaVu Sans"/>
-              </a:rPr>
-              <a:t>quantos acessos são esperados à base de dados?”</a:t>
-            </a:r>
-            <a:endParaRPr/>
-          </a:p>
-          <a:p>
-            <a:pPr lvl="1">
-              <a:lnSpc>
-                <a:spcPct val="100000"/>
-              </a:lnSpc>
-              <a:buFont typeface="Arial"/>
-              <a:buChar char="–"/>
-            </a:pPr>
-            <a:r>
-              <a:rPr lang="en-US" sz="2800" strike="noStrike">
-                <a:solidFill>
-                  <a:srgbClr val="000000"/>
-                </a:solidFill>
-                <a:latin typeface="Calibri"/>
-                <a:ea typeface="DejaVu Sans"/>
-              </a:rPr>
-              <a:t>“</a:t>
-            </a:r>
-            <a:r>
-              <a:rPr lang="en-US" sz="2800" strike="noStrike">
-                <a:solidFill>
-                  <a:srgbClr val="000000"/>
-                </a:solidFill>
-                <a:latin typeface="Calibri"/>
-                <a:ea typeface="DejaVu Sans"/>
-              </a:rPr>
-              <a:t>quais pessoas podem usar o módulo gerencial?”</a:t>
+              <a:t>“quais pessoas podem usar o módulo gerencial?”</a:t>
             </a:r>
             <a:endParaRPr/>
           </a:p>
@@ -7949,22 +9808,25 @@
       </p:sp>
     </p:spTree>
   </p:cSld>
+  <p:clrMapOvr>
+    <a:masterClrMapping/>
+  </p:clrMapOvr>
   <p:timing>
     <p:tnLst>
       <p:par>
-        <p:cTn id="53" dur="indefinite" restart="never" nodeType="tmRoot">
+        <p:cTn id="1" dur="indefinite" restart="never" nodeType="tmRoot">
           <p:childTnLst>
             <p:seq>
-              <p:cTn id="54" nodeType="mainSeq"/>
+              <p:cTn id="2" nodeType="mainSeq"/>
               <p:prevCondLst>
-                <p:cond delay="0" evt="onPrev">
+                <p:cond evt="onPrev" delay="0">
                   <p:tgtEl>
                     <p:sldTgt/>
                   </p:tgtEl>
                 </p:cond>
               </p:prevCondLst>
               <p:nextCondLst>
-                <p:cond delay="0" evt="onNext">
+                <p:cond evt="onNext" delay="0">
                   <p:tgtEl>
                     <p:sldTgt/>
                   </p:tgtEl>
@@ -7980,7 +9842,7 @@
 </file>
 
 <file path=ppt/slides/slide28.xml><?xml version="1.0" encoding="utf-8"?>
-<p:sld xmlns:a="http://schemas.openxmlformats.org/drawingml/2006/main" xmlns:p="http://schemas.openxmlformats.org/presentationml/2006/main" xmlns:r="http://schemas.openxmlformats.org/officeDocument/2006/relationships">
+<p:sld xmlns:a="http://schemas.openxmlformats.org/drawingml/2006/main" xmlns:r="http://schemas.openxmlformats.org/officeDocument/2006/relationships" xmlns:p="http://schemas.openxmlformats.org/presentationml/2006/main">
   <p:cSld>
     <p:spTree>
       <p:nvGrpSpPr>
@@ -8016,13 +9878,20 @@
           </a:ln>
         </p:spPr>
         <p:style>
-          <a:lnRef idx="0"/>
-          <a:fillRef idx="0"/>
-          <a:effectRef idx="0"/>
+          <a:lnRef idx="0">
+            <a:scrgbClr r="0" g="0" b="0"/>
+          </a:lnRef>
+          <a:fillRef idx="0">
+            <a:scrgbClr r="0" g="0" b="0"/>
+          </a:fillRef>
+          <a:effectRef idx="0">
+            <a:scrgbClr r="0" g="0" b="0"/>
+          </a:effectRef>
           <a:fontRef idx="minor"/>
         </p:style>
         <p:txBody>
-          <a:bodyPr lIns="90000" rIns="90000" tIns="45000" bIns="45000" anchor="ctr"/>
+          <a:bodyPr lIns="90000" tIns="45000" rIns="90000" bIns="45000" anchor="ctr"/>
+          <a:lstStyle/>
           <a:p>
             <a:pPr algn="ctr">
               <a:lnSpc>
@@ -8063,13 +9932,20 @@
           </a:ln>
         </p:spPr>
         <p:style>
-          <a:lnRef idx="0"/>
-          <a:fillRef idx="0"/>
-          <a:effectRef idx="0"/>
+          <a:lnRef idx="0">
+            <a:scrgbClr r="0" g="0" b="0"/>
+          </a:lnRef>
+          <a:fillRef idx="0">
+            <a:scrgbClr r="0" g="0" b="0"/>
+          </a:fillRef>
+          <a:effectRef idx="0">
+            <a:scrgbClr r="0" g="0" b="0"/>
+          </a:effectRef>
           <a:fontRef idx="minor"/>
         </p:style>
         <p:txBody>
-          <a:bodyPr lIns="90000" rIns="90000" tIns="45000" bIns="45000"/>
+          <a:bodyPr lIns="90000" tIns="45000" rIns="90000" bIns="45000"/>
+          <a:lstStyle/>
           <a:p>
             <a:pPr>
               <a:lnSpc>
@@ -8182,22 +10058,25 @@
       </p:sp>
     </p:spTree>
   </p:cSld>
+  <p:clrMapOvr>
+    <a:masterClrMapping/>
+  </p:clrMapOvr>
   <p:timing>
     <p:tnLst>
       <p:par>
-        <p:cTn id="55" dur="indefinite" restart="never" nodeType="tmRoot">
+        <p:cTn id="1" dur="indefinite" restart="never" nodeType="tmRoot">
           <p:childTnLst>
             <p:seq>
-              <p:cTn id="56" nodeType="mainSeq"/>
+              <p:cTn id="2" nodeType="mainSeq"/>
               <p:prevCondLst>
-                <p:cond delay="0" evt="onPrev">
+                <p:cond evt="onPrev" delay="0">
                   <p:tgtEl>
                     <p:sldTgt/>
                   </p:tgtEl>
                 </p:cond>
               </p:prevCondLst>
               <p:nextCondLst>
-                <p:cond delay="0" evt="onNext">
+                <p:cond evt="onNext" delay="0">
                   <p:tgtEl>
                     <p:sldTgt/>
                   </p:tgtEl>
@@ -8213,7 +10092,7 @@
 </file>
 
 <file path=ppt/slides/slide29.xml><?xml version="1.0" encoding="utf-8"?>
-<p:sld xmlns:a="http://schemas.openxmlformats.org/drawingml/2006/main" xmlns:p="http://schemas.openxmlformats.org/presentationml/2006/main" xmlns:r="http://schemas.openxmlformats.org/officeDocument/2006/relationships">
+<p:sld xmlns:a="http://schemas.openxmlformats.org/drawingml/2006/main" xmlns:r="http://schemas.openxmlformats.org/officeDocument/2006/relationships" xmlns:p="http://schemas.openxmlformats.org/presentationml/2006/main">
   <p:cSld>
     <p:spTree>
       <p:nvGrpSpPr>
@@ -8249,13 +10128,20 @@
           </a:ln>
         </p:spPr>
         <p:style>
-          <a:lnRef idx="0"/>
-          <a:fillRef idx="0"/>
-          <a:effectRef idx="0"/>
+          <a:lnRef idx="0">
+            <a:scrgbClr r="0" g="0" b="0"/>
+          </a:lnRef>
+          <a:fillRef idx="0">
+            <a:scrgbClr r="0" g="0" b="0"/>
+          </a:fillRef>
+          <a:effectRef idx="0">
+            <a:scrgbClr r="0" g="0" b="0"/>
+          </a:effectRef>
           <a:fontRef idx="minor"/>
         </p:style>
         <p:txBody>
-          <a:bodyPr lIns="90000" rIns="90000" tIns="45000" bIns="45000" anchor="ctr"/>
+          <a:bodyPr lIns="90000" tIns="45000" rIns="90000" bIns="45000" anchor="ctr"/>
+          <a:lstStyle/>
           <a:p>
             <a:pPr algn="ctr">
               <a:lnSpc>
@@ -8296,13 +10182,20 @@
           </a:ln>
         </p:spPr>
         <p:style>
-          <a:lnRef idx="0"/>
-          <a:fillRef idx="0"/>
-          <a:effectRef idx="0"/>
+          <a:lnRef idx="0">
+            <a:scrgbClr r="0" g="0" b="0"/>
+          </a:lnRef>
+          <a:fillRef idx="0">
+            <a:scrgbClr r="0" g="0" b="0"/>
+          </a:fillRef>
+          <a:effectRef idx="0">
+            <a:scrgbClr r="0" g="0" b="0"/>
+          </a:effectRef>
           <a:fontRef idx="minor"/>
         </p:style>
         <p:txBody>
-          <a:bodyPr lIns="90000" rIns="90000" tIns="45000" bIns="45000"/>
+          <a:bodyPr lIns="90000" tIns="45000" rIns="90000" bIns="45000"/>
+          <a:lstStyle/>
           <a:p>
             <a:pPr>
               <a:lnSpc>
@@ -8395,22 +10288,25 @@
       </p:sp>
     </p:spTree>
   </p:cSld>
+  <p:clrMapOvr>
+    <a:masterClrMapping/>
+  </p:clrMapOvr>
   <p:timing>
     <p:tnLst>
       <p:par>
-        <p:cTn id="57" dur="indefinite" restart="never" nodeType="tmRoot">
+        <p:cTn id="1" dur="indefinite" restart="never" nodeType="tmRoot">
           <p:childTnLst>
             <p:seq>
-              <p:cTn id="58" nodeType="mainSeq"/>
+              <p:cTn id="2" nodeType="mainSeq"/>
               <p:prevCondLst>
-                <p:cond delay="0" evt="onPrev">
+                <p:cond evt="onPrev" delay="0">
                   <p:tgtEl>
                     <p:sldTgt/>
                   </p:tgtEl>
                 </p:cond>
               </p:prevCondLst>
               <p:nextCondLst>
-                <p:cond delay="0" evt="onNext">
+                <p:cond evt="onNext" delay="0">
                   <p:tgtEl>
                     <p:sldTgt/>
                   </p:tgtEl>
@@ -8426,7 +10322,7 @@
 </file>
 
 <file path=ppt/slides/slide3.xml><?xml version="1.0" encoding="utf-8"?>
-<p:sld xmlns:a="http://schemas.openxmlformats.org/drawingml/2006/main" xmlns:p="http://schemas.openxmlformats.org/presentationml/2006/main" xmlns:r="http://schemas.openxmlformats.org/officeDocument/2006/relationships">
+<p:sld xmlns:a="http://schemas.openxmlformats.org/drawingml/2006/main" xmlns:r="http://schemas.openxmlformats.org/officeDocument/2006/relationships" xmlns:p="http://schemas.openxmlformats.org/presentationml/2006/main">
   <p:cSld>
     <p:spTree>
       <p:nvGrpSpPr>
@@ -8462,13 +10358,20 @@
           </a:ln>
         </p:spPr>
         <p:style>
-          <a:lnRef idx="0"/>
-          <a:fillRef idx="0"/>
-          <a:effectRef idx="0"/>
+          <a:lnRef idx="0">
+            <a:scrgbClr r="0" g="0" b="0"/>
+          </a:lnRef>
+          <a:fillRef idx="0">
+            <a:scrgbClr r="0" g="0" b="0"/>
+          </a:fillRef>
+          <a:effectRef idx="0">
+            <a:scrgbClr r="0" g="0" b="0"/>
+          </a:effectRef>
           <a:fontRef idx="minor"/>
         </p:style>
         <p:txBody>
-          <a:bodyPr lIns="90000" rIns="90000" tIns="45000" bIns="45000" anchor="ctr"/>
+          <a:bodyPr lIns="90000" tIns="45000" rIns="90000" bIns="45000" anchor="ctr"/>
+          <a:lstStyle/>
           <a:p>
             <a:pPr algn="ctr">
               <a:lnSpc>
@@ -8509,13 +10412,20 @@
           </a:ln>
         </p:spPr>
         <p:style>
-          <a:lnRef idx="0"/>
-          <a:fillRef idx="0"/>
-          <a:effectRef idx="0"/>
+          <a:lnRef idx="0">
+            <a:scrgbClr r="0" g="0" b="0"/>
+          </a:lnRef>
+          <a:fillRef idx="0">
+            <a:scrgbClr r="0" g="0" b="0"/>
+          </a:fillRef>
+          <a:effectRef idx="0">
+            <a:scrgbClr r="0" g="0" b="0"/>
+          </a:effectRef>
           <a:fontRef idx="minor"/>
         </p:style>
         <p:txBody>
-          <a:bodyPr lIns="90000" rIns="90000" tIns="45000" bIns="45000"/>
+          <a:bodyPr lIns="90000" tIns="45000" rIns="90000" bIns="45000"/>
+          <a:lstStyle/>
           <a:p>
             <a:pPr>
               <a:lnSpc>
@@ -8588,22 +10498,25 @@
       </p:sp>
     </p:spTree>
   </p:cSld>
+  <p:clrMapOvr>
+    <a:masterClrMapping/>
+  </p:clrMapOvr>
   <p:timing>
     <p:tnLst>
       <p:par>
-        <p:cTn id="5" dur="indefinite" restart="never" nodeType="tmRoot">
+        <p:cTn id="1" dur="indefinite" restart="never" nodeType="tmRoot">
           <p:childTnLst>
             <p:seq>
-              <p:cTn id="6" nodeType="mainSeq"/>
+              <p:cTn id="2" nodeType="mainSeq"/>
               <p:prevCondLst>
-                <p:cond delay="0" evt="onPrev">
+                <p:cond evt="onPrev" delay="0">
                   <p:tgtEl>
                     <p:sldTgt/>
                   </p:tgtEl>
                 </p:cond>
               </p:prevCondLst>
               <p:nextCondLst>
-                <p:cond delay="0" evt="onNext">
+                <p:cond evt="onNext" delay="0">
                   <p:tgtEl>
                     <p:sldTgt/>
                   </p:tgtEl>
@@ -8619,7 +10532,7 @@
 </file>
 
 <file path=ppt/slides/slide30.xml><?xml version="1.0" encoding="utf-8"?>
-<p:sld xmlns:a="http://schemas.openxmlformats.org/drawingml/2006/main" xmlns:p="http://schemas.openxmlformats.org/presentationml/2006/main" xmlns:r="http://schemas.openxmlformats.org/officeDocument/2006/relationships">
+<p:sld xmlns:a="http://schemas.openxmlformats.org/drawingml/2006/main" xmlns:r="http://schemas.openxmlformats.org/officeDocument/2006/relationships" xmlns:p="http://schemas.openxmlformats.org/presentationml/2006/main">
   <p:cSld>
     <p:spTree>
       <p:nvGrpSpPr>
@@ -8655,13 +10568,20 @@
           </a:ln>
         </p:spPr>
         <p:style>
-          <a:lnRef idx="0"/>
-          <a:fillRef idx="0"/>
-          <a:effectRef idx="0"/>
+          <a:lnRef idx="0">
+            <a:scrgbClr r="0" g="0" b="0"/>
+          </a:lnRef>
+          <a:fillRef idx="0">
+            <a:scrgbClr r="0" g="0" b="0"/>
+          </a:fillRef>
+          <a:effectRef idx="0">
+            <a:scrgbClr r="0" g="0" b="0"/>
+          </a:effectRef>
           <a:fontRef idx="minor"/>
         </p:style>
         <p:txBody>
-          <a:bodyPr lIns="90000" rIns="90000" tIns="45000" bIns="45000" anchor="ctr"/>
+          <a:bodyPr lIns="90000" tIns="45000" rIns="90000" bIns="45000" anchor="ctr"/>
+          <a:lstStyle/>
           <a:p>
             <a:pPr algn="ctr">
               <a:lnSpc>
@@ -8702,13 +10622,20 @@
           </a:ln>
         </p:spPr>
         <p:style>
-          <a:lnRef idx="0"/>
-          <a:fillRef idx="0"/>
-          <a:effectRef idx="0"/>
+          <a:lnRef idx="0">
+            <a:scrgbClr r="0" g="0" b="0"/>
+          </a:lnRef>
+          <a:fillRef idx="0">
+            <a:scrgbClr r="0" g="0" b="0"/>
+          </a:fillRef>
+          <a:effectRef idx="0">
+            <a:scrgbClr r="0" g="0" b="0"/>
+          </a:effectRef>
           <a:fontRef idx="minor"/>
         </p:style>
         <p:txBody>
-          <a:bodyPr lIns="90000" rIns="90000" tIns="45000" bIns="45000"/>
+          <a:bodyPr lIns="90000" tIns="45000" rIns="90000" bIns="45000"/>
+          <a:lstStyle/>
           <a:p>
             <a:pPr>
               <a:lnSpc>
@@ -8765,8 +10692,18 @@
                 <a:latin typeface="Calibri"/>
                 <a:ea typeface="DejaVu Sans"/>
               </a:rPr>
-              <a:t>“</a:t>
-            </a:r>
+              <a:t>“O sistema deve ...”</a:t>
+            </a:r>
+            <a:endParaRPr/>
+          </a:p>
+          <a:p>
+            <a:pPr lvl="1">
+              <a:lnSpc>
+                <a:spcPct val="100000"/>
+              </a:lnSpc>
+              <a:buFont typeface="Arial"/>
+              <a:buChar char="–"/>
+            </a:pPr>
             <a:r>
               <a:rPr lang="en-US" sz="2800" strike="noStrike">
                 <a:solidFill>
@@ -8775,7 +10712,7 @@
                 <a:latin typeface="Calibri"/>
                 <a:ea typeface="DejaVu Sans"/>
               </a:rPr>
-              <a:t>O sistema deve ...”</a:t>
+              <a:t>“Se o sistema receber a entrada X, ele deve responder com a saída Y”</a:t>
             </a:r>
             <a:endParaRPr/>
           </a:p>
@@ -8795,8 +10732,18 @@
                 <a:latin typeface="Calibri"/>
                 <a:ea typeface="DejaVu Sans"/>
               </a:rPr>
-              <a:t>“</a:t>
-            </a:r>
+              <a:t>“O usuário deve entrar com X”</a:t>
+            </a:r>
+            <a:endParaRPr/>
+          </a:p>
+          <a:p>
+            <a:pPr lvl="1">
+              <a:lnSpc>
+                <a:spcPct val="100000"/>
+              </a:lnSpc>
+              <a:buFont typeface="Arial"/>
+              <a:buChar char="–"/>
+            </a:pPr>
             <a:r>
               <a:rPr lang="en-US" sz="2800" strike="noStrike">
                 <a:solidFill>
@@ -8805,67 +10752,7 @@
                 <a:latin typeface="Calibri"/>
                 <a:ea typeface="DejaVu Sans"/>
               </a:rPr>
-              <a:t>Se o sistema receber a entrada X, ele deve responder com a saída Y”</a:t>
-            </a:r>
-            <a:endParaRPr/>
-          </a:p>
-          <a:p>
-            <a:pPr lvl="1">
-              <a:lnSpc>
-                <a:spcPct val="100000"/>
-              </a:lnSpc>
-              <a:buFont typeface="Arial"/>
-              <a:buChar char="–"/>
-            </a:pPr>
-            <a:r>
-              <a:rPr lang="en-US" sz="2800" strike="noStrike">
-                <a:solidFill>
-                  <a:srgbClr val="000000"/>
-                </a:solidFill>
-                <a:latin typeface="Calibri"/>
-                <a:ea typeface="DejaVu Sans"/>
-              </a:rPr>
-              <a:t>“</a:t>
-            </a:r>
-            <a:r>
-              <a:rPr lang="en-US" sz="2800" strike="noStrike">
-                <a:solidFill>
-                  <a:srgbClr val="000000"/>
-                </a:solidFill>
-                <a:latin typeface="Calibri"/>
-                <a:ea typeface="DejaVu Sans"/>
-              </a:rPr>
-              <a:t>O usuário deve entrar com X”</a:t>
-            </a:r>
-            <a:endParaRPr/>
-          </a:p>
-          <a:p>
-            <a:pPr lvl="1">
-              <a:lnSpc>
-                <a:spcPct val="100000"/>
-              </a:lnSpc>
-              <a:buFont typeface="Arial"/>
-              <a:buChar char="–"/>
-            </a:pPr>
-            <a:r>
-              <a:rPr lang="en-US" sz="2800" strike="noStrike">
-                <a:solidFill>
-                  <a:srgbClr val="000000"/>
-                </a:solidFill>
-                <a:latin typeface="Calibri"/>
-                <a:ea typeface="DejaVu Sans"/>
-              </a:rPr>
-              <a:t>“</a:t>
-            </a:r>
-            <a:r>
-              <a:rPr lang="en-US" sz="2800" strike="noStrike">
-                <a:solidFill>
-                  <a:srgbClr val="000000"/>
-                </a:solidFill>
-                <a:latin typeface="Calibri"/>
-                <a:ea typeface="DejaVu Sans"/>
-              </a:rPr>
-              <a:t>O sistema deve ser capaz de X”</a:t>
+              <a:t>“O sistema deve ser capaz de X”</a:t>
             </a:r>
             <a:endParaRPr/>
           </a:p>
@@ -8881,22 +10768,25 @@
       </p:sp>
     </p:spTree>
   </p:cSld>
+  <p:clrMapOvr>
+    <a:masterClrMapping/>
+  </p:clrMapOvr>
   <p:timing>
     <p:tnLst>
       <p:par>
-        <p:cTn id="59" dur="indefinite" restart="never" nodeType="tmRoot">
+        <p:cTn id="1" dur="indefinite" restart="never" nodeType="tmRoot">
           <p:childTnLst>
             <p:seq>
-              <p:cTn id="60" nodeType="mainSeq"/>
+              <p:cTn id="2" nodeType="mainSeq"/>
               <p:prevCondLst>
-                <p:cond delay="0" evt="onPrev">
+                <p:cond evt="onPrev" delay="0">
                   <p:tgtEl>
                     <p:sldTgt/>
                   </p:tgtEl>
                 </p:cond>
               </p:prevCondLst>
               <p:nextCondLst>
-                <p:cond delay="0" evt="onNext">
+                <p:cond evt="onNext" delay="0">
                   <p:tgtEl>
                     <p:sldTgt/>
                   </p:tgtEl>
@@ -8912,7 +10802,7 @@
 </file>
 
 <file path=ppt/slides/slide31.xml><?xml version="1.0" encoding="utf-8"?>
-<p:sld xmlns:a="http://schemas.openxmlformats.org/drawingml/2006/main" xmlns:p="http://schemas.openxmlformats.org/presentationml/2006/main" xmlns:r="http://schemas.openxmlformats.org/officeDocument/2006/relationships">
+<p:sld xmlns:a="http://schemas.openxmlformats.org/drawingml/2006/main" xmlns:r="http://schemas.openxmlformats.org/officeDocument/2006/relationships" xmlns:p="http://schemas.openxmlformats.org/presentationml/2006/main">
   <p:cSld>
     <p:spTree>
       <p:nvGrpSpPr>
@@ -8948,13 +10838,20 @@
           </a:ln>
         </p:spPr>
         <p:style>
-          <a:lnRef idx="0"/>
-          <a:fillRef idx="0"/>
-          <a:effectRef idx="0"/>
+          <a:lnRef idx="0">
+            <a:scrgbClr r="0" g="0" b="0"/>
+          </a:lnRef>
+          <a:fillRef idx="0">
+            <a:scrgbClr r="0" g="0" b="0"/>
+          </a:fillRef>
+          <a:effectRef idx="0">
+            <a:scrgbClr r="0" g="0" b="0"/>
+          </a:effectRef>
           <a:fontRef idx="minor"/>
         </p:style>
         <p:txBody>
-          <a:bodyPr lIns="90000" rIns="90000" tIns="45000" bIns="45000" anchor="ctr"/>
+          <a:bodyPr lIns="90000" tIns="45000" rIns="90000" bIns="45000" anchor="ctr"/>
+          <a:lstStyle/>
           <a:p>
             <a:pPr algn="ctr">
               <a:lnSpc>
@@ -8995,13 +10892,20 @@
           </a:ln>
         </p:spPr>
         <p:style>
-          <a:lnRef idx="0"/>
-          <a:fillRef idx="0"/>
-          <a:effectRef idx="0"/>
+          <a:lnRef idx="0">
+            <a:scrgbClr r="0" g="0" b="0"/>
+          </a:lnRef>
+          <a:fillRef idx="0">
+            <a:scrgbClr r="0" g="0" b="0"/>
+          </a:fillRef>
+          <a:effectRef idx="0">
+            <a:scrgbClr r="0" g="0" b="0"/>
+          </a:effectRef>
           <a:fontRef idx="minor"/>
         </p:style>
         <p:txBody>
-          <a:bodyPr lIns="90000" rIns="90000" tIns="45000" bIns="45000"/>
+          <a:bodyPr lIns="90000" tIns="45000" rIns="90000" bIns="45000"/>
+          <a:lstStyle/>
           <a:p>
             <a:pPr>
               <a:lnSpc>
@@ -9114,22 +11018,25 @@
       </p:sp>
     </p:spTree>
   </p:cSld>
+  <p:clrMapOvr>
+    <a:masterClrMapping/>
+  </p:clrMapOvr>
   <p:timing>
     <p:tnLst>
       <p:par>
-        <p:cTn id="61" dur="indefinite" restart="never" nodeType="tmRoot">
+        <p:cTn id="1" dur="indefinite" restart="never" nodeType="tmRoot">
           <p:childTnLst>
             <p:seq>
-              <p:cTn id="62" nodeType="mainSeq"/>
+              <p:cTn id="2" nodeType="mainSeq"/>
               <p:prevCondLst>
-                <p:cond delay="0" evt="onPrev">
+                <p:cond evt="onPrev" delay="0">
                   <p:tgtEl>
                     <p:sldTgt/>
                   </p:tgtEl>
                 </p:cond>
               </p:prevCondLst>
               <p:nextCondLst>
-                <p:cond delay="0" evt="onNext">
+                <p:cond evt="onNext" delay="0">
                   <p:tgtEl>
                     <p:sldTgt/>
                   </p:tgtEl>
@@ -9145,7 +11052,7 @@
 </file>
 
 <file path=ppt/slides/slide32.xml><?xml version="1.0" encoding="utf-8"?>
-<p:sld xmlns:a="http://schemas.openxmlformats.org/drawingml/2006/main" xmlns:p="http://schemas.openxmlformats.org/presentationml/2006/main" xmlns:r="http://schemas.openxmlformats.org/officeDocument/2006/relationships">
+<p:sld xmlns:a="http://schemas.openxmlformats.org/drawingml/2006/main" xmlns:r="http://schemas.openxmlformats.org/officeDocument/2006/relationships" xmlns:p="http://schemas.openxmlformats.org/presentationml/2006/main">
   <p:cSld>
     <p:spTree>
       <p:nvGrpSpPr>
@@ -9181,13 +11088,20 @@
           </a:ln>
         </p:spPr>
         <p:style>
-          <a:lnRef idx="0"/>
-          <a:fillRef idx="0"/>
-          <a:effectRef idx="0"/>
+          <a:lnRef idx="0">
+            <a:scrgbClr r="0" g="0" b="0"/>
+          </a:lnRef>
+          <a:fillRef idx="0">
+            <a:scrgbClr r="0" g="0" b="0"/>
+          </a:fillRef>
+          <a:effectRef idx="0">
+            <a:scrgbClr r="0" g="0" b="0"/>
+          </a:effectRef>
           <a:fontRef idx="minor"/>
         </p:style>
         <p:txBody>
-          <a:bodyPr lIns="90000" rIns="90000" tIns="45000" bIns="45000" anchor="ctr"/>
+          <a:bodyPr lIns="90000" tIns="45000" rIns="90000" bIns="45000" anchor="ctr"/>
+          <a:lstStyle/>
           <a:p>
             <a:pPr algn="ctr">
               <a:lnSpc>
@@ -9228,13 +11142,20 @@
           </a:ln>
         </p:spPr>
         <p:style>
-          <a:lnRef idx="0"/>
-          <a:fillRef idx="0"/>
-          <a:effectRef idx="0"/>
+          <a:lnRef idx="0">
+            <a:scrgbClr r="0" g="0" b="0"/>
+          </a:lnRef>
+          <a:fillRef idx="0">
+            <a:scrgbClr r="0" g="0" b="0"/>
+          </a:fillRef>
+          <a:effectRef idx="0">
+            <a:scrgbClr r="0" g="0" b="0"/>
+          </a:effectRef>
           <a:fontRef idx="minor"/>
         </p:style>
         <p:txBody>
-          <a:bodyPr lIns="90000" rIns="90000" tIns="45000" bIns="45000"/>
+          <a:bodyPr lIns="90000" tIns="45000" rIns="90000" bIns="45000"/>
+          <a:lstStyle/>
           <a:p>
             <a:pPr>
               <a:lnSpc>
@@ -9327,22 +11248,25 @@
       </p:sp>
     </p:spTree>
   </p:cSld>
+  <p:clrMapOvr>
+    <a:masterClrMapping/>
+  </p:clrMapOvr>
   <p:timing>
     <p:tnLst>
       <p:par>
-        <p:cTn id="63" dur="indefinite" restart="never" nodeType="tmRoot">
+        <p:cTn id="1" dur="indefinite" restart="never" nodeType="tmRoot">
           <p:childTnLst>
             <p:seq>
-              <p:cTn id="64" nodeType="mainSeq"/>
+              <p:cTn id="2" nodeType="mainSeq"/>
               <p:prevCondLst>
-                <p:cond delay="0" evt="onPrev">
+                <p:cond evt="onPrev" delay="0">
                   <p:tgtEl>
                     <p:sldTgt/>
                   </p:tgtEl>
                 </p:cond>
               </p:prevCondLst>
               <p:nextCondLst>
-                <p:cond delay="0" evt="onNext">
+                <p:cond evt="onNext" delay="0">
                   <p:tgtEl>
                     <p:sldTgt/>
                   </p:tgtEl>
@@ -9358,7 +11282,7 @@
 </file>
 
 <file path=ppt/slides/slide33.xml><?xml version="1.0" encoding="utf-8"?>
-<p:sld xmlns:a="http://schemas.openxmlformats.org/drawingml/2006/main" xmlns:p="http://schemas.openxmlformats.org/presentationml/2006/main" xmlns:r="http://schemas.openxmlformats.org/officeDocument/2006/relationships">
+<p:sld xmlns:a="http://schemas.openxmlformats.org/drawingml/2006/main" xmlns:r="http://schemas.openxmlformats.org/officeDocument/2006/relationships" xmlns:p="http://schemas.openxmlformats.org/presentationml/2006/main">
   <p:cSld>
     <p:spTree>
       <p:nvGrpSpPr>
@@ -9394,13 +11318,20 @@
           </a:ln>
         </p:spPr>
         <p:style>
-          <a:lnRef idx="0"/>
-          <a:fillRef idx="0"/>
-          <a:effectRef idx="0"/>
+          <a:lnRef idx="0">
+            <a:scrgbClr r="0" g="0" b="0"/>
+          </a:lnRef>
+          <a:fillRef idx="0">
+            <a:scrgbClr r="0" g="0" b="0"/>
+          </a:fillRef>
+          <a:effectRef idx="0">
+            <a:scrgbClr r="0" g="0" b="0"/>
+          </a:effectRef>
           <a:fontRef idx="minor"/>
         </p:style>
         <p:txBody>
-          <a:bodyPr lIns="90000" rIns="90000" tIns="45000" bIns="45000" anchor="ctr"/>
+          <a:bodyPr lIns="90000" tIns="45000" rIns="90000" bIns="45000" anchor="ctr"/>
+          <a:lstStyle/>
           <a:p>
             <a:pPr algn="ctr">
               <a:lnSpc>
@@ -9423,12 +11354,12 @@
       </p:sp>
       <p:pic>
         <p:nvPicPr>
-          <p:cNvPr id="143" name="Picture 2" descr=""/>
+          <p:cNvPr id="143" name="Picture 2"/>
           <p:cNvPicPr/>
           <p:nvPr/>
         </p:nvPicPr>
         <p:blipFill>
-          <a:blip r:embed="rId1"/>
+          <a:blip r:embed="rId2"/>
           <a:stretch/>
         </p:blipFill>
         <p:spPr>
@@ -9446,22 +11377,25 @@
       </p:pic>
     </p:spTree>
   </p:cSld>
+  <p:clrMapOvr>
+    <a:masterClrMapping/>
+  </p:clrMapOvr>
   <p:timing>
     <p:tnLst>
       <p:par>
-        <p:cTn id="65" dur="indefinite" restart="never" nodeType="tmRoot">
+        <p:cTn id="1" dur="indefinite" restart="never" nodeType="tmRoot">
           <p:childTnLst>
             <p:seq>
-              <p:cTn id="66" nodeType="mainSeq"/>
+              <p:cTn id="2" nodeType="mainSeq"/>
               <p:prevCondLst>
-                <p:cond delay="0" evt="onPrev">
+                <p:cond evt="onPrev" delay="0">
                   <p:tgtEl>
                     <p:sldTgt/>
                   </p:tgtEl>
                 </p:cond>
               </p:prevCondLst>
               <p:nextCondLst>
-                <p:cond delay="0" evt="onNext">
+                <p:cond evt="onNext" delay="0">
                   <p:tgtEl>
                     <p:sldTgt/>
                   </p:tgtEl>
@@ -9477,7 +11411,7 @@
 </file>
 
 <file path=ppt/slides/slide34.xml><?xml version="1.0" encoding="utf-8"?>
-<p:sld xmlns:a="http://schemas.openxmlformats.org/drawingml/2006/main" xmlns:p="http://schemas.openxmlformats.org/presentationml/2006/main" xmlns:r="http://schemas.openxmlformats.org/officeDocument/2006/relationships">
+<p:sld xmlns:a="http://schemas.openxmlformats.org/drawingml/2006/main" xmlns:r="http://schemas.openxmlformats.org/officeDocument/2006/relationships" xmlns:p="http://schemas.openxmlformats.org/presentationml/2006/main">
   <p:cSld>
     <p:spTree>
       <p:nvGrpSpPr>
@@ -9513,13 +11447,20 @@
           </a:ln>
         </p:spPr>
         <p:style>
-          <a:lnRef idx="0"/>
-          <a:fillRef idx="0"/>
-          <a:effectRef idx="0"/>
+          <a:lnRef idx="0">
+            <a:scrgbClr r="0" g="0" b="0"/>
+          </a:lnRef>
+          <a:fillRef idx="0">
+            <a:scrgbClr r="0" g="0" b="0"/>
+          </a:fillRef>
+          <a:effectRef idx="0">
+            <a:scrgbClr r="0" g="0" b="0"/>
+          </a:effectRef>
           <a:fontRef idx="minor"/>
         </p:style>
         <p:txBody>
-          <a:bodyPr lIns="90000" rIns="90000" tIns="45000" bIns="45000" anchor="ctr"/>
+          <a:bodyPr lIns="90000" tIns="45000" rIns="90000" bIns="45000" anchor="ctr"/>
+          <a:lstStyle/>
           <a:p>
             <a:pPr algn="ctr">
               <a:lnSpc>
@@ -9560,13 +11501,20 @@
           </a:ln>
         </p:spPr>
         <p:style>
-          <a:lnRef idx="0"/>
-          <a:fillRef idx="0"/>
-          <a:effectRef idx="0"/>
+          <a:lnRef idx="0">
+            <a:scrgbClr r="0" g="0" b="0"/>
+          </a:lnRef>
+          <a:fillRef idx="0">
+            <a:scrgbClr r="0" g="0" b="0"/>
+          </a:fillRef>
+          <a:effectRef idx="0">
+            <a:scrgbClr r="0" g="0" b="0"/>
+          </a:effectRef>
           <a:fontRef idx="minor"/>
         </p:style>
         <p:txBody>
-          <a:bodyPr lIns="90000" rIns="90000" tIns="45000" bIns="45000"/>
+          <a:bodyPr lIns="90000" tIns="45000" rIns="90000" bIns="45000"/>
+          <a:lstStyle/>
           <a:p>
             <a:pPr>
               <a:lnSpc>
@@ -9719,22 +11667,25 @@
       </p:sp>
     </p:spTree>
   </p:cSld>
+  <p:clrMapOvr>
+    <a:masterClrMapping/>
+  </p:clrMapOvr>
   <p:timing>
     <p:tnLst>
       <p:par>
-        <p:cTn id="67" dur="indefinite" restart="never" nodeType="tmRoot">
+        <p:cTn id="1" dur="indefinite" restart="never" nodeType="tmRoot">
           <p:childTnLst>
             <p:seq>
-              <p:cTn id="68" nodeType="mainSeq"/>
+              <p:cTn id="2" nodeType="mainSeq"/>
               <p:prevCondLst>
-                <p:cond delay="0" evt="onPrev">
+                <p:cond evt="onPrev" delay="0">
                   <p:tgtEl>
                     <p:sldTgt/>
                   </p:tgtEl>
                 </p:cond>
               </p:prevCondLst>
               <p:nextCondLst>
-                <p:cond delay="0" evt="onNext">
+                <p:cond evt="onNext" delay="0">
                   <p:tgtEl>
                     <p:sldTgt/>
                   </p:tgtEl>
@@ -9750,7 +11701,7 @@
 </file>
 
 <file path=ppt/slides/slide4.xml><?xml version="1.0" encoding="utf-8"?>
-<p:sld xmlns:a="http://schemas.openxmlformats.org/drawingml/2006/main" xmlns:p="http://schemas.openxmlformats.org/presentationml/2006/main" xmlns:r="http://schemas.openxmlformats.org/officeDocument/2006/relationships">
+<p:sld xmlns:a="http://schemas.openxmlformats.org/drawingml/2006/main" xmlns:r="http://schemas.openxmlformats.org/officeDocument/2006/relationships" xmlns:p="http://schemas.openxmlformats.org/presentationml/2006/main">
   <p:cSld>
     <p:spTree>
       <p:nvGrpSpPr>
@@ -9786,13 +11737,20 @@
           </a:ln>
         </p:spPr>
         <p:style>
-          <a:lnRef idx="0"/>
-          <a:fillRef idx="0"/>
-          <a:effectRef idx="0"/>
+          <a:lnRef idx="0">
+            <a:scrgbClr r="0" g="0" b="0"/>
+          </a:lnRef>
+          <a:fillRef idx="0">
+            <a:scrgbClr r="0" g="0" b="0"/>
+          </a:fillRef>
+          <a:effectRef idx="0">
+            <a:scrgbClr r="0" g="0" b="0"/>
+          </a:effectRef>
           <a:fontRef idx="minor"/>
         </p:style>
         <p:txBody>
-          <a:bodyPr lIns="90000" rIns="90000" tIns="45000" bIns="45000" anchor="ctr"/>
+          <a:bodyPr lIns="90000" tIns="45000" rIns="90000" bIns="45000" anchor="ctr"/>
+          <a:lstStyle/>
           <a:p>
             <a:pPr algn="ctr">
               <a:lnSpc>
@@ -9833,13 +11791,20 @@
           </a:ln>
         </p:spPr>
         <p:style>
-          <a:lnRef idx="0"/>
-          <a:fillRef idx="0"/>
-          <a:effectRef idx="0"/>
+          <a:lnRef idx="0">
+            <a:scrgbClr r="0" g="0" b="0"/>
+          </a:lnRef>
+          <a:fillRef idx="0">
+            <a:scrgbClr r="0" g="0" b="0"/>
+          </a:fillRef>
+          <a:effectRef idx="0">
+            <a:scrgbClr r="0" g="0" b="0"/>
+          </a:effectRef>
           <a:fontRef idx="minor"/>
         </p:style>
         <p:txBody>
-          <a:bodyPr lIns="90000" rIns="90000" tIns="45000" bIns="45000"/>
+          <a:bodyPr lIns="90000" tIns="45000" rIns="90000" bIns="45000"/>
+          <a:lstStyle/>
           <a:p>
             <a:pPr>
               <a:lnSpc>
@@ -9904,22 +11869,25 @@
       </p:sp>
     </p:spTree>
   </p:cSld>
+  <p:clrMapOvr>
+    <a:masterClrMapping/>
+  </p:clrMapOvr>
   <p:timing>
     <p:tnLst>
       <p:par>
-        <p:cTn id="7" dur="indefinite" restart="never" nodeType="tmRoot">
+        <p:cTn id="1" dur="indefinite" restart="never" nodeType="tmRoot">
           <p:childTnLst>
             <p:seq>
-              <p:cTn id="8" nodeType="mainSeq"/>
+              <p:cTn id="2" nodeType="mainSeq"/>
               <p:prevCondLst>
-                <p:cond delay="0" evt="onPrev">
+                <p:cond evt="onPrev" delay="0">
                   <p:tgtEl>
                     <p:sldTgt/>
                   </p:tgtEl>
                 </p:cond>
               </p:prevCondLst>
               <p:nextCondLst>
-                <p:cond delay="0" evt="onNext">
+                <p:cond evt="onNext" delay="0">
                   <p:tgtEl>
                     <p:sldTgt/>
                   </p:tgtEl>
@@ -9935,7 +11903,7 @@
 </file>
 
 <file path=ppt/slides/slide5.xml><?xml version="1.0" encoding="utf-8"?>
-<p:sld xmlns:a="http://schemas.openxmlformats.org/drawingml/2006/main" xmlns:p="http://schemas.openxmlformats.org/presentationml/2006/main" xmlns:r="http://schemas.openxmlformats.org/officeDocument/2006/relationships">
+<p:sld xmlns:a="http://schemas.openxmlformats.org/drawingml/2006/main" xmlns:r="http://schemas.openxmlformats.org/officeDocument/2006/relationships" xmlns:p="http://schemas.openxmlformats.org/presentationml/2006/main">
   <p:cSld>
     <p:spTree>
       <p:nvGrpSpPr>
@@ -9971,13 +11939,20 @@
           </a:ln>
         </p:spPr>
         <p:style>
-          <a:lnRef idx="0"/>
-          <a:fillRef idx="0"/>
-          <a:effectRef idx="0"/>
+          <a:lnRef idx="0">
+            <a:scrgbClr r="0" g="0" b="0"/>
+          </a:lnRef>
+          <a:fillRef idx="0">
+            <a:scrgbClr r="0" g="0" b="0"/>
+          </a:fillRef>
+          <a:effectRef idx="0">
+            <a:scrgbClr r="0" g="0" b="0"/>
+          </a:effectRef>
           <a:fontRef idx="minor"/>
         </p:style>
         <p:txBody>
-          <a:bodyPr lIns="90000" rIns="90000" tIns="45000" bIns="45000"/>
+          <a:bodyPr lIns="90000" tIns="45000" rIns="90000" bIns="45000"/>
+          <a:lstStyle/>
           <a:p>
             <a:pPr algn="ctr">
               <a:lnSpc>
@@ -10017,13 +11992,20 @@
           </a:ln>
         </p:spPr>
         <p:style>
-          <a:lnRef idx="0"/>
-          <a:fillRef idx="0"/>
-          <a:effectRef idx="0"/>
+          <a:lnRef idx="0">
+            <a:scrgbClr r="0" g="0" b="0"/>
+          </a:lnRef>
+          <a:fillRef idx="0">
+            <a:scrgbClr r="0" g="0" b="0"/>
+          </a:fillRef>
+          <a:effectRef idx="0">
+            <a:scrgbClr r="0" g="0" b="0"/>
+          </a:effectRef>
           <a:fontRef idx="minor"/>
         </p:style>
         <p:txBody>
-          <a:bodyPr lIns="90000" rIns="90000" tIns="45000" bIns="45000"/>
+          <a:bodyPr lIns="90000" tIns="45000" rIns="90000" bIns="45000"/>
+          <a:lstStyle/>
           <a:p>
             <a:pPr>
               <a:lnSpc>
@@ -10069,22 +12051,25 @@
       </p:sp>
     </p:spTree>
   </p:cSld>
+  <p:clrMapOvr>
+    <a:masterClrMapping/>
+  </p:clrMapOvr>
   <p:timing>
     <p:tnLst>
       <p:par>
-        <p:cTn id="9" dur="indefinite" restart="never" nodeType="tmRoot">
+        <p:cTn id="1" dur="indefinite" restart="never" nodeType="tmRoot">
           <p:childTnLst>
             <p:seq>
-              <p:cTn id="10" nodeType="mainSeq"/>
+              <p:cTn id="2" nodeType="mainSeq"/>
               <p:prevCondLst>
-                <p:cond delay="0" evt="onPrev">
+                <p:cond evt="onPrev" delay="0">
                   <p:tgtEl>
                     <p:sldTgt/>
                   </p:tgtEl>
                 </p:cond>
               </p:prevCondLst>
               <p:nextCondLst>
-                <p:cond delay="0" evt="onNext">
+                <p:cond evt="onNext" delay="0">
                   <p:tgtEl>
                     <p:sldTgt/>
                   </p:tgtEl>
@@ -10100,7 +12085,7 @@
 </file>
 
 <file path=ppt/slides/slide6.xml><?xml version="1.0" encoding="utf-8"?>
-<p:sld xmlns:a="http://schemas.openxmlformats.org/drawingml/2006/main" xmlns:p="http://schemas.openxmlformats.org/presentationml/2006/main" xmlns:r="http://schemas.openxmlformats.org/officeDocument/2006/relationships">
+<p:sld xmlns:a="http://schemas.openxmlformats.org/drawingml/2006/main" xmlns:r="http://schemas.openxmlformats.org/officeDocument/2006/relationships" xmlns:p="http://schemas.openxmlformats.org/presentationml/2006/main">
   <p:cSld>
     <p:spTree>
       <p:nvGrpSpPr>
@@ -10136,13 +12121,20 @@
           </a:ln>
         </p:spPr>
         <p:style>
-          <a:lnRef idx="0"/>
-          <a:fillRef idx="0"/>
-          <a:effectRef idx="0"/>
+          <a:lnRef idx="0">
+            <a:scrgbClr r="0" g="0" b="0"/>
+          </a:lnRef>
+          <a:fillRef idx="0">
+            <a:scrgbClr r="0" g="0" b="0"/>
+          </a:fillRef>
+          <a:effectRef idx="0">
+            <a:scrgbClr r="0" g="0" b="0"/>
+          </a:effectRef>
           <a:fontRef idx="minor"/>
         </p:style>
         <p:txBody>
-          <a:bodyPr lIns="90000" rIns="90000" tIns="45000" bIns="45000"/>
+          <a:bodyPr lIns="90000" tIns="45000" rIns="90000" bIns="45000"/>
+          <a:lstStyle/>
           <a:p>
             <a:pPr>
               <a:lnSpc>
@@ -10158,16 +12150,7 @@
                 </a:solidFill>
                 <a:latin typeface="Calibri"/>
               </a:rPr>
-              <a:t> </a:t>
-            </a:r>
-            <a:r>
-              <a:rPr lang="en-US" sz="3200" strike="noStrike">
-                <a:solidFill>
-                  <a:srgbClr val="000000"/>
-                </a:solidFill>
-                <a:latin typeface="Calibri"/>
-              </a:rPr>
-              <a:t>Dealing with ever-changing requirements is considered the real problem of Software Engineering (Berry, 2004).</a:t>
+              <a:t> Dealing with ever-changing requirements is considered the real problem of Software Engineering (Berry, 2004).</a:t>
             </a:r>
             <a:endParaRPr/>
           </a:p>
@@ -10248,13 +12231,20 @@
           </a:ln>
         </p:spPr>
         <p:style>
-          <a:lnRef idx="0"/>
-          <a:fillRef idx="0"/>
-          <a:effectRef idx="0"/>
+          <a:lnRef idx="0">
+            <a:scrgbClr r="0" g="0" b="0"/>
+          </a:lnRef>
+          <a:fillRef idx="0">
+            <a:scrgbClr r="0" g="0" b="0"/>
+          </a:fillRef>
+          <a:effectRef idx="0">
+            <a:scrgbClr r="0" g="0" b="0"/>
+          </a:effectRef>
           <a:fontRef idx="minor"/>
         </p:style>
         <p:txBody>
-          <a:bodyPr lIns="90000" rIns="90000" tIns="45000" bIns="45000"/>
+          <a:bodyPr lIns="90000" tIns="45000" rIns="90000" bIns="45000"/>
+          <a:lstStyle/>
           <a:p>
             <a:pPr algn="ctr">
               <a:lnSpc>
@@ -10276,22 +12266,25 @@
       </p:sp>
     </p:spTree>
   </p:cSld>
+  <p:clrMapOvr>
+    <a:masterClrMapping/>
+  </p:clrMapOvr>
   <p:timing>
     <p:tnLst>
       <p:par>
-        <p:cTn id="11" dur="indefinite" restart="never" nodeType="tmRoot">
+        <p:cTn id="1" dur="indefinite" restart="never" nodeType="tmRoot">
           <p:childTnLst>
             <p:seq>
-              <p:cTn id="12" nodeType="mainSeq"/>
+              <p:cTn id="2" nodeType="mainSeq"/>
               <p:prevCondLst>
-                <p:cond delay="0" evt="onPrev">
+                <p:cond evt="onPrev" delay="0">
                   <p:tgtEl>
                     <p:sldTgt/>
                   </p:tgtEl>
                 </p:cond>
               </p:prevCondLst>
               <p:nextCondLst>
-                <p:cond delay="0" evt="onNext">
+                <p:cond evt="onNext" delay="0">
                   <p:tgtEl>
                     <p:sldTgt/>
                   </p:tgtEl>
@@ -10307,7 +12300,7 @@
 </file>
 
 <file path=ppt/slides/slide7.xml><?xml version="1.0" encoding="utf-8"?>
-<p:sld xmlns:a="http://schemas.openxmlformats.org/drawingml/2006/main" xmlns:p="http://schemas.openxmlformats.org/presentationml/2006/main" xmlns:r="http://schemas.openxmlformats.org/officeDocument/2006/relationships">
+<p:sld xmlns:a="http://schemas.openxmlformats.org/drawingml/2006/main" xmlns:r="http://schemas.openxmlformats.org/officeDocument/2006/relationships" xmlns:p="http://schemas.openxmlformats.org/presentationml/2006/main">
   <p:cSld>
     <p:spTree>
       <p:nvGrpSpPr>
@@ -10343,13 +12336,20 @@
           </a:ln>
         </p:spPr>
         <p:style>
-          <a:lnRef idx="0"/>
-          <a:fillRef idx="0"/>
-          <a:effectRef idx="0"/>
+          <a:lnRef idx="0">
+            <a:scrgbClr r="0" g="0" b="0"/>
+          </a:lnRef>
+          <a:fillRef idx="0">
+            <a:scrgbClr r="0" g="0" b="0"/>
+          </a:fillRef>
+          <a:effectRef idx="0">
+            <a:scrgbClr r="0" g="0" b="0"/>
+          </a:effectRef>
           <a:fontRef idx="minor"/>
         </p:style>
         <p:txBody>
-          <a:bodyPr lIns="90000" rIns="90000" tIns="45000" bIns="45000" anchor="ctr"/>
+          <a:bodyPr lIns="90000" tIns="45000" rIns="90000" bIns="45000" anchor="ctr"/>
+          <a:lstStyle/>
           <a:p>
             <a:pPr algn="ctr">
               <a:lnSpc>
@@ -10390,13 +12390,20 @@
           </a:ln>
         </p:spPr>
         <p:style>
-          <a:lnRef idx="0"/>
-          <a:fillRef idx="0"/>
-          <a:effectRef idx="0"/>
+          <a:lnRef idx="0">
+            <a:scrgbClr r="0" g="0" b="0"/>
+          </a:lnRef>
+          <a:fillRef idx="0">
+            <a:scrgbClr r="0" g="0" b="0"/>
+          </a:fillRef>
+          <a:effectRef idx="0">
+            <a:scrgbClr r="0" g="0" b="0"/>
+          </a:effectRef>
           <a:fontRef idx="minor"/>
         </p:style>
         <p:txBody>
-          <a:bodyPr lIns="90000" rIns="90000" tIns="45000" bIns="45000"/>
+          <a:bodyPr lIns="90000" tIns="45000" rIns="90000" bIns="45000"/>
+          <a:lstStyle/>
           <a:p>
             <a:pPr>
               <a:lnSpc>
@@ -10489,22 +12496,25 @@
       </p:sp>
     </p:spTree>
   </p:cSld>
+  <p:clrMapOvr>
+    <a:masterClrMapping/>
+  </p:clrMapOvr>
   <p:timing>
     <p:tnLst>
       <p:par>
-        <p:cTn id="13" dur="indefinite" restart="never" nodeType="tmRoot">
+        <p:cTn id="1" dur="indefinite" restart="never" nodeType="tmRoot">
           <p:childTnLst>
             <p:seq>
-              <p:cTn id="14" nodeType="mainSeq"/>
+              <p:cTn id="2" nodeType="mainSeq"/>
               <p:prevCondLst>
-                <p:cond delay="0" evt="onPrev">
+                <p:cond evt="onPrev" delay="0">
                   <p:tgtEl>
                     <p:sldTgt/>
                   </p:tgtEl>
                 </p:cond>
               </p:prevCondLst>
               <p:nextCondLst>
-                <p:cond delay="0" evt="onNext">
+                <p:cond evt="onNext" delay="0">
                   <p:tgtEl>
                     <p:sldTgt/>
                   </p:tgtEl>
@@ -10520,7 +12530,7 @@
 </file>
 
 <file path=ppt/slides/slide8.xml><?xml version="1.0" encoding="utf-8"?>
-<p:sld xmlns:a="http://schemas.openxmlformats.org/drawingml/2006/main" xmlns:p="http://schemas.openxmlformats.org/presentationml/2006/main" xmlns:r="http://schemas.openxmlformats.org/officeDocument/2006/relationships">
+<p:sld xmlns:a="http://schemas.openxmlformats.org/drawingml/2006/main" xmlns:r="http://schemas.openxmlformats.org/officeDocument/2006/relationships" xmlns:p="http://schemas.openxmlformats.org/presentationml/2006/main">
   <p:cSld>
     <p:spTree>
       <p:nvGrpSpPr>
@@ -10556,13 +12566,20 @@
           </a:ln>
         </p:spPr>
         <p:style>
-          <a:lnRef idx="0"/>
-          <a:fillRef idx="0"/>
-          <a:effectRef idx="0"/>
+          <a:lnRef idx="0">
+            <a:scrgbClr r="0" g="0" b="0"/>
+          </a:lnRef>
+          <a:fillRef idx="0">
+            <a:scrgbClr r="0" g="0" b="0"/>
+          </a:fillRef>
+          <a:effectRef idx="0">
+            <a:scrgbClr r="0" g="0" b="0"/>
+          </a:effectRef>
           <a:fontRef idx="minor"/>
         </p:style>
         <p:txBody>
-          <a:bodyPr lIns="90000" rIns="90000" tIns="45000" bIns="45000" anchor="ctr"/>
+          <a:bodyPr lIns="90000" tIns="45000" rIns="90000" bIns="45000" anchor="ctr"/>
+          <a:lstStyle/>
           <a:p>
             <a:pPr algn="ctr">
               <a:lnSpc>
@@ -10603,13 +12620,20 @@
           </a:ln>
         </p:spPr>
         <p:style>
-          <a:lnRef idx="0"/>
-          <a:fillRef idx="0"/>
-          <a:effectRef idx="0"/>
+          <a:lnRef idx="0">
+            <a:scrgbClr r="0" g="0" b="0"/>
+          </a:lnRef>
+          <a:fillRef idx="0">
+            <a:scrgbClr r="0" g="0" b="0"/>
+          </a:fillRef>
+          <a:effectRef idx="0">
+            <a:scrgbClr r="0" g="0" b="0"/>
+          </a:effectRef>
           <a:fontRef idx="minor"/>
         </p:style>
         <p:txBody>
-          <a:bodyPr lIns="90000" rIns="90000" tIns="45000" bIns="45000"/>
+          <a:bodyPr lIns="90000" tIns="45000" rIns="90000" bIns="45000"/>
+          <a:lstStyle/>
           <a:p>
             <a:pPr>
               <a:lnSpc>
@@ -10682,22 +12706,25 @@
       </p:sp>
     </p:spTree>
   </p:cSld>
+  <p:clrMapOvr>
+    <a:masterClrMapping/>
+  </p:clrMapOvr>
   <p:timing>
     <p:tnLst>
       <p:par>
-        <p:cTn id="15" dur="indefinite" restart="never" nodeType="tmRoot">
+        <p:cTn id="1" dur="indefinite" restart="never" nodeType="tmRoot">
           <p:childTnLst>
             <p:seq>
-              <p:cTn id="16" nodeType="mainSeq"/>
+              <p:cTn id="2" nodeType="mainSeq"/>
               <p:prevCondLst>
-                <p:cond delay="0" evt="onPrev">
+                <p:cond evt="onPrev" delay="0">
                   <p:tgtEl>
                     <p:sldTgt/>
                   </p:tgtEl>
                 </p:cond>
               </p:prevCondLst>
               <p:nextCondLst>
-                <p:cond delay="0" evt="onNext">
+                <p:cond evt="onNext" delay="0">
                   <p:tgtEl>
                     <p:sldTgt/>
                   </p:tgtEl>
@@ -10713,7 +12740,7 @@
 </file>
 
 <file path=ppt/slides/slide9.xml><?xml version="1.0" encoding="utf-8"?>
-<p:sld xmlns:a="http://schemas.openxmlformats.org/drawingml/2006/main" xmlns:p="http://schemas.openxmlformats.org/presentationml/2006/main" xmlns:r="http://schemas.openxmlformats.org/officeDocument/2006/relationships">
+<p:sld xmlns:a="http://schemas.openxmlformats.org/drawingml/2006/main" xmlns:r="http://schemas.openxmlformats.org/officeDocument/2006/relationships" xmlns:p="http://schemas.openxmlformats.org/presentationml/2006/main">
   <p:cSld>
     <p:spTree>
       <p:nvGrpSpPr>
@@ -10749,13 +12776,20 @@
           </a:ln>
         </p:spPr>
         <p:style>
-          <a:lnRef idx="0"/>
-          <a:fillRef idx="0"/>
-          <a:effectRef idx="0"/>
+          <a:lnRef idx="0">
+            <a:scrgbClr r="0" g="0" b="0"/>
+          </a:lnRef>
+          <a:fillRef idx="0">
+            <a:scrgbClr r="0" g="0" b="0"/>
+          </a:fillRef>
+          <a:effectRef idx="0">
+            <a:scrgbClr r="0" g="0" b="0"/>
+          </a:effectRef>
           <a:fontRef idx="minor"/>
         </p:style>
         <p:txBody>
-          <a:bodyPr lIns="90000" rIns="90000" tIns="45000" bIns="45000" anchor="ctr"/>
+          <a:bodyPr lIns="90000" tIns="45000" rIns="90000" bIns="45000" anchor="ctr"/>
+          <a:lstStyle/>
           <a:p>
             <a:pPr algn="ctr">
               <a:lnSpc>
@@ -10796,13 +12830,20 @@
           </a:ln>
         </p:spPr>
         <p:style>
-          <a:lnRef idx="0"/>
-          <a:fillRef idx="0"/>
-          <a:effectRef idx="0"/>
+          <a:lnRef idx="0">
+            <a:scrgbClr r="0" g="0" b="0"/>
+          </a:lnRef>
+          <a:fillRef idx="0">
+            <a:scrgbClr r="0" g="0" b="0"/>
+          </a:fillRef>
+          <a:effectRef idx="0">
+            <a:scrgbClr r="0" g="0" b="0"/>
+          </a:effectRef>
           <a:fontRef idx="minor"/>
         </p:style>
         <p:txBody>
-          <a:bodyPr lIns="90000" rIns="90000" tIns="45000" bIns="45000"/>
+          <a:bodyPr lIns="90000" tIns="45000" rIns="90000" bIns="45000"/>
+          <a:lstStyle/>
           <a:p>
             <a:pPr>
               <a:lnSpc>
@@ -10875,22 +12916,25 @@
       </p:sp>
     </p:spTree>
   </p:cSld>
+  <p:clrMapOvr>
+    <a:masterClrMapping/>
+  </p:clrMapOvr>
   <p:timing>
     <p:tnLst>
       <p:par>
-        <p:cTn id="17" dur="indefinite" restart="never" nodeType="tmRoot">
+        <p:cTn id="1" dur="indefinite" restart="never" nodeType="tmRoot">
           <p:childTnLst>
             <p:seq>
-              <p:cTn id="18" nodeType="mainSeq"/>
+              <p:cTn id="2" nodeType="mainSeq"/>
               <p:prevCondLst>
-                <p:cond delay="0" evt="onPrev">
+                <p:cond evt="onPrev" delay="0">
                   <p:tgtEl>
                     <p:sldTgt/>
                   </p:tgtEl>
                 </p:cond>
               </p:prevCondLst>
               <p:nextCondLst>
-                <p:cond delay="0" evt="onNext">
+                <p:cond evt="onNext" delay="0">
                   <p:tgtEl>
                     <p:sldTgt/>
                   </p:tgtEl>
@@ -11125,6 +13169,8 @@
       </a:bgFillStyleLst>
     </a:fmtScheme>
   </a:themeElements>
+  <a:objectDefaults/>
+  <a:extraClrSchemeLst/>
 </a:theme>
 </file>
 
@@ -11348,6 +13394,8 @@
       </a:bgFillStyleLst>
     </a:fmtScheme>
   </a:themeElements>
+  <a:objectDefaults/>
+  <a:extraClrSchemeLst/>
 </a:theme>
 </file>
 
@@ -11571,5 +13619,7 @@
       </a:bgFillStyleLst>
     </a:fmtScheme>
   </a:themeElements>
+  <a:objectDefaults/>
+  <a:extraClrSchemeLst/>
 </a:theme>
 </file>